--- a/CISC848/ProposalPresentation/CvssOptimizationProposal.pptx
+++ b/CISC848/ProposalPresentation/CvssOptimizationProposal.pptx
@@ -25,10 +25,20 @@
     <p:sldId id="274" r:id="rId19"/>
     <p:sldId id="275" r:id="rId20"/>
     <p:sldId id="276" r:id="rId21"/>
-    <p:sldId id="277" r:id="rId22"/>
-    <p:sldId id="278" r:id="rId23"/>
-    <p:sldId id="279" r:id="rId24"/>
-    <p:sldId id="271" r:id="rId25"/>
+    <p:sldId id="287" r:id="rId22"/>
+    <p:sldId id="277" r:id="rId23"/>
+    <p:sldId id="278" r:id="rId24"/>
+    <p:sldId id="279" r:id="rId25"/>
+    <p:sldId id="280" r:id="rId26"/>
+    <p:sldId id="283" r:id="rId27"/>
+    <p:sldId id="282" r:id="rId28"/>
+    <p:sldId id="284" r:id="rId29"/>
+    <p:sldId id="285" r:id="rId30"/>
+    <p:sldId id="286" r:id="rId31"/>
+    <p:sldId id="288" r:id="rId32"/>
+    <p:sldId id="290" r:id="rId33"/>
+    <p:sldId id="291" r:id="rId34"/>
+    <p:sldId id="271" r:id="rId35"/>
   </p:sldIdLst>
   <p:sldSz cx="12192000" cy="6858000"/>
   <p:notesSz cx="6858000" cy="9144000"/>
@@ -8427,11 +8437,11 @@
         <p:spPr>
           <a:xfrm>
             <a:off x="677333" y="1366982"/>
-            <a:ext cx="6990407" cy="2962648"/>
+            <a:ext cx="6990407" cy="4520012"/>
           </a:xfrm>
         </p:spPr>
         <p:txBody>
-          <a:bodyPr>
+          <a:bodyPr anchor="ctr">
             <a:normAutofit/>
           </a:bodyPr>
           <a:lstStyle/>
@@ -8447,21 +8457,8 @@
                   <a:schemeClr val="tx1"/>
                 </a:solidFill>
               </a:rPr>
-              <a:t>Base score </a:t>
-            </a:r>
-            <a:r>
-              <a:rPr lang="en-US" sz="3600" dirty="0" smtClean="0">
-                <a:solidFill>
-                  <a:schemeClr val="tx1"/>
-                </a:solidFill>
-              </a:rPr>
-              <a:t>not correlated with exploits in wild</a:t>
-            </a:r>
-            <a:endParaRPr lang="en-US" sz="3600" dirty="0" smtClean="0">
-              <a:solidFill>
-                <a:schemeClr val="tx1"/>
-              </a:solidFill>
-            </a:endParaRPr>
+              <a:t>Base score not correlated with exploits in wild</a:t>
+            </a:r>
           </a:p>
           <a:p>
             <a:pPr>
@@ -8824,7 +8821,7 @@
           </a:xfrm>
         </p:spPr>
         <p:txBody>
-          <a:bodyPr>
+          <a:bodyPr anchor="ctr">
             <a:normAutofit/>
           </a:bodyPr>
           <a:lstStyle/>
@@ -8842,11 +8839,6 @@
               </a:rPr>
               <a:t>Retroactively fixed random groups of vulnerabilities</a:t>
             </a:r>
-            <a:endParaRPr lang="en-US" sz="3600" dirty="0" smtClean="0">
-              <a:solidFill>
-                <a:schemeClr val="tx1"/>
-              </a:solidFill>
-            </a:endParaRPr>
           </a:p>
           <a:p>
             <a:pPr>
@@ -8935,15 +8927,7 @@
                   <a:schemeClr val="tx1"/>
                 </a:solidFill>
               </a:rPr>
-              <a:t>Problem – </a:t>
-            </a:r>
-            <a:r>
-              <a:rPr lang="en-US" sz="4800" dirty="0" smtClean="0">
-                <a:solidFill>
-                  <a:schemeClr val="tx1"/>
-                </a:solidFill>
-              </a:rPr>
-              <a:t>Alternative scoring</a:t>
+              <a:t>Problem – Alternative scoring</a:t>
             </a:r>
             <a:endParaRPr lang="en-CA" sz="4800" dirty="0">
               <a:solidFill>
@@ -9174,7 +9158,7 @@
           </a:xfrm>
         </p:spPr>
         <p:txBody>
-          <a:bodyPr>
+          <a:bodyPr anchor="ctr">
             <a:normAutofit/>
           </a:bodyPr>
           <a:lstStyle/>
@@ -9473,15 +9457,7 @@
                   <a:schemeClr val="tx1"/>
                 </a:solidFill>
               </a:rPr>
-              <a:t>Problem – </a:t>
-            </a:r>
-            <a:r>
-              <a:rPr lang="en-US" sz="4800" dirty="0" smtClean="0">
-                <a:solidFill>
-                  <a:schemeClr val="tx1"/>
-                </a:solidFill>
-              </a:rPr>
-              <a:t>Standardization</a:t>
+              <a:t>Problem – Standardization</a:t>
             </a:r>
             <a:endParaRPr lang="en-CA" sz="4800" dirty="0">
               <a:solidFill>
@@ -9508,7 +9484,7 @@
           </a:xfrm>
         </p:spPr>
         <p:txBody>
-          <a:bodyPr>
+          <a:bodyPr anchor="ctr">
             <a:normAutofit/>
           </a:bodyPr>
           <a:lstStyle/>
@@ -9619,8 +9595,8 @@
         </p:nvSpPr>
         <p:spPr>
           <a:xfrm>
-            <a:off x="677334" y="609599"/>
-            <a:ext cx="9685866" cy="840510"/>
+            <a:off x="677333" y="609599"/>
+            <a:ext cx="10683393" cy="840510"/>
           </a:xfrm>
         </p:spPr>
         <p:txBody>
@@ -9635,7 +9611,7 @@
                   <a:schemeClr val="tx1"/>
                 </a:solidFill>
               </a:rPr>
-              <a:t>Problem – </a:t>
+              <a:t>Proposal – </a:t>
             </a:r>
             <a:r>
               <a:rPr lang="en-US" sz="4800" dirty="0" smtClean="0">
@@ -9643,7 +9619,7 @@
                   <a:schemeClr val="tx1"/>
                 </a:solidFill>
               </a:rPr>
-              <a:t>Base score analysis</a:t>
+              <a:t>Improved standardization</a:t>
             </a:r>
             <a:endParaRPr lang="en-CA" sz="4800" dirty="0">
               <a:solidFill>
@@ -9665,12 +9641,12 @@
         </p:nvSpPr>
         <p:spPr>
           <a:xfrm>
-            <a:off x="677333" y="1366981"/>
-            <a:ext cx="5244496" cy="4676767"/>
+            <a:off x="677331" y="1366981"/>
+            <a:ext cx="9251759" cy="4406802"/>
           </a:xfrm>
         </p:spPr>
         <p:txBody>
-          <a:bodyPr>
+          <a:bodyPr anchor="ctr">
             <a:normAutofit/>
           </a:bodyPr>
           <a:lstStyle/>
@@ -9686,7 +9662,47 @@
                   <a:schemeClr val="tx1"/>
                 </a:solidFill>
               </a:rPr>
-              <a:t>Choices for metric values minimize human subjectivity</a:t>
+              <a:t>Authors such as </a:t>
+            </a:r>
+            <a:r>
+              <a:rPr lang="en-US" sz="3600" dirty="0" err="1" smtClean="0">
+                <a:solidFill>
+                  <a:schemeClr val="tx1"/>
+                </a:solidFill>
+              </a:rPr>
+              <a:t>Kha</a:t>
+            </a:r>
+            <a:r>
+              <a:rPr lang="en-US" sz="3600" dirty="0" err="1" smtClean="0">
+                <a:solidFill>
+                  <a:schemeClr val="tx1"/>
+                </a:solidFill>
+              </a:rPr>
+              <a:t>zaei</a:t>
+            </a:r>
+            <a:r>
+              <a:rPr lang="en-US" sz="3600" dirty="0" smtClean="0">
+                <a:solidFill>
+                  <a:schemeClr val="tx1"/>
+                </a:solidFill>
+              </a:rPr>
+              <a:t> </a:t>
+            </a:r>
+            <a:r>
+              <a:rPr lang="en-US" sz="3600" i="1" dirty="0" smtClean="0">
+                <a:solidFill>
+                  <a:schemeClr val="tx1"/>
+                </a:solidFill>
+              </a:rPr>
+              <a:t>et al. </a:t>
+            </a:r>
+            <a:r>
+              <a:rPr lang="en-US" sz="3600" dirty="0" smtClean="0">
+                <a:solidFill>
+                  <a:schemeClr val="tx1"/>
+                </a:solidFill>
+              </a:rPr>
+              <a:t>[3] investigate automated CVSS prediction</a:t>
             </a:r>
           </a:p>
           <a:p>
@@ -9701,7 +9717,7 @@
                   <a:schemeClr val="tx1"/>
                 </a:solidFill>
               </a:rPr>
-              <a:t>Score equation contains 26 scalars</a:t>
+              <a:t>Automated methods have not gained widespread acceptance</a:t>
             </a:r>
           </a:p>
           <a:p>
@@ -9716,427 +9732,33 @@
                   <a:schemeClr val="tx1"/>
                 </a:solidFill>
               </a:rPr>
-              <a:t>Particular scalar values arbitrary</a:t>
-            </a:r>
-            <a:endParaRPr lang="en-CA" sz="3600" dirty="0">
+              <a:t>Defeat standardization process</a:t>
+            </a:r>
+            <a:endParaRPr lang="en-US" sz="3600" dirty="0" smtClean="0">
               <a:solidFill>
                 <a:schemeClr val="tx1"/>
               </a:solidFill>
             </a:endParaRPr>
           </a:p>
-        </p:txBody>
-      </p:sp>
-      <p:sp>
-        <p:nvSpPr>
-          <p:cNvPr id="3" name="TextBox 2"/>
-          <p:cNvSpPr txBox="1"/>
-          <p:nvPr/>
-        </p:nvSpPr>
-        <p:spPr>
-          <a:xfrm>
-            <a:off x="5347063" y="1450109"/>
-            <a:ext cx="5016137" cy="5539978"/>
-          </a:xfrm>
-          <a:prstGeom prst="rect">
-            <a:avLst/>
-          </a:prstGeom>
-          <a:noFill/>
-        </p:spPr>
-        <p:txBody>
-          <a:bodyPr wrap="square" rtlCol="0">
-            <a:spAutoFit/>
-          </a:bodyPr>
-          <a:lstStyle/>
-          <a:p>
-            <a:r>
-              <a:rPr lang="en-CA" sz="1400" dirty="0" err="1"/>
-              <a:t>BaseScore</a:t>
-            </a:r>
-            <a:r>
-              <a:rPr lang="en-CA" sz="1400" dirty="0"/>
-              <a:t> = </a:t>
-            </a:r>
-            <a:r>
-              <a:rPr lang="en-CA" sz="1400" dirty="0" smtClean="0"/>
-              <a:t>round_to_1_decimal</a:t>
-            </a:r>
-            <a:r>
-              <a:rPr lang="en-CA" sz="1400" dirty="0"/>
-              <a:t>(((</a:t>
-            </a:r>
-            <a:r>
-              <a:rPr lang="en-CA" sz="1400" dirty="0">
-                <a:solidFill>
-                  <a:srgbClr val="FF0000"/>
-                </a:solidFill>
-              </a:rPr>
-              <a:t>0.6</a:t>
-            </a:r>
-            <a:r>
-              <a:rPr lang="en-CA" sz="1400" dirty="0"/>
-              <a:t>*Impact)+(</a:t>
-            </a:r>
-            <a:r>
-              <a:rPr lang="en-CA" sz="1400" dirty="0">
-                <a:solidFill>
-                  <a:srgbClr val="FF0000"/>
-                </a:solidFill>
-              </a:rPr>
-              <a:t>0.4</a:t>
-            </a:r>
-            <a:r>
-              <a:rPr lang="en-CA" sz="1400" dirty="0"/>
-              <a:t>*Exploitability)–</a:t>
-            </a:r>
-            <a:r>
-              <a:rPr lang="en-CA" sz="1400" dirty="0">
-                <a:solidFill>
-                  <a:srgbClr val="FF0000"/>
-                </a:solidFill>
-              </a:rPr>
-              <a:t>1.5</a:t>
-            </a:r>
-            <a:r>
-              <a:rPr lang="en-CA" sz="1400" dirty="0"/>
-              <a:t>)*f(Impact))</a:t>
-            </a:r>
-          </a:p>
-          <a:p>
-            <a:r>
-              <a:rPr lang="en-CA" sz="1400" dirty="0"/>
-              <a:t>Impact = </a:t>
-            </a:r>
-            <a:r>
-              <a:rPr lang="en-CA" sz="1400" dirty="0">
-                <a:solidFill>
-                  <a:srgbClr val="FF0000"/>
-                </a:solidFill>
-              </a:rPr>
-              <a:t>10.41</a:t>
-            </a:r>
-            <a:r>
-              <a:rPr lang="en-CA" sz="1400" dirty="0"/>
-              <a:t>*(1-(1-ConfImpact)*(1-IntegImpact)*(1-AvailImpact))</a:t>
-            </a:r>
-          </a:p>
-          <a:p>
-            <a:r>
-              <a:rPr lang="en-CA" sz="1400" dirty="0"/>
-              <a:t>Exploitability = </a:t>
-            </a:r>
-            <a:r>
-              <a:rPr lang="en-CA" sz="1400" dirty="0">
-                <a:solidFill>
-                  <a:srgbClr val="FF0000"/>
-                </a:solidFill>
-              </a:rPr>
-              <a:t>20</a:t>
-            </a:r>
-            <a:r>
-              <a:rPr lang="en-CA" sz="1400" dirty="0"/>
-              <a:t>* </a:t>
-            </a:r>
-            <a:r>
-              <a:rPr lang="en-CA" sz="1400" dirty="0" err="1"/>
-              <a:t>AccessVector</a:t>
-            </a:r>
-            <a:r>
-              <a:rPr lang="en-CA" sz="1400" dirty="0"/>
-              <a:t>*</a:t>
-            </a:r>
-            <a:r>
-              <a:rPr lang="en-CA" sz="1400" dirty="0" err="1"/>
-              <a:t>AccessComplexity</a:t>
-            </a:r>
-            <a:r>
-              <a:rPr lang="en-CA" sz="1400" dirty="0"/>
-              <a:t>*Authentication</a:t>
-            </a:r>
-          </a:p>
-          <a:p>
-            <a:r>
-              <a:rPr lang="en-CA" sz="1400" dirty="0"/>
-              <a:t>f(impact)= </a:t>
-            </a:r>
-            <a:r>
-              <a:rPr lang="en-CA" sz="1400" dirty="0">
-                <a:solidFill>
-                  <a:srgbClr val="FF0000"/>
-                </a:solidFill>
-              </a:rPr>
-              <a:t>0</a:t>
-            </a:r>
-            <a:r>
-              <a:rPr lang="en-CA" sz="1400" dirty="0"/>
-              <a:t> if Impact=</a:t>
-            </a:r>
-            <a:r>
-              <a:rPr lang="en-CA" sz="1400" dirty="0">
-                <a:solidFill>
-                  <a:srgbClr val="FF0000"/>
-                </a:solidFill>
-              </a:rPr>
-              <a:t>0</a:t>
-            </a:r>
-            <a:r>
-              <a:rPr lang="en-CA" sz="1400" dirty="0"/>
-              <a:t>, </a:t>
-            </a:r>
-            <a:r>
-              <a:rPr lang="en-CA" sz="1400" dirty="0">
-                <a:solidFill>
-                  <a:srgbClr val="FF0000"/>
-                </a:solidFill>
-              </a:rPr>
-              <a:t>1.176</a:t>
-            </a:r>
-            <a:r>
-              <a:rPr lang="en-CA" sz="1400" dirty="0"/>
-              <a:t> otherwise</a:t>
-            </a:r>
-          </a:p>
-          <a:p>
-            <a:r>
-              <a:rPr lang="en-CA" sz="1400" dirty="0" err="1"/>
-              <a:t>AccessVector</a:t>
-            </a:r>
-            <a:r>
-              <a:rPr lang="en-CA" sz="1400" dirty="0"/>
-              <a:t> = case </a:t>
-            </a:r>
-            <a:r>
-              <a:rPr lang="en-CA" sz="1400" dirty="0" err="1"/>
-              <a:t>AccessVector</a:t>
-            </a:r>
-            <a:r>
-              <a:rPr lang="en-CA" sz="1400" dirty="0"/>
-              <a:t> of</a:t>
-            </a:r>
-          </a:p>
-          <a:p>
-            <a:r>
-              <a:rPr lang="en-CA" sz="1400" dirty="0"/>
-              <a:t> requires local access: </a:t>
-            </a:r>
-            <a:r>
-              <a:rPr lang="en-CA" sz="1400" dirty="0">
-                <a:solidFill>
-                  <a:srgbClr val="FF0000"/>
-                </a:solidFill>
-              </a:rPr>
-              <a:t>0.395</a:t>
-            </a:r>
-          </a:p>
-          <a:p>
-            <a:r>
-              <a:rPr lang="en-CA" sz="1400" dirty="0"/>
-              <a:t> adjacent network accessible: </a:t>
-            </a:r>
-            <a:r>
-              <a:rPr lang="en-CA" sz="1400" dirty="0">
-                <a:solidFill>
-                  <a:srgbClr val="FF0000"/>
-                </a:solidFill>
-              </a:rPr>
-              <a:t>0.646</a:t>
-            </a:r>
-          </a:p>
-          <a:p>
-            <a:r>
-              <a:rPr lang="en-CA" sz="1400" dirty="0"/>
-              <a:t> network accessible: </a:t>
-            </a:r>
-            <a:r>
-              <a:rPr lang="en-CA" sz="1400" dirty="0">
-                <a:solidFill>
-                  <a:srgbClr val="FF0000"/>
-                </a:solidFill>
-              </a:rPr>
-              <a:t>1.0</a:t>
-            </a:r>
-          </a:p>
-          <a:p>
-            <a:r>
-              <a:rPr lang="en-CA" sz="1400" dirty="0" err="1"/>
-              <a:t>AccessComplexity</a:t>
-            </a:r>
-            <a:r>
-              <a:rPr lang="en-CA" sz="1400" dirty="0"/>
-              <a:t> = case </a:t>
-            </a:r>
-            <a:r>
-              <a:rPr lang="en-CA" sz="1400" dirty="0" err="1"/>
-              <a:t>AccessComplexity</a:t>
-            </a:r>
-            <a:r>
-              <a:rPr lang="en-CA" sz="1400" dirty="0"/>
-              <a:t> of</a:t>
-            </a:r>
-          </a:p>
-          <a:p>
-            <a:r>
-              <a:rPr lang="en-CA" sz="1400" dirty="0"/>
-              <a:t> high: </a:t>
-            </a:r>
-            <a:r>
-              <a:rPr lang="en-CA" sz="1400" dirty="0">
-                <a:solidFill>
-                  <a:srgbClr val="FF0000"/>
-                </a:solidFill>
-              </a:rPr>
-              <a:t>0.35</a:t>
-            </a:r>
-          </a:p>
-          <a:p>
-            <a:r>
-              <a:rPr lang="en-CA" sz="1400" dirty="0"/>
-              <a:t> medium: </a:t>
-            </a:r>
-            <a:r>
-              <a:rPr lang="en-CA" sz="1400" dirty="0" smtClean="0">
-                <a:solidFill>
-                  <a:srgbClr val="FF0000"/>
-                </a:solidFill>
-              </a:rPr>
-              <a:t>0.61</a:t>
-            </a:r>
-            <a:endParaRPr lang="en-CA" sz="1400" dirty="0">
+          <a:p>
+            <a:pPr marL="0" indent="0">
+              <a:buClr>
+                <a:schemeClr val="tx1"/>
+              </a:buClr>
+              <a:buNone/>
+            </a:pPr>
+            <a:endParaRPr lang="en-US" sz="3600" dirty="0" smtClean="0">
               <a:solidFill>
-                <a:srgbClr val="FF0000"/>
+                <a:schemeClr val="tx1"/>
               </a:solidFill>
             </a:endParaRPr>
-          </a:p>
-          <a:p>
-            <a:r>
-              <a:rPr lang="en-CA" sz="1400" dirty="0"/>
-              <a:t> low: </a:t>
-            </a:r>
-            <a:r>
-              <a:rPr lang="en-CA" sz="1400" dirty="0">
-                <a:solidFill>
-                  <a:srgbClr val="FF0000"/>
-                </a:solidFill>
-              </a:rPr>
-              <a:t>0.71</a:t>
-            </a:r>
-          </a:p>
-          <a:p>
-            <a:r>
-              <a:rPr lang="en-CA" sz="1400" dirty="0"/>
-              <a:t>Authentication = case Authentication of</a:t>
-            </a:r>
-          </a:p>
-          <a:p>
-            <a:r>
-              <a:rPr lang="en-CA" sz="1400" dirty="0"/>
-              <a:t> requires multiple instances of authentication: </a:t>
-            </a:r>
-            <a:r>
-              <a:rPr lang="en-CA" sz="1400" dirty="0">
-                <a:solidFill>
-                  <a:srgbClr val="FF0000"/>
-                </a:solidFill>
-              </a:rPr>
-              <a:t>0.45</a:t>
-            </a:r>
-          </a:p>
-          <a:p>
-            <a:r>
-              <a:rPr lang="en-CA" sz="1400" dirty="0"/>
-              <a:t> requires single instance of authentication: </a:t>
-            </a:r>
-            <a:r>
-              <a:rPr lang="en-CA" sz="1400" dirty="0">
-                <a:solidFill>
-                  <a:srgbClr val="FF0000"/>
-                </a:solidFill>
-              </a:rPr>
-              <a:t>0.56</a:t>
-            </a:r>
-          </a:p>
-          <a:p>
-            <a:r>
-              <a:rPr lang="en-CA" sz="1400" dirty="0"/>
-              <a:t> 	requires no authentication:  </a:t>
-            </a:r>
-            <a:r>
-              <a:rPr lang="en-CA" sz="1400" dirty="0">
-                <a:solidFill>
-                  <a:srgbClr val="FF0000"/>
-                </a:solidFill>
-              </a:rPr>
-              <a:t>0.704</a:t>
-            </a:r>
-          </a:p>
-          <a:p>
-            <a:r>
-              <a:rPr lang="en-CA" sz="1400" dirty="0" err="1"/>
-              <a:t>ConfImpact</a:t>
-            </a:r>
-            <a:r>
-              <a:rPr lang="en-CA" sz="1400" dirty="0"/>
-              <a:t> = case </a:t>
-            </a:r>
-            <a:r>
-              <a:rPr lang="en-CA" sz="1400" dirty="0" err="1"/>
-              <a:t>ConfidentialityImpact</a:t>
-            </a:r>
-            <a:r>
-              <a:rPr lang="en-CA" sz="1400" dirty="0"/>
-              <a:t> of</a:t>
-            </a:r>
-          </a:p>
-          <a:p>
-            <a:r>
-              <a:rPr lang="en-CA" sz="1400" dirty="0"/>
-              <a:t> 	none: </a:t>
-            </a:r>
-            <a:r>
-              <a:rPr lang="en-CA" sz="1400" dirty="0">
-                <a:solidFill>
-                  <a:srgbClr val="FF0000"/>
-                </a:solidFill>
-              </a:rPr>
-              <a:t>0.0</a:t>
-            </a:r>
-          </a:p>
-          <a:p>
-            <a:r>
-              <a:rPr lang="en-CA" sz="1400" dirty="0"/>
-              <a:t> 	partial: </a:t>
-            </a:r>
-            <a:r>
-              <a:rPr lang="en-CA" sz="1400" dirty="0">
-                <a:solidFill>
-                  <a:srgbClr val="FF0000"/>
-                </a:solidFill>
-              </a:rPr>
-              <a:t>0.275</a:t>
-            </a:r>
-          </a:p>
-          <a:p>
-            <a:r>
-              <a:rPr lang="en-CA" sz="1400" dirty="0"/>
-              <a:t> 	complete: </a:t>
-            </a:r>
-            <a:r>
-              <a:rPr lang="en-CA" sz="1400" dirty="0">
-                <a:solidFill>
-                  <a:srgbClr val="FF0000"/>
-                </a:solidFill>
-              </a:rPr>
-              <a:t>0.660</a:t>
-            </a:r>
-          </a:p>
-          <a:p>
-            <a:endParaRPr lang="en-CA" dirty="0"/>
           </a:p>
         </p:txBody>
       </p:sp>
     </p:spTree>
     <p:extLst>
       <p:ext uri="{BB962C8B-B14F-4D97-AF65-F5344CB8AC3E}">
-        <p14:creationId xmlns:p14="http://schemas.microsoft.com/office/powerpoint/2010/main" val="2202993828"/>
+        <p14:creationId xmlns:p14="http://schemas.microsoft.com/office/powerpoint/2010/main" val="4138943451"/>
       </p:ext>
     </p:extLst>
   </p:cSld>
@@ -10198,7 +9820,7 @@
                   <a:schemeClr val="tx1"/>
                 </a:solidFill>
               </a:rPr>
-              <a:t>Proposal – Equation recasting</a:t>
+              <a:t>Problem – Base score analysis</a:t>
             </a:r>
             <a:endParaRPr lang="en-CA" sz="4800" dirty="0">
               <a:solidFill>
@@ -10220,12 +9842,12 @@
         </p:nvSpPr>
         <p:spPr>
           <a:xfrm>
-            <a:off x="677332" y="1366981"/>
-            <a:ext cx="7125548" cy="4676767"/>
+            <a:off x="677333" y="1366981"/>
+            <a:ext cx="5244496" cy="4676767"/>
           </a:xfrm>
         </p:spPr>
         <p:txBody>
-          <a:bodyPr>
+          <a:bodyPr anchor="ctr">
             <a:normAutofit/>
           </a:bodyPr>
           <a:lstStyle/>
@@ -10241,7 +9863,7 @@
                   <a:schemeClr val="tx1"/>
                 </a:solidFill>
               </a:rPr>
-              <a:t>Equation contains 26 scalars</a:t>
+              <a:t>Choices for metric values minimize human subjectivity</a:t>
             </a:r>
           </a:p>
           <a:p>
@@ -10256,20 +9878,442 @@
                   <a:schemeClr val="tx1"/>
                 </a:solidFill>
               </a:rPr>
-              <a:t>Several natural constraints</a:t>
-            </a:r>
-            <a:endParaRPr lang="en-US" sz="3600" dirty="0" smtClean="0">
+              <a:t>Score equation contains 26 scalars</a:t>
+            </a:r>
+          </a:p>
+          <a:p>
+            <a:pPr>
+              <a:buClr>
+                <a:schemeClr val="tx1"/>
+              </a:buClr>
+            </a:pPr>
+            <a:r>
+              <a:rPr lang="en-US" sz="3600" dirty="0" smtClean="0">
+                <a:solidFill>
+                  <a:schemeClr val="tx1"/>
+                </a:solidFill>
+              </a:rPr>
+              <a:t>Particular scalar values arbitrary</a:t>
+            </a:r>
+            <a:endParaRPr lang="en-CA" sz="3600" dirty="0">
               <a:solidFill>
                 <a:schemeClr val="tx1"/>
               </a:solidFill>
             </a:endParaRPr>
+          </a:p>
+        </p:txBody>
+      </p:sp>
+      <p:sp>
+        <p:nvSpPr>
+          <p:cNvPr id="3" name="TextBox 2"/>
+          <p:cNvSpPr txBox="1"/>
+          <p:nvPr/>
+        </p:nvSpPr>
+        <p:spPr>
+          <a:xfrm>
+            <a:off x="5347063" y="1450109"/>
+            <a:ext cx="5016137" cy="5539978"/>
+          </a:xfrm>
+          <a:prstGeom prst="rect">
+            <a:avLst/>
+          </a:prstGeom>
+          <a:noFill/>
+        </p:spPr>
+        <p:txBody>
+          <a:bodyPr wrap="square" rtlCol="0">
+            <a:spAutoFit/>
+          </a:bodyPr>
+          <a:lstStyle/>
+          <a:p>
+            <a:r>
+              <a:rPr lang="en-CA" sz="1400" dirty="0" err="1"/>
+              <a:t>BaseScore</a:t>
+            </a:r>
+            <a:r>
+              <a:rPr lang="en-CA" sz="1400" dirty="0"/>
+              <a:t> = </a:t>
+            </a:r>
+            <a:r>
+              <a:rPr lang="en-CA" sz="1400" dirty="0" smtClean="0"/>
+              <a:t>round_to_1_decimal</a:t>
+            </a:r>
+            <a:r>
+              <a:rPr lang="en-CA" sz="1400" dirty="0"/>
+              <a:t>(((</a:t>
+            </a:r>
+            <a:r>
+              <a:rPr lang="en-CA" sz="1400" dirty="0">
+                <a:solidFill>
+                  <a:srgbClr val="FF0000"/>
+                </a:solidFill>
+              </a:rPr>
+              <a:t>0.6</a:t>
+            </a:r>
+            <a:r>
+              <a:rPr lang="en-CA" sz="1400" dirty="0"/>
+              <a:t>*Impact)+(</a:t>
+            </a:r>
+            <a:r>
+              <a:rPr lang="en-CA" sz="1400" dirty="0">
+                <a:solidFill>
+                  <a:srgbClr val="FF0000"/>
+                </a:solidFill>
+              </a:rPr>
+              <a:t>0.4</a:t>
+            </a:r>
+            <a:r>
+              <a:rPr lang="en-CA" sz="1400" dirty="0"/>
+              <a:t>*Exploitability)–</a:t>
+            </a:r>
+            <a:r>
+              <a:rPr lang="en-CA" sz="1400" dirty="0">
+                <a:solidFill>
+                  <a:srgbClr val="FF0000"/>
+                </a:solidFill>
+              </a:rPr>
+              <a:t>1.5</a:t>
+            </a:r>
+            <a:r>
+              <a:rPr lang="en-CA" sz="1400" dirty="0"/>
+              <a:t>)*f(Impact))</a:t>
+            </a:r>
+          </a:p>
+          <a:p>
+            <a:r>
+              <a:rPr lang="en-CA" sz="1400" dirty="0"/>
+              <a:t>Impact = </a:t>
+            </a:r>
+            <a:r>
+              <a:rPr lang="en-CA" sz="1400" dirty="0">
+                <a:solidFill>
+                  <a:srgbClr val="FF0000"/>
+                </a:solidFill>
+              </a:rPr>
+              <a:t>10.41</a:t>
+            </a:r>
+            <a:r>
+              <a:rPr lang="en-CA" sz="1400" dirty="0"/>
+              <a:t>*(1-(1-ConfImpact)*(1-IntegImpact)*(1-AvailImpact))</a:t>
+            </a:r>
+          </a:p>
+          <a:p>
+            <a:r>
+              <a:rPr lang="en-CA" sz="1400" dirty="0"/>
+              <a:t>Exploitability = </a:t>
+            </a:r>
+            <a:r>
+              <a:rPr lang="en-CA" sz="1400" dirty="0">
+                <a:solidFill>
+                  <a:srgbClr val="FF0000"/>
+                </a:solidFill>
+              </a:rPr>
+              <a:t>20</a:t>
+            </a:r>
+            <a:r>
+              <a:rPr lang="en-CA" sz="1400" dirty="0"/>
+              <a:t>* </a:t>
+            </a:r>
+            <a:r>
+              <a:rPr lang="en-CA" sz="1400" dirty="0" err="1"/>
+              <a:t>AccessVector</a:t>
+            </a:r>
+            <a:r>
+              <a:rPr lang="en-CA" sz="1400" dirty="0"/>
+              <a:t>*</a:t>
+            </a:r>
+            <a:r>
+              <a:rPr lang="en-CA" sz="1400" dirty="0" err="1"/>
+              <a:t>AccessComplexity</a:t>
+            </a:r>
+            <a:r>
+              <a:rPr lang="en-CA" sz="1400" dirty="0"/>
+              <a:t>*Authentication</a:t>
+            </a:r>
+          </a:p>
+          <a:p>
+            <a:r>
+              <a:rPr lang="en-CA" sz="1400" dirty="0"/>
+              <a:t>f(impact)= </a:t>
+            </a:r>
+            <a:r>
+              <a:rPr lang="en-CA" sz="1400" dirty="0">
+                <a:solidFill>
+                  <a:srgbClr val="FF0000"/>
+                </a:solidFill>
+              </a:rPr>
+              <a:t>0</a:t>
+            </a:r>
+            <a:r>
+              <a:rPr lang="en-CA" sz="1400" dirty="0"/>
+              <a:t> if Impact=</a:t>
+            </a:r>
+            <a:r>
+              <a:rPr lang="en-CA" sz="1400" dirty="0">
+                <a:solidFill>
+                  <a:srgbClr val="FF0000"/>
+                </a:solidFill>
+              </a:rPr>
+              <a:t>0</a:t>
+            </a:r>
+            <a:r>
+              <a:rPr lang="en-CA" sz="1400" dirty="0"/>
+              <a:t>, </a:t>
+            </a:r>
+            <a:r>
+              <a:rPr lang="en-CA" sz="1400" dirty="0">
+                <a:solidFill>
+                  <a:srgbClr val="FF0000"/>
+                </a:solidFill>
+              </a:rPr>
+              <a:t>1.176</a:t>
+            </a:r>
+            <a:r>
+              <a:rPr lang="en-CA" sz="1400" dirty="0"/>
+              <a:t> otherwise</a:t>
+            </a:r>
+          </a:p>
+          <a:p>
+            <a:r>
+              <a:rPr lang="en-CA" sz="1400" dirty="0" err="1"/>
+              <a:t>AccessVector</a:t>
+            </a:r>
+            <a:r>
+              <a:rPr lang="en-CA" sz="1400" dirty="0"/>
+              <a:t> = case </a:t>
+            </a:r>
+            <a:r>
+              <a:rPr lang="en-CA" sz="1400" dirty="0" err="1"/>
+              <a:t>AccessVector</a:t>
+            </a:r>
+            <a:r>
+              <a:rPr lang="en-CA" sz="1400" dirty="0"/>
+              <a:t> of</a:t>
+            </a:r>
+          </a:p>
+          <a:p>
+            <a:r>
+              <a:rPr lang="en-CA" sz="1400" dirty="0"/>
+              <a:t> requires local access: </a:t>
+            </a:r>
+            <a:r>
+              <a:rPr lang="en-CA" sz="1400" dirty="0">
+                <a:solidFill>
+                  <a:srgbClr val="FF0000"/>
+                </a:solidFill>
+              </a:rPr>
+              <a:t>0.395</a:t>
+            </a:r>
+          </a:p>
+          <a:p>
+            <a:r>
+              <a:rPr lang="en-CA" sz="1400" dirty="0"/>
+              <a:t> adjacent network accessible: </a:t>
+            </a:r>
+            <a:r>
+              <a:rPr lang="en-CA" sz="1400" dirty="0">
+                <a:solidFill>
+                  <a:srgbClr val="FF0000"/>
+                </a:solidFill>
+              </a:rPr>
+              <a:t>0.646</a:t>
+            </a:r>
+          </a:p>
+          <a:p>
+            <a:r>
+              <a:rPr lang="en-CA" sz="1400" dirty="0"/>
+              <a:t> network accessible: </a:t>
+            </a:r>
+            <a:r>
+              <a:rPr lang="en-CA" sz="1400" dirty="0">
+                <a:solidFill>
+                  <a:srgbClr val="FF0000"/>
+                </a:solidFill>
+              </a:rPr>
+              <a:t>1.0</a:t>
+            </a:r>
+          </a:p>
+          <a:p>
+            <a:r>
+              <a:rPr lang="en-CA" sz="1400" dirty="0" err="1"/>
+              <a:t>AccessComplexity</a:t>
+            </a:r>
+            <a:r>
+              <a:rPr lang="en-CA" sz="1400" dirty="0"/>
+              <a:t> = case </a:t>
+            </a:r>
+            <a:r>
+              <a:rPr lang="en-CA" sz="1400" dirty="0" err="1"/>
+              <a:t>AccessComplexity</a:t>
+            </a:r>
+            <a:r>
+              <a:rPr lang="en-CA" sz="1400" dirty="0"/>
+              <a:t> of</a:t>
+            </a:r>
+          </a:p>
+          <a:p>
+            <a:r>
+              <a:rPr lang="en-CA" sz="1400" dirty="0"/>
+              <a:t> high: </a:t>
+            </a:r>
+            <a:r>
+              <a:rPr lang="en-CA" sz="1400" dirty="0">
+                <a:solidFill>
+                  <a:srgbClr val="FF0000"/>
+                </a:solidFill>
+              </a:rPr>
+              <a:t>0.35</a:t>
+            </a:r>
+          </a:p>
+          <a:p>
+            <a:r>
+              <a:rPr lang="en-CA" sz="1400" dirty="0"/>
+              <a:t> medium: </a:t>
+            </a:r>
+            <a:r>
+              <a:rPr lang="en-CA" sz="1400" dirty="0" smtClean="0">
+                <a:solidFill>
+                  <a:srgbClr val="FF0000"/>
+                </a:solidFill>
+              </a:rPr>
+              <a:t>0.61</a:t>
+            </a:r>
+            <a:endParaRPr lang="en-CA" sz="1400" dirty="0">
+              <a:solidFill>
+                <a:srgbClr val="FF0000"/>
+              </a:solidFill>
+            </a:endParaRPr>
+          </a:p>
+          <a:p>
+            <a:r>
+              <a:rPr lang="en-CA" sz="1400" dirty="0"/>
+              <a:t> low: </a:t>
+            </a:r>
+            <a:r>
+              <a:rPr lang="en-CA" sz="1400" dirty="0">
+                <a:solidFill>
+                  <a:srgbClr val="FF0000"/>
+                </a:solidFill>
+              </a:rPr>
+              <a:t>0.71</a:t>
+            </a:r>
+          </a:p>
+          <a:p>
+            <a:r>
+              <a:rPr lang="en-CA" sz="1400" dirty="0"/>
+              <a:t>Authentication = case Authentication of</a:t>
+            </a:r>
+          </a:p>
+          <a:p>
+            <a:r>
+              <a:rPr lang="en-CA" sz="1400" dirty="0"/>
+              <a:t> requires multiple instances of authentication: </a:t>
+            </a:r>
+            <a:r>
+              <a:rPr lang="en-CA" sz="1400" dirty="0">
+                <a:solidFill>
+                  <a:srgbClr val="FF0000"/>
+                </a:solidFill>
+              </a:rPr>
+              <a:t>0.45</a:t>
+            </a:r>
+          </a:p>
+          <a:p>
+            <a:r>
+              <a:rPr lang="en-CA" sz="1400" dirty="0"/>
+              <a:t> requires single instance of authentication: </a:t>
+            </a:r>
+            <a:r>
+              <a:rPr lang="en-CA" sz="1400" dirty="0">
+                <a:solidFill>
+                  <a:srgbClr val="FF0000"/>
+                </a:solidFill>
+              </a:rPr>
+              <a:t>0.56</a:t>
+            </a:r>
+          </a:p>
+          <a:p>
+            <a:r>
+              <a:rPr lang="en-CA" sz="1400" dirty="0"/>
+              <a:t> 	requires no authentication:  </a:t>
+            </a:r>
+            <a:r>
+              <a:rPr lang="en-CA" sz="1400" dirty="0">
+                <a:solidFill>
+                  <a:srgbClr val="FF0000"/>
+                </a:solidFill>
+              </a:rPr>
+              <a:t>0.704</a:t>
+            </a:r>
+          </a:p>
+          <a:p>
+            <a:r>
+              <a:rPr lang="en-CA" sz="1400" dirty="0" err="1"/>
+              <a:t>ConfImpact</a:t>
+            </a:r>
+            <a:r>
+              <a:rPr lang="en-CA" sz="1400" dirty="0"/>
+              <a:t> = case </a:t>
+            </a:r>
+            <a:r>
+              <a:rPr lang="en-CA" sz="1400" dirty="0" err="1"/>
+              <a:t>ConfidentialityImpact</a:t>
+            </a:r>
+            <a:r>
+              <a:rPr lang="en-CA" sz="1400" dirty="0"/>
+              <a:t> of</a:t>
+            </a:r>
+          </a:p>
+          <a:p>
+            <a:r>
+              <a:rPr lang="en-CA" sz="1400" dirty="0"/>
+              <a:t> 	none: </a:t>
+            </a:r>
+            <a:r>
+              <a:rPr lang="en-CA" sz="1400" dirty="0">
+                <a:solidFill>
+                  <a:srgbClr val="FF0000"/>
+                </a:solidFill>
+              </a:rPr>
+              <a:t>0.0</a:t>
+            </a:r>
+          </a:p>
+          <a:p>
+            <a:r>
+              <a:rPr lang="en-CA" sz="1400" dirty="0"/>
+              <a:t> 	partial: </a:t>
+            </a:r>
+            <a:r>
+              <a:rPr lang="en-CA" sz="1400" dirty="0">
+                <a:solidFill>
+                  <a:srgbClr val="FF0000"/>
+                </a:solidFill>
+              </a:rPr>
+              <a:t>0.275</a:t>
+            </a:r>
+          </a:p>
+          <a:p>
+            <a:r>
+              <a:rPr lang="en-CA" sz="1400" dirty="0"/>
+              <a:t> 	complete: </a:t>
+            </a:r>
+            <a:r>
+              <a:rPr lang="en-CA" sz="1400" dirty="0">
+                <a:solidFill>
+                  <a:srgbClr val="FF0000"/>
+                </a:solidFill>
+              </a:rPr>
+              <a:t>0.660</a:t>
+            </a:r>
+          </a:p>
+          <a:p>
+            <a:endParaRPr lang="en-CA" dirty="0"/>
           </a:p>
         </p:txBody>
       </p:sp>
     </p:spTree>
     <p:extLst>
       <p:ext uri="{BB962C8B-B14F-4D97-AF65-F5344CB8AC3E}">
-        <p14:creationId xmlns:p14="http://schemas.microsoft.com/office/powerpoint/2010/main" val="2077822399"/>
+        <p14:creationId xmlns:p14="http://schemas.microsoft.com/office/powerpoint/2010/main" val="2202993828"/>
       </p:ext>
     </p:extLst>
   </p:cSld>
@@ -10358,7 +10402,7 @@
           </a:xfrm>
         </p:spPr>
         <p:txBody>
-          <a:bodyPr>
+          <a:bodyPr anchor="ctr">
             <a:normAutofit/>
           </a:bodyPr>
           <a:lstStyle/>
@@ -10374,7 +10418,7 @@
                   <a:schemeClr val="tx1"/>
                 </a:solidFill>
               </a:rPr>
-              <a:t>Search m dimensional subspace of 26 possible dimensions</a:t>
+              <a:t>Equation contains 26 scalars</a:t>
             </a:r>
           </a:p>
           <a:p>
@@ -10389,20 +10433,15 @@
                   <a:schemeClr val="tx1"/>
                 </a:solidFill>
               </a:rPr>
-              <a:t>Optimize exploit prediction</a:t>
-            </a:r>
-            <a:endParaRPr lang="en-US" sz="3600" dirty="0" smtClean="0">
-              <a:solidFill>
-                <a:schemeClr val="tx1"/>
-              </a:solidFill>
-            </a:endParaRPr>
+              <a:t>Several natural constraints</a:t>
+            </a:r>
           </a:p>
         </p:txBody>
       </p:sp>
     </p:spTree>
     <p:extLst>
       <p:ext uri="{BB962C8B-B14F-4D97-AF65-F5344CB8AC3E}">
-        <p14:creationId xmlns:p14="http://schemas.microsoft.com/office/powerpoint/2010/main" val="1908941345"/>
+        <p14:creationId xmlns:p14="http://schemas.microsoft.com/office/powerpoint/2010/main" val="2077822399"/>
       </p:ext>
     </p:extLst>
   </p:cSld>
@@ -10464,7 +10503,7 @@
                   <a:schemeClr val="tx1"/>
                 </a:solidFill>
               </a:rPr>
-              <a:t>References</a:t>
+              <a:t>Proposal – Equation recasting</a:t>
             </a:r>
             <a:endParaRPr lang="en-CA" sz="4800" dirty="0">
               <a:solidFill>
@@ -10487,7 +10526,97 @@
         <p:spPr>
           <a:xfrm>
             <a:off x="677332" y="1366982"/>
-            <a:ext cx="9929707" cy="2962648"/>
+            <a:ext cx="7125548" cy="4285674"/>
+          </a:xfrm>
+        </p:spPr>
+        <p:txBody>
+          <a:bodyPr anchor="ctr">
+            <a:normAutofit/>
+          </a:bodyPr>
+          <a:lstStyle/>
+          <a:p>
+            <a:pPr>
+              <a:buClr>
+                <a:schemeClr val="tx1"/>
+              </a:buClr>
+            </a:pPr>
+            <a:r>
+              <a:rPr lang="en-US" sz="3600" dirty="0" smtClean="0">
+                <a:solidFill>
+                  <a:schemeClr val="tx1"/>
+                </a:solidFill>
+              </a:rPr>
+              <a:t>Search m dimensional subspace of 26 possible dimensions</a:t>
+            </a:r>
+          </a:p>
+          <a:p>
+            <a:pPr>
+              <a:buClr>
+                <a:schemeClr val="tx1"/>
+              </a:buClr>
+            </a:pPr>
+            <a:r>
+              <a:rPr lang="en-US" sz="3600" dirty="0" smtClean="0">
+                <a:solidFill>
+                  <a:schemeClr val="tx1"/>
+                </a:solidFill>
+              </a:rPr>
+              <a:t>Optimize exploit prediction</a:t>
+            </a:r>
+          </a:p>
+        </p:txBody>
+      </p:sp>
+    </p:spTree>
+    <p:extLst>
+      <p:ext uri="{BB962C8B-B14F-4D97-AF65-F5344CB8AC3E}">
+        <p14:creationId xmlns:p14="http://schemas.microsoft.com/office/powerpoint/2010/main" val="1908941345"/>
+      </p:ext>
+    </p:extLst>
+  </p:cSld>
+  <p:clrMapOvr>
+    <a:masterClrMapping/>
+  </p:clrMapOvr>
+  <p:timing>
+    <p:tnLst>
+      <p:par>
+        <p:cTn id="1" dur="indefinite" restart="never" nodeType="tmRoot"/>
+      </p:par>
+    </p:tnLst>
+  </p:timing>
+</p:sld>
+</file>
+
+<file path=ppt/slides/slide25.xml><?xml version="1.0" encoding="utf-8"?>
+<p:sld xmlns:a="http://schemas.openxmlformats.org/drawingml/2006/main" xmlns:r="http://schemas.openxmlformats.org/officeDocument/2006/relationships" xmlns:p="http://schemas.openxmlformats.org/presentationml/2006/main">
+  <p:cSld>
+    <p:spTree>
+      <p:nvGrpSpPr>
+        <p:cNvPr id="1" name=""/>
+        <p:cNvGrpSpPr/>
+        <p:nvPr/>
+      </p:nvGrpSpPr>
+      <p:grpSpPr>
+        <a:xfrm>
+          <a:off x="0" y="0"/>
+          <a:ext cx="0" cy="0"/>
+          <a:chOff x="0" y="0"/>
+          <a:chExt cx="0" cy="0"/>
+        </a:xfrm>
+      </p:grpSpPr>
+      <p:sp>
+        <p:nvSpPr>
+          <p:cNvPr id="2" name="Title 1"/>
+          <p:cNvSpPr>
+            <a:spLocks noGrp="1"/>
+          </p:cNvSpPr>
+          <p:nvPr>
+            <p:ph type="title"/>
+          </p:nvPr>
+        </p:nvSpPr>
+        <p:spPr>
+          <a:xfrm>
+            <a:off x="677334" y="609599"/>
+            <a:ext cx="9685866" cy="840510"/>
           </a:xfrm>
         </p:spPr>
         <p:txBody>
@@ -10496,12 +10625,129 @@
           </a:bodyPr>
           <a:lstStyle/>
           <a:p>
-            <a:pPr marL="742950" indent="-742950">
+            <a:r>
+              <a:rPr lang="en-US" sz="4800" dirty="0" smtClean="0">
+                <a:solidFill>
+                  <a:schemeClr val="tx1"/>
+                </a:solidFill>
+              </a:rPr>
+              <a:t>Proposal – </a:t>
+            </a:r>
+            <a:r>
+              <a:rPr lang="en-US" sz="4800" dirty="0" smtClean="0">
+                <a:solidFill>
+                  <a:schemeClr val="tx1"/>
+                </a:solidFill>
+              </a:rPr>
+              <a:t>Exploit quantification</a:t>
+            </a:r>
+            <a:endParaRPr lang="en-CA" sz="4800" dirty="0">
+              <a:solidFill>
+                <a:schemeClr val="tx1"/>
+              </a:solidFill>
+            </a:endParaRPr>
+          </a:p>
+        </p:txBody>
+      </p:sp>
+      <p:sp>
+        <p:nvSpPr>
+          <p:cNvPr id="16" name="Content Placeholder 2"/>
+          <p:cNvSpPr>
+            <a:spLocks noGrp="1"/>
+          </p:cNvSpPr>
+          <p:nvPr>
+            <p:ph sz="half" idx="1"/>
+          </p:nvPr>
+        </p:nvSpPr>
+        <p:spPr>
+          <a:xfrm>
+            <a:off x="677332" y="1366982"/>
+            <a:ext cx="8013822" cy="2003236"/>
+          </a:xfrm>
+        </p:spPr>
+        <p:txBody>
+          <a:bodyPr>
+            <a:normAutofit/>
+          </a:bodyPr>
+          <a:lstStyle/>
+          <a:p>
+            <a:pPr>
               <a:buClr>
                 <a:schemeClr val="tx1"/>
               </a:buClr>
-              <a:buFont typeface="+mj-lt"/>
-              <a:buAutoNum type="arabicPeriod"/>
+            </a:pPr>
+            <a:r>
+              <a:rPr lang="en-US" sz="3600" dirty="0" err="1" smtClean="0">
+                <a:solidFill>
+                  <a:schemeClr val="tx1"/>
+                </a:solidFill>
+              </a:rPr>
+              <a:t>Bozorgi</a:t>
+            </a:r>
+            <a:r>
+              <a:rPr lang="en-US" sz="3600" dirty="0" smtClean="0">
+                <a:solidFill>
+                  <a:schemeClr val="tx1"/>
+                </a:solidFill>
+              </a:rPr>
+              <a:t> </a:t>
+            </a:r>
+            <a:r>
+              <a:rPr lang="en-US" sz="3600" i="1" dirty="0" smtClean="0">
+                <a:solidFill>
+                  <a:schemeClr val="tx1"/>
+                </a:solidFill>
+              </a:rPr>
+              <a:t>et al. </a:t>
+            </a:r>
+            <a:r>
+              <a:rPr lang="en-US" sz="3600" dirty="0" smtClean="0">
+                <a:solidFill>
+                  <a:schemeClr val="tx1"/>
+                </a:solidFill>
+              </a:rPr>
+              <a:t>[4] examined Open Source </a:t>
+            </a:r>
+            <a:r>
+              <a:rPr lang="en-US" sz="3600" dirty="0">
+                <a:solidFill>
+                  <a:schemeClr val="tx1"/>
+                </a:solidFill>
+              </a:rPr>
+              <a:t>Vulnerability Database (OSVDB - </a:t>
+            </a:r>
+            <a:r>
+              <a:rPr lang="en-US" sz="3600" dirty="0">
+                <a:solidFill>
+                  <a:schemeClr val="tx1"/>
+                </a:solidFill>
+                <a:hlinkClick r:id="rId2"/>
+              </a:rPr>
+              <a:t>https://blog.osvdb.org</a:t>
+            </a:r>
+            <a:r>
+              <a:rPr lang="en-US" sz="3600" dirty="0" smtClean="0">
+                <a:solidFill>
+                  <a:schemeClr val="tx1"/>
+                </a:solidFill>
+                <a:hlinkClick r:id="rId2"/>
+              </a:rPr>
+              <a:t>/</a:t>
+            </a:r>
+            <a:r>
+              <a:rPr lang="en-US" sz="3600" dirty="0" smtClean="0">
+                <a:solidFill>
+                  <a:schemeClr val="tx1"/>
+                </a:solidFill>
+              </a:rPr>
+              <a:t>)</a:t>
+            </a:r>
+          </a:p>
+          <a:p>
+            <a:pPr>
+              <a:buClr>
+                <a:schemeClr val="tx1"/>
+              </a:buClr>
             </a:pPr>
             <a:endParaRPr lang="en-US" sz="3600" dirty="0" smtClean="0">
               <a:solidFill>
@@ -10509,128 +10755,2064 @@
               </a:solidFill>
             </a:endParaRPr>
           </a:p>
-          <a:p>
-            <a:pPr marL="742950" indent="-742950">
+        </p:txBody>
+      </p:sp>
+      <p:graphicFrame>
+        <p:nvGraphicFramePr>
+          <p:cNvPr id="4" name="Table 3"/>
+          <p:cNvGraphicFramePr>
+            <a:graphicFrameLocks noGrp="1"/>
+          </p:cNvGraphicFramePr>
+          <p:nvPr>
+            <p:extLst>
+              <p:ext uri="{D42A27DB-BD31-4B8C-83A1-F6EECF244321}">
+                <p14:modId xmlns:p14="http://schemas.microsoft.com/office/powerpoint/2010/main" val="2071969321"/>
+              </p:ext>
+            </p:extLst>
+          </p:nvPr>
+        </p:nvGraphicFramePr>
+        <p:xfrm>
+          <a:off x="677332" y="3471575"/>
+          <a:ext cx="8128000" cy="2214880"/>
+        </p:xfrm>
+        <a:graphic>
+          <a:graphicData uri="http://schemas.openxmlformats.org/drawingml/2006/table">
+            <a:tbl>
+              <a:tblPr firstRow="1" bandRow="1">
+                <a:tableStyleId>{5C22544A-7EE6-4342-B048-85BDC9FD1C3A}</a:tableStyleId>
+              </a:tblPr>
+              <a:tblGrid>
+                <a:gridCol w="4064000"/>
+                <a:gridCol w="4064000"/>
+              </a:tblGrid>
+              <a:tr h="370840">
+                <a:tc>
+                  <a:txBody>
+                    <a:bodyPr/>
+                    <a:lstStyle/>
+                    <a:p>
+                      <a:pPr algn="ctr"/>
+                      <a:r>
+                        <a:rPr lang="en-US" dirty="0" smtClean="0">
+                          <a:solidFill>
+                            <a:schemeClr val="tx1"/>
+                          </a:solidFill>
+                        </a:rPr>
+                        <a:t>Exploit Category</a:t>
+                      </a:r>
+                      <a:endParaRPr lang="en-CA" dirty="0">
+                        <a:solidFill>
+                          <a:schemeClr val="tx1"/>
+                        </a:solidFill>
+                      </a:endParaRPr>
+                    </a:p>
+                  </a:txBody>
+                  <a:tcPr>
+                    <a:lnL w="12700" cap="flat" cmpd="sng" algn="ctr">
+                      <a:solidFill>
+                        <a:schemeClr val="tx1"/>
+                      </a:solidFill>
+                      <a:prstDash val="solid"/>
+                      <a:round/>
+                      <a:headEnd type="none" w="med" len="med"/>
+                      <a:tailEnd type="none" w="med" len="med"/>
+                    </a:lnL>
+                    <a:lnR w="12700" cap="flat" cmpd="sng" algn="ctr">
+                      <a:solidFill>
+                        <a:schemeClr val="tx1"/>
+                      </a:solidFill>
+                      <a:prstDash val="solid"/>
+                      <a:round/>
+                      <a:headEnd type="none" w="med" len="med"/>
+                      <a:tailEnd type="none" w="med" len="med"/>
+                    </a:lnR>
+                    <a:lnT w="12700" cap="flat" cmpd="sng" algn="ctr">
+                      <a:solidFill>
+                        <a:schemeClr val="tx1"/>
+                      </a:solidFill>
+                      <a:prstDash val="solid"/>
+                      <a:round/>
+                      <a:headEnd type="none" w="med" len="med"/>
+                      <a:tailEnd type="none" w="med" len="med"/>
+                    </a:lnT>
+                    <a:lnB w="12700" cap="flat" cmpd="sng" algn="ctr">
+                      <a:solidFill>
+                        <a:schemeClr val="tx1"/>
+                      </a:solidFill>
+                      <a:prstDash val="solid"/>
+                      <a:round/>
+                      <a:headEnd type="none" w="med" len="med"/>
+                      <a:tailEnd type="none" w="med" len="med"/>
+                    </a:lnB>
+                    <a:lnTlToBr w="12700" cmpd="sng">
+                      <a:noFill/>
+                      <a:prstDash val="solid"/>
+                    </a:lnTlToBr>
+                    <a:lnBlToTr w="12700" cmpd="sng">
+                      <a:noFill/>
+                      <a:prstDash val="solid"/>
+                    </a:lnBlToTr>
+                    <a:solidFill>
+                      <a:schemeClr val="accent2"/>
+                    </a:solidFill>
+                  </a:tcPr>
+                </a:tc>
+                <a:tc>
+                  <a:txBody>
+                    <a:bodyPr/>
+                    <a:lstStyle/>
+                    <a:p>
+                      <a:pPr algn="ctr"/>
+                      <a:r>
+                        <a:rPr lang="en-US" dirty="0" smtClean="0">
+                          <a:solidFill>
+                            <a:schemeClr val="tx1"/>
+                          </a:solidFill>
+                        </a:rPr>
+                        <a:t>Label</a:t>
+                      </a:r>
+                      <a:endParaRPr lang="en-CA" dirty="0">
+                        <a:solidFill>
+                          <a:schemeClr val="tx1"/>
+                        </a:solidFill>
+                      </a:endParaRPr>
+                    </a:p>
+                  </a:txBody>
+                  <a:tcPr>
+                    <a:lnL w="12700" cap="flat" cmpd="sng" algn="ctr">
+                      <a:solidFill>
+                        <a:schemeClr val="tx1"/>
+                      </a:solidFill>
+                      <a:prstDash val="solid"/>
+                      <a:round/>
+                      <a:headEnd type="none" w="med" len="med"/>
+                      <a:tailEnd type="none" w="med" len="med"/>
+                    </a:lnL>
+                    <a:lnR w="12700" cap="flat" cmpd="sng" algn="ctr">
+                      <a:solidFill>
+                        <a:schemeClr val="tx1"/>
+                      </a:solidFill>
+                      <a:prstDash val="solid"/>
+                      <a:round/>
+                      <a:headEnd type="none" w="med" len="med"/>
+                      <a:tailEnd type="none" w="med" len="med"/>
+                    </a:lnR>
+                    <a:lnT w="12700" cap="flat" cmpd="sng" algn="ctr">
+                      <a:solidFill>
+                        <a:schemeClr val="tx1"/>
+                      </a:solidFill>
+                      <a:prstDash val="solid"/>
+                      <a:round/>
+                      <a:headEnd type="none" w="med" len="med"/>
+                      <a:tailEnd type="none" w="med" len="med"/>
+                    </a:lnT>
+                    <a:lnB w="12700" cap="flat" cmpd="sng" algn="ctr">
+                      <a:solidFill>
+                        <a:schemeClr val="tx1"/>
+                      </a:solidFill>
+                      <a:prstDash val="solid"/>
+                      <a:round/>
+                      <a:headEnd type="none" w="med" len="med"/>
+                      <a:tailEnd type="none" w="med" len="med"/>
+                    </a:lnB>
+                    <a:lnTlToBr w="12700" cmpd="sng">
+                      <a:noFill/>
+                      <a:prstDash val="solid"/>
+                    </a:lnTlToBr>
+                    <a:lnBlToTr w="12700" cmpd="sng">
+                      <a:noFill/>
+                      <a:prstDash val="solid"/>
+                    </a:lnBlToTr>
+                    <a:solidFill>
+                      <a:srgbClr val="00B0F0"/>
+                    </a:solidFill>
+                  </a:tcPr>
+                </a:tc>
+              </a:tr>
+              <a:tr h="370840">
+                <a:tc>
+                  <a:txBody>
+                    <a:bodyPr/>
+                    <a:lstStyle/>
+                    <a:p>
+                      <a:pPr algn="ctr"/>
+                      <a:r>
+                        <a:rPr lang="en-US" dirty="0" smtClean="0">
+                          <a:solidFill>
+                            <a:schemeClr val="tx1"/>
+                          </a:solidFill>
+                        </a:rPr>
+                        <a:t>Exploit available</a:t>
+                      </a:r>
+                      <a:endParaRPr lang="en-CA" dirty="0">
+                        <a:solidFill>
+                          <a:schemeClr val="tx1"/>
+                        </a:solidFill>
+                      </a:endParaRPr>
+                    </a:p>
+                  </a:txBody>
+                  <a:tcPr>
+                    <a:lnL w="12700" cap="flat" cmpd="sng" algn="ctr">
+                      <a:solidFill>
+                        <a:schemeClr val="tx1"/>
+                      </a:solidFill>
+                      <a:prstDash val="solid"/>
+                      <a:round/>
+                      <a:headEnd type="none" w="med" len="med"/>
+                      <a:tailEnd type="none" w="med" len="med"/>
+                    </a:lnL>
+                    <a:lnR w="12700" cap="flat" cmpd="sng" algn="ctr">
+                      <a:solidFill>
+                        <a:schemeClr val="tx1"/>
+                      </a:solidFill>
+                      <a:prstDash val="solid"/>
+                      <a:round/>
+                      <a:headEnd type="none" w="med" len="med"/>
+                      <a:tailEnd type="none" w="med" len="med"/>
+                    </a:lnR>
+                    <a:lnT w="12700" cap="flat" cmpd="sng" algn="ctr">
+                      <a:solidFill>
+                        <a:schemeClr val="tx1"/>
+                      </a:solidFill>
+                      <a:prstDash val="solid"/>
+                      <a:round/>
+                      <a:headEnd type="none" w="med" len="med"/>
+                      <a:tailEnd type="none" w="med" len="med"/>
+                    </a:lnT>
+                    <a:lnB w="12700" cap="flat" cmpd="sng" algn="ctr">
+                      <a:solidFill>
+                        <a:schemeClr val="tx1"/>
+                      </a:solidFill>
+                      <a:prstDash val="solid"/>
+                      <a:round/>
+                      <a:headEnd type="none" w="med" len="med"/>
+                      <a:tailEnd type="none" w="med" len="med"/>
+                    </a:lnB>
+                    <a:lnTlToBr w="12700" cmpd="sng">
+                      <a:noFill/>
+                      <a:prstDash val="solid"/>
+                    </a:lnTlToBr>
+                    <a:lnBlToTr w="12700" cmpd="sng">
+                      <a:noFill/>
+                      <a:prstDash val="solid"/>
+                    </a:lnBlToTr>
+                    <a:solidFill>
+                      <a:srgbClr val="FFFF97"/>
+                    </a:solidFill>
+                  </a:tcPr>
+                </a:tc>
+                <a:tc>
+                  <a:txBody>
+                    <a:bodyPr/>
+                    <a:lstStyle/>
+                    <a:p>
+                      <a:pPr algn="ctr"/>
+                      <a:r>
+                        <a:rPr lang="en-US" dirty="0" smtClean="0">
+                          <a:solidFill>
+                            <a:schemeClr val="tx1"/>
+                          </a:solidFill>
+                        </a:rPr>
+                        <a:t>Positive</a:t>
+                      </a:r>
+                      <a:endParaRPr lang="en-CA" dirty="0">
+                        <a:solidFill>
+                          <a:schemeClr val="tx1"/>
+                        </a:solidFill>
+                      </a:endParaRPr>
+                    </a:p>
+                  </a:txBody>
+                  <a:tcPr>
+                    <a:lnL w="12700" cap="flat" cmpd="sng" algn="ctr">
+                      <a:solidFill>
+                        <a:schemeClr val="tx1"/>
+                      </a:solidFill>
+                      <a:prstDash val="solid"/>
+                      <a:round/>
+                      <a:headEnd type="none" w="med" len="med"/>
+                      <a:tailEnd type="none" w="med" len="med"/>
+                    </a:lnL>
+                    <a:lnR w="12700" cap="flat" cmpd="sng" algn="ctr">
+                      <a:solidFill>
+                        <a:schemeClr val="tx1"/>
+                      </a:solidFill>
+                      <a:prstDash val="solid"/>
+                      <a:round/>
+                      <a:headEnd type="none" w="med" len="med"/>
+                      <a:tailEnd type="none" w="med" len="med"/>
+                    </a:lnR>
+                    <a:lnT w="12700" cap="flat" cmpd="sng" algn="ctr">
+                      <a:solidFill>
+                        <a:schemeClr val="tx1"/>
+                      </a:solidFill>
+                      <a:prstDash val="solid"/>
+                      <a:round/>
+                      <a:headEnd type="none" w="med" len="med"/>
+                      <a:tailEnd type="none" w="med" len="med"/>
+                    </a:lnT>
+                    <a:lnB w="12700" cap="flat" cmpd="sng" algn="ctr">
+                      <a:solidFill>
+                        <a:schemeClr val="tx1"/>
+                      </a:solidFill>
+                      <a:prstDash val="solid"/>
+                      <a:round/>
+                      <a:headEnd type="none" w="med" len="med"/>
+                      <a:tailEnd type="none" w="med" len="med"/>
+                    </a:lnB>
+                    <a:lnTlToBr w="12700" cmpd="sng">
+                      <a:noFill/>
+                      <a:prstDash val="solid"/>
+                    </a:lnTlToBr>
+                    <a:lnBlToTr w="12700" cmpd="sng">
+                      <a:noFill/>
+                      <a:prstDash val="solid"/>
+                    </a:lnBlToTr>
+                    <a:solidFill>
+                      <a:srgbClr val="FFFF97"/>
+                    </a:solidFill>
+                  </a:tcPr>
+                </a:tc>
+              </a:tr>
+              <a:tr h="370840">
+                <a:tc>
+                  <a:txBody>
+                    <a:bodyPr/>
+                    <a:lstStyle/>
+                    <a:p>
+                      <a:pPr algn="ctr"/>
+                      <a:r>
+                        <a:rPr lang="en-US" dirty="0" smtClean="0">
+                          <a:solidFill>
+                            <a:schemeClr val="tx1"/>
+                          </a:solidFill>
+                        </a:rPr>
+                        <a:t>Exploit</a:t>
+                      </a:r>
+                      <a:r>
+                        <a:rPr lang="en-US" baseline="0" dirty="0" smtClean="0">
+                          <a:solidFill>
+                            <a:schemeClr val="tx1"/>
+                          </a:solidFill>
+                        </a:rPr>
+                        <a:t> rumored / private</a:t>
+                      </a:r>
+                      <a:endParaRPr lang="en-CA" dirty="0">
+                        <a:solidFill>
+                          <a:schemeClr val="tx1"/>
+                        </a:solidFill>
+                      </a:endParaRPr>
+                    </a:p>
+                  </a:txBody>
+                  <a:tcPr>
+                    <a:lnL w="12700" cap="flat" cmpd="sng" algn="ctr">
+                      <a:solidFill>
+                        <a:schemeClr val="tx1"/>
+                      </a:solidFill>
+                      <a:prstDash val="solid"/>
+                      <a:round/>
+                      <a:headEnd type="none" w="med" len="med"/>
+                      <a:tailEnd type="none" w="med" len="med"/>
+                    </a:lnL>
+                    <a:lnR w="12700" cap="flat" cmpd="sng" algn="ctr">
+                      <a:solidFill>
+                        <a:schemeClr val="tx1"/>
+                      </a:solidFill>
+                      <a:prstDash val="solid"/>
+                      <a:round/>
+                      <a:headEnd type="none" w="med" len="med"/>
+                      <a:tailEnd type="none" w="med" len="med"/>
+                    </a:lnR>
+                    <a:lnT w="12700" cap="flat" cmpd="sng" algn="ctr">
+                      <a:solidFill>
+                        <a:schemeClr val="tx1"/>
+                      </a:solidFill>
+                      <a:prstDash val="solid"/>
+                      <a:round/>
+                      <a:headEnd type="none" w="med" len="med"/>
+                      <a:tailEnd type="none" w="med" len="med"/>
+                    </a:lnT>
+                    <a:lnB w="12700" cap="flat" cmpd="sng" algn="ctr">
+                      <a:solidFill>
+                        <a:schemeClr val="tx1"/>
+                      </a:solidFill>
+                      <a:prstDash val="solid"/>
+                      <a:round/>
+                      <a:headEnd type="none" w="med" len="med"/>
+                      <a:tailEnd type="none" w="med" len="med"/>
+                    </a:lnB>
+                    <a:lnTlToBr w="12700" cmpd="sng">
+                      <a:noFill/>
+                      <a:prstDash val="solid"/>
+                    </a:lnTlToBr>
+                    <a:lnBlToTr w="12700" cmpd="sng">
+                      <a:noFill/>
+                      <a:prstDash val="solid"/>
+                    </a:lnBlToTr>
+                  </a:tcPr>
+                </a:tc>
+                <a:tc>
+                  <a:txBody>
+                    <a:bodyPr/>
+                    <a:lstStyle/>
+                    <a:p>
+                      <a:pPr algn="ctr"/>
+                      <a:r>
+                        <a:rPr lang="en-US" dirty="0" smtClean="0">
+                          <a:solidFill>
+                            <a:schemeClr val="tx1"/>
+                          </a:solidFill>
+                        </a:rPr>
+                        <a:t>Positive</a:t>
+                      </a:r>
+                      <a:endParaRPr lang="en-CA" dirty="0">
+                        <a:solidFill>
+                          <a:schemeClr val="tx1"/>
+                        </a:solidFill>
+                      </a:endParaRPr>
+                    </a:p>
+                  </a:txBody>
+                  <a:tcPr>
+                    <a:lnL w="12700" cap="flat" cmpd="sng" algn="ctr">
+                      <a:solidFill>
+                        <a:schemeClr val="tx1"/>
+                      </a:solidFill>
+                      <a:prstDash val="solid"/>
+                      <a:round/>
+                      <a:headEnd type="none" w="med" len="med"/>
+                      <a:tailEnd type="none" w="med" len="med"/>
+                    </a:lnL>
+                    <a:lnR w="12700" cap="flat" cmpd="sng" algn="ctr">
+                      <a:solidFill>
+                        <a:schemeClr val="tx1"/>
+                      </a:solidFill>
+                      <a:prstDash val="solid"/>
+                      <a:round/>
+                      <a:headEnd type="none" w="med" len="med"/>
+                      <a:tailEnd type="none" w="med" len="med"/>
+                    </a:lnR>
+                    <a:lnT w="12700" cap="flat" cmpd="sng" algn="ctr">
+                      <a:solidFill>
+                        <a:schemeClr val="tx1"/>
+                      </a:solidFill>
+                      <a:prstDash val="solid"/>
+                      <a:round/>
+                      <a:headEnd type="none" w="med" len="med"/>
+                      <a:tailEnd type="none" w="med" len="med"/>
+                    </a:lnT>
+                    <a:lnB w="12700" cap="flat" cmpd="sng" algn="ctr">
+                      <a:solidFill>
+                        <a:schemeClr val="tx1"/>
+                      </a:solidFill>
+                      <a:prstDash val="solid"/>
+                      <a:round/>
+                      <a:headEnd type="none" w="med" len="med"/>
+                      <a:tailEnd type="none" w="med" len="med"/>
+                    </a:lnB>
+                    <a:lnTlToBr w="12700" cmpd="sng">
+                      <a:noFill/>
+                      <a:prstDash val="solid"/>
+                    </a:lnTlToBr>
+                    <a:lnBlToTr w="12700" cmpd="sng">
+                      <a:noFill/>
+                      <a:prstDash val="solid"/>
+                    </a:lnBlToTr>
+                  </a:tcPr>
+                </a:tc>
+              </a:tr>
+              <a:tr h="370840">
+                <a:tc>
+                  <a:txBody>
+                    <a:bodyPr/>
+                    <a:lstStyle/>
+                    <a:p>
+                      <a:pPr algn="ctr"/>
+                      <a:r>
+                        <a:rPr lang="en-US" dirty="0" smtClean="0">
+                          <a:solidFill>
+                            <a:schemeClr val="tx1"/>
+                          </a:solidFill>
+                        </a:rPr>
+                        <a:t>Exploit unavailable</a:t>
+                      </a:r>
+                      <a:endParaRPr lang="en-CA" dirty="0">
+                        <a:solidFill>
+                          <a:schemeClr val="tx1"/>
+                        </a:solidFill>
+                      </a:endParaRPr>
+                    </a:p>
+                  </a:txBody>
+                  <a:tcPr>
+                    <a:lnL w="12700" cap="flat" cmpd="sng" algn="ctr">
+                      <a:solidFill>
+                        <a:schemeClr val="tx1"/>
+                      </a:solidFill>
+                      <a:prstDash val="solid"/>
+                      <a:round/>
+                      <a:headEnd type="none" w="med" len="med"/>
+                      <a:tailEnd type="none" w="med" len="med"/>
+                    </a:lnL>
+                    <a:lnR w="12700" cap="flat" cmpd="sng" algn="ctr">
+                      <a:solidFill>
+                        <a:schemeClr val="tx1"/>
+                      </a:solidFill>
+                      <a:prstDash val="solid"/>
+                      <a:round/>
+                      <a:headEnd type="none" w="med" len="med"/>
+                      <a:tailEnd type="none" w="med" len="med"/>
+                    </a:lnR>
+                    <a:lnT w="12700" cap="flat" cmpd="sng" algn="ctr">
+                      <a:solidFill>
+                        <a:schemeClr val="tx1"/>
+                      </a:solidFill>
+                      <a:prstDash val="solid"/>
+                      <a:round/>
+                      <a:headEnd type="none" w="med" len="med"/>
+                      <a:tailEnd type="none" w="med" len="med"/>
+                    </a:lnT>
+                    <a:lnB w="12700" cap="flat" cmpd="sng" algn="ctr">
+                      <a:solidFill>
+                        <a:schemeClr val="tx1"/>
+                      </a:solidFill>
+                      <a:prstDash val="solid"/>
+                      <a:round/>
+                      <a:headEnd type="none" w="med" len="med"/>
+                      <a:tailEnd type="none" w="med" len="med"/>
+                    </a:lnB>
+                    <a:lnTlToBr w="12700" cmpd="sng">
+                      <a:noFill/>
+                      <a:prstDash val="solid"/>
+                    </a:lnTlToBr>
+                    <a:lnBlToTr w="12700" cmpd="sng">
+                      <a:noFill/>
+                      <a:prstDash val="solid"/>
+                    </a:lnBlToTr>
+                    <a:solidFill>
+                      <a:srgbClr val="FFFF97"/>
+                    </a:solidFill>
+                  </a:tcPr>
+                </a:tc>
+                <a:tc>
+                  <a:txBody>
+                    <a:bodyPr/>
+                    <a:lstStyle/>
+                    <a:p>
+                      <a:pPr algn="ctr"/>
+                      <a:r>
+                        <a:rPr lang="en-US" dirty="0" smtClean="0">
+                          <a:solidFill>
+                            <a:schemeClr val="tx1"/>
+                          </a:solidFill>
+                        </a:rPr>
+                        <a:t>Negative</a:t>
+                      </a:r>
+                      <a:endParaRPr lang="en-CA" dirty="0">
+                        <a:solidFill>
+                          <a:schemeClr val="tx1"/>
+                        </a:solidFill>
+                      </a:endParaRPr>
+                    </a:p>
+                  </a:txBody>
+                  <a:tcPr>
+                    <a:lnL w="12700" cap="flat" cmpd="sng" algn="ctr">
+                      <a:solidFill>
+                        <a:schemeClr val="tx1"/>
+                      </a:solidFill>
+                      <a:prstDash val="solid"/>
+                      <a:round/>
+                      <a:headEnd type="none" w="med" len="med"/>
+                      <a:tailEnd type="none" w="med" len="med"/>
+                    </a:lnL>
+                    <a:lnR w="12700" cap="flat" cmpd="sng" algn="ctr">
+                      <a:solidFill>
+                        <a:schemeClr val="tx1"/>
+                      </a:solidFill>
+                      <a:prstDash val="solid"/>
+                      <a:round/>
+                      <a:headEnd type="none" w="med" len="med"/>
+                      <a:tailEnd type="none" w="med" len="med"/>
+                    </a:lnR>
+                    <a:lnT w="12700" cap="flat" cmpd="sng" algn="ctr">
+                      <a:solidFill>
+                        <a:schemeClr val="tx1"/>
+                      </a:solidFill>
+                      <a:prstDash val="solid"/>
+                      <a:round/>
+                      <a:headEnd type="none" w="med" len="med"/>
+                      <a:tailEnd type="none" w="med" len="med"/>
+                    </a:lnT>
+                    <a:lnB w="12700" cap="flat" cmpd="sng" algn="ctr">
+                      <a:solidFill>
+                        <a:schemeClr val="tx1"/>
+                      </a:solidFill>
+                      <a:prstDash val="solid"/>
+                      <a:round/>
+                      <a:headEnd type="none" w="med" len="med"/>
+                      <a:tailEnd type="none" w="med" len="med"/>
+                    </a:lnB>
+                    <a:lnTlToBr w="12700" cmpd="sng">
+                      <a:noFill/>
+                      <a:prstDash val="solid"/>
+                    </a:lnTlToBr>
+                    <a:lnBlToTr w="12700" cmpd="sng">
+                      <a:noFill/>
+                      <a:prstDash val="solid"/>
+                    </a:lnBlToTr>
+                    <a:solidFill>
+                      <a:srgbClr val="FFFF97"/>
+                    </a:solidFill>
+                  </a:tcPr>
+                </a:tc>
+              </a:tr>
+              <a:tr h="185420">
+                <a:tc>
+                  <a:txBody>
+                    <a:bodyPr/>
+                    <a:lstStyle/>
+                    <a:p>
+                      <a:pPr algn="ctr"/>
+                      <a:r>
+                        <a:rPr lang="en-US" dirty="0" smtClean="0">
+                          <a:solidFill>
+                            <a:schemeClr val="tx1"/>
+                          </a:solidFill>
+                        </a:rPr>
+                        <a:t>Exploit unknown</a:t>
+                      </a:r>
+                      <a:endParaRPr lang="en-CA" dirty="0">
+                        <a:solidFill>
+                          <a:schemeClr val="tx1"/>
+                        </a:solidFill>
+                      </a:endParaRPr>
+                    </a:p>
+                  </a:txBody>
+                  <a:tcPr>
+                    <a:lnL w="12700" cap="flat" cmpd="sng" algn="ctr">
+                      <a:solidFill>
+                        <a:schemeClr val="tx1"/>
+                      </a:solidFill>
+                      <a:prstDash val="solid"/>
+                      <a:round/>
+                      <a:headEnd type="none" w="med" len="med"/>
+                      <a:tailEnd type="none" w="med" len="med"/>
+                    </a:lnL>
+                    <a:lnR w="12700" cap="flat" cmpd="sng" algn="ctr">
+                      <a:solidFill>
+                        <a:schemeClr val="tx1"/>
+                      </a:solidFill>
+                      <a:prstDash val="solid"/>
+                      <a:round/>
+                      <a:headEnd type="none" w="med" len="med"/>
+                      <a:tailEnd type="none" w="med" len="med"/>
+                    </a:lnR>
+                    <a:lnT w="12700" cap="flat" cmpd="sng" algn="ctr">
+                      <a:solidFill>
+                        <a:schemeClr val="tx1"/>
+                      </a:solidFill>
+                      <a:prstDash val="solid"/>
+                      <a:round/>
+                      <a:headEnd type="none" w="med" len="med"/>
+                      <a:tailEnd type="none" w="med" len="med"/>
+                    </a:lnT>
+                    <a:lnB w="12700" cap="flat" cmpd="sng" algn="ctr">
+                      <a:solidFill>
+                        <a:schemeClr val="tx1"/>
+                      </a:solidFill>
+                      <a:prstDash val="solid"/>
+                      <a:round/>
+                      <a:headEnd type="none" w="med" len="med"/>
+                      <a:tailEnd type="none" w="med" len="med"/>
+                    </a:lnB>
+                    <a:lnTlToBr w="12700" cmpd="sng">
+                      <a:noFill/>
+                      <a:prstDash val="solid"/>
+                    </a:lnTlToBr>
+                    <a:lnBlToTr w="12700" cmpd="sng">
+                      <a:noFill/>
+                      <a:prstDash val="solid"/>
+                    </a:lnBlToTr>
+                  </a:tcPr>
+                </a:tc>
+                <a:tc>
+                  <a:txBody>
+                    <a:bodyPr/>
+                    <a:lstStyle/>
+                    <a:p>
+                      <a:pPr algn="ctr"/>
+                      <a:r>
+                        <a:rPr lang="en-US" dirty="0" smtClean="0">
+                          <a:solidFill>
+                            <a:schemeClr val="tx1"/>
+                          </a:solidFill>
+                        </a:rPr>
+                        <a:t>Negative</a:t>
+                      </a:r>
+                      <a:endParaRPr lang="en-CA" dirty="0">
+                        <a:solidFill>
+                          <a:schemeClr val="tx1"/>
+                        </a:solidFill>
+                      </a:endParaRPr>
+                    </a:p>
+                  </a:txBody>
+                  <a:tcPr>
+                    <a:lnL w="12700" cap="flat" cmpd="sng" algn="ctr">
+                      <a:solidFill>
+                        <a:schemeClr val="tx1"/>
+                      </a:solidFill>
+                      <a:prstDash val="solid"/>
+                      <a:round/>
+                      <a:headEnd type="none" w="med" len="med"/>
+                      <a:tailEnd type="none" w="med" len="med"/>
+                    </a:lnL>
+                    <a:lnR w="12700" cap="flat" cmpd="sng" algn="ctr">
+                      <a:solidFill>
+                        <a:schemeClr val="tx1"/>
+                      </a:solidFill>
+                      <a:prstDash val="solid"/>
+                      <a:round/>
+                      <a:headEnd type="none" w="med" len="med"/>
+                      <a:tailEnd type="none" w="med" len="med"/>
+                    </a:lnR>
+                    <a:lnT w="12700" cap="flat" cmpd="sng" algn="ctr">
+                      <a:solidFill>
+                        <a:schemeClr val="tx1"/>
+                      </a:solidFill>
+                      <a:prstDash val="solid"/>
+                      <a:round/>
+                      <a:headEnd type="none" w="med" len="med"/>
+                      <a:tailEnd type="none" w="med" len="med"/>
+                    </a:lnT>
+                    <a:lnB w="12700" cap="flat" cmpd="sng" algn="ctr">
+                      <a:solidFill>
+                        <a:schemeClr val="tx1"/>
+                      </a:solidFill>
+                      <a:prstDash val="solid"/>
+                      <a:round/>
+                      <a:headEnd type="none" w="med" len="med"/>
+                      <a:tailEnd type="none" w="med" len="med"/>
+                    </a:lnB>
+                    <a:lnTlToBr w="12700" cmpd="sng">
+                      <a:noFill/>
+                      <a:prstDash val="solid"/>
+                    </a:lnTlToBr>
+                    <a:lnBlToTr w="12700" cmpd="sng">
+                      <a:noFill/>
+                      <a:prstDash val="solid"/>
+                    </a:lnBlToTr>
+                  </a:tcPr>
+                </a:tc>
+              </a:tr>
+              <a:tr h="185420">
+                <a:tc>
+                  <a:txBody>
+                    <a:bodyPr/>
+                    <a:lstStyle/>
+                    <a:p>
+                      <a:pPr algn="ctr"/>
+                      <a:r>
+                        <a:rPr lang="en-US" dirty="0" smtClean="0">
+                          <a:solidFill>
+                            <a:schemeClr val="tx1"/>
+                          </a:solidFill>
+                        </a:rPr>
+                        <a:t>No category</a:t>
+                      </a:r>
+                      <a:endParaRPr lang="en-CA" dirty="0">
+                        <a:solidFill>
+                          <a:schemeClr val="tx1"/>
+                        </a:solidFill>
+                      </a:endParaRPr>
+                    </a:p>
+                  </a:txBody>
+                  <a:tcPr>
+                    <a:lnL w="12700" cap="flat" cmpd="sng" algn="ctr">
+                      <a:solidFill>
+                        <a:schemeClr val="tx1"/>
+                      </a:solidFill>
+                      <a:prstDash val="solid"/>
+                      <a:round/>
+                      <a:headEnd type="none" w="med" len="med"/>
+                      <a:tailEnd type="none" w="med" len="med"/>
+                    </a:lnL>
+                    <a:lnR w="12700" cap="flat" cmpd="sng" algn="ctr">
+                      <a:solidFill>
+                        <a:schemeClr val="tx1"/>
+                      </a:solidFill>
+                      <a:prstDash val="solid"/>
+                      <a:round/>
+                      <a:headEnd type="none" w="med" len="med"/>
+                      <a:tailEnd type="none" w="med" len="med"/>
+                    </a:lnR>
+                    <a:lnT w="12700" cap="flat" cmpd="sng" algn="ctr">
+                      <a:solidFill>
+                        <a:schemeClr val="tx1"/>
+                      </a:solidFill>
+                      <a:prstDash val="solid"/>
+                      <a:round/>
+                      <a:headEnd type="none" w="med" len="med"/>
+                      <a:tailEnd type="none" w="med" len="med"/>
+                    </a:lnT>
+                    <a:lnB w="12700" cap="flat" cmpd="sng" algn="ctr">
+                      <a:solidFill>
+                        <a:schemeClr val="tx1"/>
+                      </a:solidFill>
+                      <a:prstDash val="solid"/>
+                      <a:round/>
+                      <a:headEnd type="none" w="med" len="med"/>
+                      <a:tailEnd type="none" w="med" len="med"/>
+                    </a:lnB>
+                    <a:lnTlToBr w="12700" cmpd="sng">
+                      <a:noFill/>
+                      <a:prstDash val="solid"/>
+                    </a:lnTlToBr>
+                    <a:lnBlToTr w="12700" cmpd="sng">
+                      <a:noFill/>
+                      <a:prstDash val="solid"/>
+                    </a:lnBlToTr>
+                    <a:solidFill>
+                      <a:srgbClr val="FFFF97"/>
+                    </a:solidFill>
+                  </a:tcPr>
+                </a:tc>
+                <a:tc>
+                  <a:txBody>
+                    <a:bodyPr/>
+                    <a:lstStyle/>
+                    <a:p>
+                      <a:pPr algn="ctr"/>
+                      <a:r>
+                        <a:rPr lang="en-US" dirty="0" smtClean="0">
+                          <a:solidFill>
+                            <a:schemeClr val="tx1"/>
+                          </a:solidFill>
+                        </a:rPr>
+                        <a:t>Not used</a:t>
+                      </a:r>
+                      <a:endParaRPr lang="en-CA" dirty="0">
+                        <a:solidFill>
+                          <a:schemeClr val="tx1"/>
+                        </a:solidFill>
+                      </a:endParaRPr>
+                    </a:p>
+                  </a:txBody>
+                  <a:tcPr>
+                    <a:lnL w="12700" cap="flat" cmpd="sng" algn="ctr">
+                      <a:solidFill>
+                        <a:schemeClr val="tx1"/>
+                      </a:solidFill>
+                      <a:prstDash val="solid"/>
+                      <a:round/>
+                      <a:headEnd type="none" w="med" len="med"/>
+                      <a:tailEnd type="none" w="med" len="med"/>
+                    </a:lnL>
+                    <a:lnR w="12700" cap="flat" cmpd="sng" algn="ctr">
+                      <a:solidFill>
+                        <a:schemeClr val="tx1"/>
+                      </a:solidFill>
+                      <a:prstDash val="solid"/>
+                      <a:round/>
+                      <a:headEnd type="none" w="med" len="med"/>
+                      <a:tailEnd type="none" w="med" len="med"/>
+                    </a:lnR>
+                    <a:lnT w="12700" cap="flat" cmpd="sng" algn="ctr">
+                      <a:solidFill>
+                        <a:schemeClr val="tx1"/>
+                      </a:solidFill>
+                      <a:prstDash val="solid"/>
+                      <a:round/>
+                      <a:headEnd type="none" w="med" len="med"/>
+                      <a:tailEnd type="none" w="med" len="med"/>
+                    </a:lnT>
+                    <a:lnB w="12700" cap="flat" cmpd="sng" algn="ctr">
+                      <a:solidFill>
+                        <a:schemeClr val="tx1"/>
+                      </a:solidFill>
+                      <a:prstDash val="solid"/>
+                      <a:round/>
+                      <a:headEnd type="none" w="med" len="med"/>
+                      <a:tailEnd type="none" w="med" len="med"/>
+                    </a:lnB>
+                    <a:lnTlToBr w="12700" cmpd="sng">
+                      <a:noFill/>
+                      <a:prstDash val="solid"/>
+                    </a:lnTlToBr>
+                    <a:lnBlToTr w="12700" cmpd="sng">
+                      <a:noFill/>
+                      <a:prstDash val="solid"/>
+                    </a:lnBlToTr>
+                    <a:solidFill>
+                      <a:srgbClr val="FFFF97"/>
+                    </a:solidFill>
+                  </a:tcPr>
+                </a:tc>
+              </a:tr>
+            </a:tbl>
+          </a:graphicData>
+        </a:graphic>
+      </p:graphicFrame>
+    </p:spTree>
+    <p:extLst>
+      <p:ext uri="{BB962C8B-B14F-4D97-AF65-F5344CB8AC3E}">
+        <p14:creationId xmlns:p14="http://schemas.microsoft.com/office/powerpoint/2010/main" val="3513467480"/>
+      </p:ext>
+    </p:extLst>
+  </p:cSld>
+  <p:clrMapOvr>
+    <a:masterClrMapping/>
+  </p:clrMapOvr>
+  <p:timing>
+    <p:tnLst>
+      <p:par>
+        <p:cTn id="1" dur="indefinite" restart="never" nodeType="tmRoot"/>
+      </p:par>
+    </p:tnLst>
+  </p:timing>
+</p:sld>
+</file>
+
+<file path=ppt/slides/slide26.xml><?xml version="1.0" encoding="utf-8"?>
+<p:sld xmlns:a="http://schemas.openxmlformats.org/drawingml/2006/main" xmlns:r="http://schemas.openxmlformats.org/officeDocument/2006/relationships" xmlns:p="http://schemas.openxmlformats.org/presentationml/2006/main">
+  <p:cSld>
+    <p:spTree>
+      <p:nvGrpSpPr>
+        <p:cNvPr id="1" name=""/>
+        <p:cNvGrpSpPr/>
+        <p:nvPr/>
+      </p:nvGrpSpPr>
+      <p:grpSpPr>
+        <a:xfrm>
+          <a:off x="0" y="0"/>
+          <a:ext cx="0" cy="0"/>
+          <a:chOff x="0" y="0"/>
+          <a:chExt cx="0" cy="0"/>
+        </a:xfrm>
+      </p:grpSpPr>
+      <p:sp>
+        <p:nvSpPr>
+          <p:cNvPr id="2" name="Title 1"/>
+          <p:cNvSpPr>
+            <a:spLocks noGrp="1"/>
+          </p:cNvSpPr>
+          <p:nvPr>
+            <p:ph type="title"/>
+          </p:nvPr>
+        </p:nvSpPr>
+        <p:spPr>
+          <a:xfrm>
+            <a:off x="677334" y="609599"/>
+            <a:ext cx="9685866" cy="840510"/>
+          </a:xfrm>
+        </p:spPr>
+        <p:txBody>
+          <a:bodyPr>
+            <a:normAutofit/>
+          </a:bodyPr>
+          <a:lstStyle/>
+          <a:p>
+            <a:r>
+              <a:rPr lang="en-US" sz="4800" dirty="0" smtClean="0">
+                <a:solidFill>
+                  <a:schemeClr val="tx1"/>
+                </a:solidFill>
+              </a:rPr>
+              <a:t>Proposal – </a:t>
+            </a:r>
+            <a:r>
+              <a:rPr lang="en-US" sz="4800" dirty="0" smtClean="0">
+                <a:solidFill>
+                  <a:schemeClr val="tx1"/>
+                </a:solidFill>
+              </a:rPr>
+              <a:t>Exploit quantification</a:t>
+            </a:r>
+            <a:endParaRPr lang="en-CA" sz="4800" dirty="0">
+              <a:solidFill>
+                <a:schemeClr val="tx1"/>
+              </a:solidFill>
+            </a:endParaRPr>
+          </a:p>
+        </p:txBody>
+      </p:sp>
+      <p:sp>
+        <p:nvSpPr>
+          <p:cNvPr id="16" name="Content Placeholder 2"/>
+          <p:cNvSpPr>
+            <a:spLocks noGrp="1"/>
+          </p:cNvSpPr>
+          <p:nvPr>
+            <p:ph sz="half" idx="1"/>
+          </p:nvPr>
+        </p:nvSpPr>
+        <p:spPr>
+          <a:xfrm>
+            <a:off x="677332" y="1366981"/>
+            <a:ext cx="8013822" cy="2475346"/>
+          </a:xfrm>
+        </p:spPr>
+        <p:txBody>
+          <a:bodyPr anchor="b">
+            <a:normAutofit/>
+          </a:bodyPr>
+          <a:lstStyle/>
+          <a:p>
+            <a:pPr>
               <a:buClr>
                 <a:schemeClr val="tx1"/>
               </a:buClr>
-              <a:buFont typeface="+mj-lt"/>
-              <a:buAutoNum type="arabicPeriod"/>
             </a:pPr>
             <a:r>
-              <a:rPr lang="en-CA" dirty="0" err="1">
+              <a:rPr lang="en-US" sz="3600" dirty="0">
                 <a:solidFill>
                   <a:schemeClr val="tx1"/>
                 </a:solidFill>
               </a:rPr>
-              <a:t>Allodi</a:t>
-            </a:r>
-            <a:r>
-              <a:rPr lang="en-CA" dirty="0">
+              <a:t>This classification could allow optimization of </a:t>
+            </a:r>
+            <a:r>
+              <a:rPr lang="en-US" sz="3600" dirty="0" err="1">
                 <a:solidFill>
                   <a:schemeClr val="tx1"/>
                 </a:solidFill>
               </a:rPr>
-              <a:t> L, and </a:t>
-            </a:r>
-            <a:r>
-              <a:rPr lang="en-CA" dirty="0" err="1">
+              <a:t>intraclass</a:t>
+            </a:r>
+            <a:r>
+              <a:rPr lang="en-US" sz="3600" dirty="0">
                 <a:solidFill>
                   <a:schemeClr val="tx1"/>
                 </a:solidFill>
               </a:rPr>
-              <a:t>Massacci</a:t>
-            </a:r>
-            <a:r>
-              <a:rPr lang="en-CA" dirty="0">
-                <a:solidFill>
-                  <a:schemeClr val="tx1"/>
-                </a:solidFill>
-              </a:rPr>
-              <a:t> F. “Comparing Vulnerability Severity and Exploits Using </a:t>
-            </a:r>
-            <a:r>
-              <a:rPr lang="en-CA" dirty="0" smtClean="0">
-                <a:solidFill>
-                  <a:schemeClr val="tx1"/>
-                </a:solidFill>
-              </a:rPr>
-              <a:t>Case Control </a:t>
-            </a:r>
-            <a:r>
-              <a:rPr lang="en-CA" dirty="0">
-                <a:solidFill>
-                  <a:schemeClr val="tx1"/>
-                </a:solidFill>
-              </a:rPr>
-              <a:t>Studies” ACM Transactions on Information and System Security. 2014; </a:t>
-            </a:r>
-            <a:r>
-              <a:rPr lang="en-CA" dirty="0" smtClean="0">
-                <a:solidFill>
-                  <a:schemeClr val="tx1"/>
-                </a:solidFill>
-              </a:rPr>
-              <a:t/>
-            </a:r>
-            <a:br>
-              <a:rPr lang="en-CA" dirty="0" smtClean="0">
-                <a:solidFill>
-                  <a:schemeClr val="tx1"/>
-                </a:solidFill>
-              </a:rPr>
-            </a:br>
-            <a:r>
-              <a:rPr lang="en-CA" dirty="0" smtClean="0">
-                <a:solidFill>
-                  <a:schemeClr val="tx1"/>
-                </a:solidFill>
-              </a:rPr>
-              <a:t>17(1</a:t>
-            </a:r>
-            <a:r>
-              <a:rPr lang="en-CA" dirty="0">
-                <a:solidFill>
-                  <a:schemeClr val="tx1"/>
-                </a:solidFill>
-              </a:rPr>
-              <a:t>):</a:t>
-            </a:r>
-            <a:r>
-              <a:rPr lang="en-CA" dirty="0" smtClean="0">
-                <a:solidFill>
-                  <a:schemeClr val="tx1"/>
-                </a:solidFill>
-              </a:rPr>
-              <a:t>1-20.</a:t>
-            </a:r>
-          </a:p>
-          <a:p>
-            <a:pPr marL="742950" indent="-742950">
+              <a:t> correlation coefficient</a:t>
+            </a:r>
+          </a:p>
+          <a:p>
+            <a:pPr marL="0" indent="0">
               <a:buClr>
                 <a:schemeClr val="tx1"/>
               </a:buClr>
-              <a:buFont typeface="+mj-lt"/>
-              <a:buAutoNum type="arabicPeriod"/>
+              <a:buNone/>
             </a:pPr>
-            <a:r>
-              <a:rPr lang="en-CA" dirty="0" err="1">
+            <a:endParaRPr lang="en-US" sz="3600" dirty="0" smtClean="0">
+              <a:solidFill>
+                <a:schemeClr val="tx1"/>
+              </a:solidFill>
+            </a:endParaRPr>
+          </a:p>
+        </p:txBody>
+      </p:sp>
+      <p:graphicFrame>
+        <p:nvGraphicFramePr>
+          <p:cNvPr id="4" name="Table 3"/>
+          <p:cNvGraphicFramePr>
+            <a:graphicFrameLocks noGrp="1"/>
+          </p:cNvGraphicFramePr>
+          <p:nvPr/>
+        </p:nvGraphicFramePr>
+        <p:xfrm>
+          <a:off x="677332" y="3471575"/>
+          <a:ext cx="8128000" cy="2214880"/>
+        </p:xfrm>
+        <a:graphic>
+          <a:graphicData uri="http://schemas.openxmlformats.org/drawingml/2006/table">
+            <a:tbl>
+              <a:tblPr firstRow="1" bandRow="1">
+                <a:tableStyleId>{5C22544A-7EE6-4342-B048-85BDC9FD1C3A}</a:tableStyleId>
+              </a:tblPr>
+              <a:tblGrid>
+                <a:gridCol w="4064000"/>
+                <a:gridCol w="4064000"/>
+              </a:tblGrid>
+              <a:tr h="370840">
+                <a:tc>
+                  <a:txBody>
+                    <a:bodyPr/>
+                    <a:lstStyle/>
+                    <a:p>
+                      <a:pPr algn="ctr"/>
+                      <a:r>
+                        <a:rPr lang="en-US" dirty="0" smtClean="0">
+                          <a:solidFill>
+                            <a:schemeClr val="tx1"/>
+                          </a:solidFill>
+                        </a:rPr>
+                        <a:t>Exploit Category</a:t>
+                      </a:r>
+                      <a:endParaRPr lang="en-CA" dirty="0">
+                        <a:solidFill>
+                          <a:schemeClr val="tx1"/>
+                        </a:solidFill>
+                      </a:endParaRPr>
+                    </a:p>
+                  </a:txBody>
+                  <a:tcPr>
+                    <a:lnL w="12700" cap="flat" cmpd="sng" algn="ctr">
+                      <a:solidFill>
+                        <a:schemeClr val="tx1"/>
+                      </a:solidFill>
+                      <a:prstDash val="solid"/>
+                      <a:round/>
+                      <a:headEnd type="none" w="med" len="med"/>
+                      <a:tailEnd type="none" w="med" len="med"/>
+                    </a:lnL>
+                    <a:lnR w="12700" cap="flat" cmpd="sng" algn="ctr">
+                      <a:solidFill>
+                        <a:schemeClr val="tx1"/>
+                      </a:solidFill>
+                      <a:prstDash val="solid"/>
+                      <a:round/>
+                      <a:headEnd type="none" w="med" len="med"/>
+                      <a:tailEnd type="none" w="med" len="med"/>
+                    </a:lnR>
+                    <a:lnT w="12700" cap="flat" cmpd="sng" algn="ctr">
+                      <a:solidFill>
+                        <a:schemeClr val="tx1"/>
+                      </a:solidFill>
+                      <a:prstDash val="solid"/>
+                      <a:round/>
+                      <a:headEnd type="none" w="med" len="med"/>
+                      <a:tailEnd type="none" w="med" len="med"/>
+                    </a:lnT>
+                    <a:lnB w="12700" cap="flat" cmpd="sng" algn="ctr">
+                      <a:solidFill>
+                        <a:schemeClr val="tx1"/>
+                      </a:solidFill>
+                      <a:prstDash val="solid"/>
+                      <a:round/>
+                      <a:headEnd type="none" w="med" len="med"/>
+                      <a:tailEnd type="none" w="med" len="med"/>
+                    </a:lnB>
+                    <a:lnTlToBr w="12700" cmpd="sng">
+                      <a:noFill/>
+                      <a:prstDash val="solid"/>
+                    </a:lnTlToBr>
+                    <a:lnBlToTr w="12700" cmpd="sng">
+                      <a:noFill/>
+                      <a:prstDash val="solid"/>
+                    </a:lnBlToTr>
+                    <a:solidFill>
+                      <a:schemeClr val="accent2"/>
+                    </a:solidFill>
+                  </a:tcPr>
+                </a:tc>
+                <a:tc>
+                  <a:txBody>
+                    <a:bodyPr/>
+                    <a:lstStyle/>
+                    <a:p>
+                      <a:pPr algn="ctr"/>
+                      <a:r>
+                        <a:rPr lang="en-US" dirty="0" smtClean="0">
+                          <a:solidFill>
+                            <a:schemeClr val="tx1"/>
+                          </a:solidFill>
+                        </a:rPr>
+                        <a:t>Label</a:t>
+                      </a:r>
+                      <a:endParaRPr lang="en-CA" dirty="0">
+                        <a:solidFill>
+                          <a:schemeClr val="tx1"/>
+                        </a:solidFill>
+                      </a:endParaRPr>
+                    </a:p>
+                  </a:txBody>
+                  <a:tcPr>
+                    <a:lnL w="12700" cap="flat" cmpd="sng" algn="ctr">
+                      <a:solidFill>
+                        <a:schemeClr val="tx1"/>
+                      </a:solidFill>
+                      <a:prstDash val="solid"/>
+                      <a:round/>
+                      <a:headEnd type="none" w="med" len="med"/>
+                      <a:tailEnd type="none" w="med" len="med"/>
+                    </a:lnL>
+                    <a:lnR w="12700" cap="flat" cmpd="sng" algn="ctr">
+                      <a:solidFill>
+                        <a:schemeClr val="tx1"/>
+                      </a:solidFill>
+                      <a:prstDash val="solid"/>
+                      <a:round/>
+                      <a:headEnd type="none" w="med" len="med"/>
+                      <a:tailEnd type="none" w="med" len="med"/>
+                    </a:lnR>
+                    <a:lnT w="12700" cap="flat" cmpd="sng" algn="ctr">
+                      <a:solidFill>
+                        <a:schemeClr val="tx1"/>
+                      </a:solidFill>
+                      <a:prstDash val="solid"/>
+                      <a:round/>
+                      <a:headEnd type="none" w="med" len="med"/>
+                      <a:tailEnd type="none" w="med" len="med"/>
+                    </a:lnT>
+                    <a:lnB w="12700" cap="flat" cmpd="sng" algn="ctr">
+                      <a:solidFill>
+                        <a:schemeClr val="tx1"/>
+                      </a:solidFill>
+                      <a:prstDash val="solid"/>
+                      <a:round/>
+                      <a:headEnd type="none" w="med" len="med"/>
+                      <a:tailEnd type="none" w="med" len="med"/>
+                    </a:lnB>
+                    <a:lnTlToBr w="12700" cmpd="sng">
+                      <a:noFill/>
+                      <a:prstDash val="solid"/>
+                    </a:lnTlToBr>
+                    <a:lnBlToTr w="12700" cmpd="sng">
+                      <a:noFill/>
+                      <a:prstDash val="solid"/>
+                    </a:lnBlToTr>
+                    <a:solidFill>
+                      <a:srgbClr val="00B0F0"/>
+                    </a:solidFill>
+                  </a:tcPr>
+                </a:tc>
+              </a:tr>
+              <a:tr h="370840">
+                <a:tc>
+                  <a:txBody>
+                    <a:bodyPr/>
+                    <a:lstStyle/>
+                    <a:p>
+                      <a:pPr algn="ctr"/>
+                      <a:r>
+                        <a:rPr lang="en-US" dirty="0" smtClean="0">
+                          <a:solidFill>
+                            <a:schemeClr val="tx1"/>
+                          </a:solidFill>
+                        </a:rPr>
+                        <a:t>Exploit available</a:t>
+                      </a:r>
+                      <a:endParaRPr lang="en-CA" dirty="0">
+                        <a:solidFill>
+                          <a:schemeClr val="tx1"/>
+                        </a:solidFill>
+                      </a:endParaRPr>
+                    </a:p>
+                  </a:txBody>
+                  <a:tcPr>
+                    <a:lnL w="12700" cap="flat" cmpd="sng" algn="ctr">
+                      <a:solidFill>
+                        <a:schemeClr val="tx1"/>
+                      </a:solidFill>
+                      <a:prstDash val="solid"/>
+                      <a:round/>
+                      <a:headEnd type="none" w="med" len="med"/>
+                      <a:tailEnd type="none" w="med" len="med"/>
+                    </a:lnL>
+                    <a:lnR w="12700" cap="flat" cmpd="sng" algn="ctr">
+                      <a:solidFill>
+                        <a:schemeClr val="tx1"/>
+                      </a:solidFill>
+                      <a:prstDash val="solid"/>
+                      <a:round/>
+                      <a:headEnd type="none" w="med" len="med"/>
+                      <a:tailEnd type="none" w="med" len="med"/>
+                    </a:lnR>
+                    <a:lnT w="12700" cap="flat" cmpd="sng" algn="ctr">
+                      <a:solidFill>
+                        <a:schemeClr val="tx1"/>
+                      </a:solidFill>
+                      <a:prstDash val="solid"/>
+                      <a:round/>
+                      <a:headEnd type="none" w="med" len="med"/>
+                      <a:tailEnd type="none" w="med" len="med"/>
+                    </a:lnT>
+                    <a:lnB w="12700" cap="flat" cmpd="sng" algn="ctr">
+                      <a:solidFill>
+                        <a:schemeClr val="tx1"/>
+                      </a:solidFill>
+                      <a:prstDash val="solid"/>
+                      <a:round/>
+                      <a:headEnd type="none" w="med" len="med"/>
+                      <a:tailEnd type="none" w="med" len="med"/>
+                    </a:lnB>
+                    <a:lnTlToBr w="12700" cmpd="sng">
+                      <a:noFill/>
+                      <a:prstDash val="solid"/>
+                    </a:lnTlToBr>
+                    <a:lnBlToTr w="12700" cmpd="sng">
+                      <a:noFill/>
+                      <a:prstDash val="solid"/>
+                    </a:lnBlToTr>
+                    <a:solidFill>
+                      <a:srgbClr val="FFFF97"/>
+                    </a:solidFill>
+                  </a:tcPr>
+                </a:tc>
+                <a:tc>
+                  <a:txBody>
+                    <a:bodyPr/>
+                    <a:lstStyle/>
+                    <a:p>
+                      <a:pPr algn="ctr"/>
+                      <a:r>
+                        <a:rPr lang="en-US" dirty="0" smtClean="0">
+                          <a:solidFill>
+                            <a:schemeClr val="tx1"/>
+                          </a:solidFill>
+                        </a:rPr>
+                        <a:t>Positive</a:t>
+                      </a:r>
+                      <a:endParaRPr lang="en-CA" dirty="0">
+                        <a:solidFill>
+                          <a:schemeClr val="tx1"/>
+                        </a:solidFill>
+                      </a:endParaRPr>
+                    </a:p>
+                  </a:txBody>
+                  <a:tcPr>
+                    <a:lnL w="12700" cap="flat" cmpd="sng" algn="ctr">
+                      <a:solidFill>
+                        <a:schemeClr val="tx1"/>
+                      </a:solidFill>
+                      <a:prstDash val="solid"/>
+                      <a:round/>
+                      <a:headEnd type="none" w="med" len="med"/>
+                      <a:tailEnd type="none" w="med" len="med"/>
+                    </a:lnL>
+                    <a:lnR w="12700" cap="flat" cmpd="sng" algn="ctr">
+                      <a:solidFill>
+                        <a:schemeClr val="tx1"/>
+                      </a:solidFill>
+                      <a:prstDash val="solid"/>
+                      <a:round/>
+                      <a:headEnd type="none" w="med" len="med"/>
+                      <a:tailEnd type="none" w="med" len="med"/>
+                    </a:lnR>
+                    <a:lnT w="12700" cap="flat" cmpd="sng" algn="ctr">
+                      <a:solidFill>
+                        <a:schemeClr val="tx1"/>
+                      </a:solidFill>
+                      <a:prstDash val="solid"/>
+                      <a:round/>
+                      <a:headEnd type="none" w="med" len="med"/>
+                      <a:tailEnd type="none" w="med" len="med"/>
+                    </a:lnT>
+                    <a:lnB w="12700" cap="flat" cmpd="sng" algn="ctr">
+                      <a:solidFill>
+                        <a:schemeClr val="tx1"/>
+                      </a:solidFill>
+                      <a:prstDash val="solid"/>
+                      <a:round/>
+                      <a:headEnd type="none" w="med" len="med"/>
+                      <a:tailEnd type="none" w="med" len="med"/>
+                    </a:lnB>
+                    <a:lnTlToBr w="12700" cmpd="sng">
+                      <a:noFill/>
+                      <a:prstDash val="solid"/>
+                    </a:lnTlToBr>
+                    <a:lnBlToTr w="12700" cmpd="sng">
+                      <a:noFill/>
+                      <a:prstDash val="solid"/>
+                    </a:lnBlToTr>
+                    <a:solidFill>
+                      <a:srgbClr val="FFFF97"/>
+                    </a:solidFill>
+                  </a:tcPr>
+                </a:tc>
+              </a:tr>
+              <a:tr h="370840">
+                <a:tc>
+                  <a:txBody>
+                    <a:bodyPr/>
+                    <a:lstStyle/>
+                    <a:p>
+                      <a:pPr algn="ctr"/>
+                      <a:r>
+                        <a:rPr lang="en-US" dirty="0" smtClean="0">
+                          <a:solidFill>
+                            <a:schemeClr val="tx1"/>
+                          </a:solidFill>
+                        </a:rPr>
+                        <a:t>Exploit</a:t>
+                      </a:r>
+                      <a:r>
+                        <a:rPr lang="en-US" baseline="0" dirty="0" smtClean="0">
+                          <a:solidFill>
+                            <a:schemeClr val="tx1"/>
+                          </a:solidFill>
+                        </a:rPr>
+                        <a:t> rumored / private</a:t>
+                      </a:r>
+                      <a:endParaRPr lang="en-CA" dirty="0">
+                        <a:solidFill>
+                          <a:schemeClr val="tx1"/>
+                        </a:solidFill>
+                      </a:endParaRPr>
+                    </a:p>
+                  </a:txBody>
+                  <a:tcPr>
+                    <a:lnL w="12700" cap="flat" cmpd="sng" algn="ctr">
+                      <a:solidFill>
+                        <a:schemeClr val="tx1"/>
+                      </a:solidFill>
+                      <a:prstDash val="solid"/>
+                      <a:round/>
+                      <a:headEnd type="none" w="med" len="med"/>
+                      <a:tailEnd type="none" w="med" len="med"/>
+                    </a:lnL>
+                    <a:lnR w="12700" cap="flat" cmpd="sng" algn="ctr">
+                      <a:solidFill>
+                        <a:schemeClr val="tx1"/>
+                      </a:solidFill>
+                      <a:prstDash val="solid"/>
+                      <a:round/>
+                      <a:headEnd type="none" w="med" len="med"/>
+                      <a:tailEnd type="none" w="med" len="med"/>
+                    </a:lnR>
+                    <a:lnT w="12700" cap="flat" cmpd="sng" algn="ctr">
+                      <a:solidFill>
+                        <a:schemeClr val="tx1"/>
+                      </a:solidFill>
+                      <a:prstDash val="solid"/>
+                      <a:round/>
+                      <a:headEnd type="none" w="med" len="med"/>
+                      <a:tailEnd type="none" w="med" len="med"/>
+                    </a:lnT>
+                    <a:lnB w="12700" cap="flat" cmpd="sng" algn="ctr">
+                      <a:solidFill>
+                        <a:schemeClr val="tx1"/>
+                      </a:solidFill>
+                      <a:prstDash val="solid"/>
+                      <a:round/>
+                      <a:headEnd type="none" w="med" len="med"/>
+                      <a:tailEnd type="none" w="med" len="med"/>
+                    </a:lnB>
+                    <a:lnTlToBr w="12700" cmpd="sng">
+                      <a:noFill/>
+                      <a:prstDash val="solid"/>
+                    </a:lnTlToBr>
+                    <a:lnBlToTr w="12700" cmpd="sng">
+                      <a:noFill/>
+                      <a:prstDash val="solid"/>
+                    </a:lnBlToTr>
+                  </a:tcPr>
+                </a:tc>
+                <a:tc>
+                  <a:txBody>
+                    <a:bodyPr/>
+                    <a:lstStyle/>
+                    <a:p>
+                      <a:pPr algn="ctr"/>
+                      <a:r>
+                        <a:rPr lang="en-US" dirty="0" smtClean="0">
+                          <a:solidFill>
+                            <a:schemeClr val="tx1"/>
+                          </a:solidFill>
+                        </a:rPr>
+                        <a:t>Positive</a:t>
+                      </a:r>
+                      <a:endParaRPr lang="en-CA" dirty="0">
+                        <a:solidFill>
+                          <a:schemeClr val="tx1"/>
+                        </a:solidFill>
+                      </a:endParaRPr>
+                    </a:p>
+                  </a:txBody>
+                  <a:tcPr>
+                    <a:lnL w="12700" cap="flat" cmpd="sng" algn="ctr">
+                      <a:solidFill>
+                        <a:schemeClr val="tx1"/>
+                      </a:solidFill>
+                      <a:prstDash val="solid"/>
+                      <a:round/>
+                      <a:headEnd type="none" w="med" len="med"/>
+                      <a:tailEnd type="none" w="med" len="med"/>
+                    </a:lnL>
+                    <a:lnR w="12700" cap="flat" cmpd="sng" algn="ctr">
+                      <a:solidFill>
+                        <a:schemeClr val="tx1"/>
+                      </a:solidFill>
+                      <a:prstDash val="solid"/>
+                      <a:round/>
+                      <a:headEnd type="none" w="med" len="med"/>
+                      <a:tailEnd type="none" w="med" len="med"/>
+                    </a:lnR>
+                    <a:lnT w="12700" cap="flat" cmpd="sng" algn="ctr">
+                      <a:solidFill>
+                        <a:schemeClr val="tx1"/>
+                      </a:solidFill>
+                      <a:prstDash val="solid"/>
+                      <a:round/>
+                      <a:headEnd type="none" w="med" len="med"/>
+                      <a:tailEnd type="none" w="med" len="med"/>
+                    </a:lnT>
+                    <a:lnB w="12700" cap="flat" cmpd="sng" algn="ctr">
+                      <a:solidFill>
+                        <a:schemeClr val="tx1"/>
+                      </a:solidFill>
+                      <a:prstDash val="solid"/>
+                      <a:round/>
+                      <a:headEnd type="none" w="med" len="med"/>
+                      <a:tailEnd type="none" w="med" len="med"/>
+                    </a:lnB>
+                    <a:lnTlToBr w="12700" cmpd="sng">
+                      <a:noFill/>
+                      <a:prstDash val="solid"/>
+                    </a:lnTlToBr>
+                    <a:lnBlToTr w="12700" cmpd="sng">
+                      <a:noFill/>
+                      <a:prstDash val="solid"/>
+                    </a:lnBlToTr>
+                  </a:tcPr>
+                </a:tc>
+              </a:tr>
+              <a:tr h="370840">
+                <a:tc>
+                  <a:txBody>
+                    <a:bodyPr/>
+                    <a:lstStyle/>
+                    <a:p>
+                      <a:pPr algn="ctr"/>
+                      <a:r>
+                        <a:rPr lang="en-US" dirty="0" smtClean="0">
+                          <a:solidFill>
+                            <a:schemeClr val="tx1"/>
+                          </a:solidFill>
+                        </a:rPr>
+                        <a:t>Exploit unavailable</a:t>
+                      </a:r>
+                      <a:endParaRPr lang="en-CA" dirty="0">
+                        <a:solidFill>
+                          <a:schemeClr val="tx1"/>
+                        </a:solidFill>
+                      </a:endParaRPr>
+                    </a:p>
+                  </a:txBody>
+                  <a:tcPr>
+                    <a:lnL w="12700" cap="flat" cmpd="sng" algn="ctr">
+                      <a:solidFill>
+                        <a:schemeClr val="tx1"/>
+                      </a:solidFill>
+                      <a:prstDash val="solid"/>
+                      <a:round/>
+                      <a:headEnd type="none" w="med" len="med"/>
+                      <a:tailEnd type="none" w="med" len="med"/>
+                    </a:lnL>
+                    <a:lnR w="12700" cap="flat" cmpd="sng" algn="ctr">
+                      <a:solidFill>
+                        <a:schemeClr val="tx1"/>
+                      </a:solidFill>
+                      <a:prstDash val="solid"/>
+                      <a:round/>
+                      <a:headEnd type="none" w="med" len="med"/>
+                      <a:tailEnd type="none" w="med" len="med"/>
+                    </a:lnR>
+                    <a:lnT w="12700" cap="flat" cmpd="sng" algn="ctr">
+                      <a:solidFill>
+                        <a:schemeClr val="tx1"/>
+                      </a:solidFill>
+                      <a:prstDash val="solid"/>
+                      <a:round/>
+                      <a:headEnd type="none" w="med" len="med"/>
+                      <a:tailEnd type="none" w="med" len="med"/>
+                    </a:lnT>
+                    <a:lnB w="12700" cap="flat" cmpd="sng" algn="ctr">
+                      <a:solidFill>
+                        <a:schemeClr val="tx1"/>
+                      </a:solidFill>
+                      <a:prstDash val="solid"/>
+                      <a:round/>
+                      <a:headEnd type="none" w="med" len="med"/>
+                      <a:tailEnd type="none" w="med" len="med"/>
+                    </a:lnB>
+                    <a:lnTlToBr w="12700" cmpd="sng">
+                      <a:noFill/>
+                      <a:prstDash val="solid"/>
+                    </a:lnTlToBr>
+                    <a:lnBlToTr w="12700" cmpd="sng">
+                      <a:noFill/>
+                      <a:prstDash val="solid"/>
+                    </a:lnBlToTr>
+                    <a:solidFill>
+                      <a:srgbClr val="FFFF97"/>
+                    </a:solidFill>
+                  </a:tcPr>
+                </a:tc>
+                <a:tc>
+                  <a:txBody>
+                    <a:bodyPr/>
+                    <a:lstStyle/>
+                    <a:p>
+                      <a:pPr algn="ctr"/>
+                      <a:r>
+                        <a:rPr lang="en-US" dirty="0" smtClean="0">
+                          <a:solidFill>
+                            <a:schemeClr val="tx1"/>
+                          </a:solidFill>
+                        </a:rPr>
+                        <a:t>Negative</a:t>
+                      </a:r>
+                      <a:endParaRPr lang="en-CA" dirty="0">
+                        <a:solidFill>
+                          <a:schemeClr val="tx1"/>
+                        </a:solidFill>
+                      </a:endParaRPr>
+                    </a:p>
+                  </a:txBody>
+                  <a:tcPr>
+                    <a:lnL w="12700" cap="flat" cmpd="sng" algn="ctr">
+                      <a:solidFill>
+                        <a:schemeClr val="tx1"/>
+                      </a:solidFill>
+                      <a:prstDash val="solid"/>
+                      <a:round/>
+                      <a:headEnd type="none" w="med" len="med"/>
+                      <a:tailEnd type="none" w="med" len="med"/>
+                    </a:lnL>
+                    <a:lnR w="12700" cap="flat" cmpd="sng" algn="ctr">
+                      <a:solidFill>
+                        <a:schemeClr val="tx1"/>
+                      </a:solidFill>
+                      <a:prstDash val="solid"/>
+                      <a:round/>
+                      <a:headEnd type="none" w="med" len="med"/>
+                      <a:tailEnd type="none" w="med" len="med"/>
+                    </a:lnR>
+                    <a:lnT w="12700" cap="flat" cmpd="sng" algn="ctr">
+                      <a:solidFill>
+                        <a:schemeClr val="tx1"/>
+                      </a:solidFill>
+                      <a:prstDash val="solid"/>
+                      <a:round/>
+                      <a:headEnd type="none" w="med" len="med"/>
+                      <a:tailEnd type="none" w="med" len="med"/>
+                    </a:lnT>
+                    <a:lnB w="12700" cap="flat" cmpd="sng" algn="ctr">
+                      <a:solidFill>
+                        <a:schemeClr val="tx1"/>
+                      </a:solidFill>
+                      <a:prstDash val="solid"/>
+                      <a:round/>
+                      <a:headEnd type="none" w="med" len="med"/>
+                      <a:tailEnd type="none" w="med" len="med"/>
+                    </a:lnB>
+                    <a:lnTlToBr w="12700" cmpd="sng">
+                      <a:noFill/>
+                      <a:prstDash val="solid"/>
+                    </a:lnTlToBr>
+                    <a:lnBlToTr w="12700" cmpd="sng">
+                      <a:noFill/>
+                      <a:prstDash val="solid"/>
+                    </a:lnBlToTr>
+                    <a:solidFill>
+                      <a:srgbClr val="FFFF97"/>
+                    </a:solidFill>
+                  </a:tcPr>
+                </a:tc>
+              </a:tr>
+              <a:tr h="185420">
+                <a:tc>
+                  <a:txBody>
+                    <a:bodyPr/>
+                    <a:lstStyle/>
+                    <a:p>
+                      <a:pPr algn="ctr"/>
+                      <a:r>
+                        <a:rPr lang="en-US" dirty="0" smtClean="0">
+                          <a:solidFill>
+                            <a:schemeClr val="tx1"/>
+                          </a:solidFill>
+                        </a:rPr>
+                        <a:t>Exploit unknown</a:t>
+                      </a:r>
+                      <a:endParaRPr lang="en-CA" dirty="0">
+                        <a:solidFill>
+                          <a:schemeClr val="tx1"/>
+                        </a:solidFill>
+                      </a:endParaRPr>
+                    </a:p>
+                  </a:txBody>
+                  <a:tcPr>
+                    <a:lnL w="12700" cap="flat" cmpd="sng" algn="ctr">
+                      <a:solidFill>
+                        <a:schemeClr val="tx1"/>
+                      </a:solidFill>
+                      <a:prstDash val="solid"/>
+                      <a:round/>
+                      <a:headEnd type="none" w="med" len="med"/>
+                      <a:tailEnd type="none" w="med" len="med"/>
+                    </a:lnL>
+                    <a:lnR w="12700" cap="flat" cmpd="sng" algn="ctr">
+                      <a:solidFill>
+                        <a:schemeClr val="tx1"/>
+                      </a:solidFill>
+                      <a:prstDash val="solid"/>
+                      <a:round/>
+                      <a:headEnd type="none" w="med" len="med"/>
+                      <a:tailEnd type="none" w="med" len="med"/>
+                    </a:lnR>
+                    <a:lnT w="12700" cap="flat" cmpd="sng" algn="ctr">
+                      <a:solidFill>
+                        <a:schemeClr val="tx1"/>
+                      </a:solidFill>
+                      <a:prstDash val="solid"/>
+                      <a:round/>
+                      <a:headEnd type="none" w="med" len="med"/>
+                      <a:tailEnd type="none" w="med" len="med"/>
+                    </a:lnT>
+                    <a:lnB w="12700" cap="flat" cmpd="sng" algn="ctr">
+                      <a:solidFill>
+                        <a:schemeClr val="tx1"/>
+                      </a:solidFill>
+                      <a:prstDash val="solid"/>
+                      <a:round/>
+                      <a:headEnd type="none" w="med" len="med"/>
+                      <a:tailEnd type="none" w="med" len="med"/>
+                    </a:lnB>
+                    <a:lnTlToBr w="12700" cmpd="sng">
+                      <a:noFill/>
+                      <a:prstDash val="solid"/>
+                    </a:lnTlToBr>
+                    <a:lnBlToTr w="12700" cmpd="sng">
+                      <a:noFill/>
+                      <a:prstDash val="solid"/>
+                    </a:lnBlToTr>
+                  </a:tcPr>
+                </a:tc>
+                <a:tc>
+                  <a:txBody>
+                    <a:bodyPr/>
+                    <a:lstStyle/>
+                    <a:p>
+                      <a:pPr algn="ctr"/>
+                      <a:r>
+                        <a:rPr lang="en-US" dirty="0" smtClean="0">
+                          <a:solidFill>
+                            <a:schemeClr val="tx1"/>
+                          </a:solidFill>
+                        </a:rPr>
+                        <a:t>Negative</a:t>
+                      </a:r>
+                      <a:endParaRPr lang="en-CA" dirty="0">
+                        <a:solidFill>
+                          <a:schemeClr val="tx1"/>
+                        </a:solidFill>
+                      </a:endParaRPr>
+                    </a:p>
+                  </a:txBody>
+                  <a:tcPr>
+                    <a:lnL w="12700" cap="flat" cmpd="sng" algn="ctr">
+                      <a:solidFill>
+                        <a:schemeClr val="tx1"/>
+                      </a:solidFill>
+                      <a:prstDash val="solid"/>
+                      <a:round/>
+                      <a:headEnd type="none" w="med" len="med"/>
+                      <a:tailEnd type="none" w="med" len="med"/>
+                    </a:lnL>
+                    <a:lnR w="12700" cap="flat" cmpd="sng" algn="ctr">
+                      <a:solidFill>
+                        <a:schemeClr val="tx1"/>
+                      </a:solidFill>
+                      <a:prstDash val="solid"/>
+                      <a:round/>
+                      <a:headEnd type="none" w="med" len="med"/>
+                      <a:tailEnd type="none" w="med" len="med"/>
+                    </a:lnR>
+                    <a:lnT w="12700" cap="flat" cmpd="sng" algn="ctr">
+                      <a:solidFill>
+                        <a:schemeClr val="tx1"/>
+                      </a:solidFill>
+                      <a:prstDash val="solid"/>
+                      <a:round/>
+                      <a:headEnd type="none" w="med" len="med"/>
+                      <a:tailEnd type="none" w="med" len="med"/>
+                    </a:lnT>
+                    <a:lnB w="12700" cap="flat" cmpd="sng" algn="ctr">
+                      <a:solidFill>
+                        <a:schemeClr val="tx1"/>
+                      </a:solidFill>
+                      <a:prstDash val="solid"/>
+                      <a:round/>
+                      <a:headEnd type="none" w="med" len="med"/>
+                      <a:tailEnd type="none" w="med" len="med"/>
+                    </a:lnB>
+                    <a:lnTlToBr w="12700" cmpd="sng">
+                      <a:noFill/>
+                      <a:prstDash val="solid"/>
+                    </a:lnTlToBr>
+                    <a:lnBlToTr w="12700" cmpd="sng">
+                      <a:noFill/>
+                      <a:prstDash val="solid"/>
+                    </a:lnBlToTr>
+                  </a:tcPr>
+                </a:tc>
+              </a:tr>
+              <a:tr h="185420">
+                <a:tc>
+                  <a:txBody>
+                    <a:bodyPr/>
+                    <a:lstStyle/>
+                    <a:p>
+                      <a:pPr algn="ctr"/>
+                      <a:r>
+                        <a:rPr lang="en-US" dirty="0" smtClean="0">
+                          <a:solidFill>
+                            <a:schemeClr val="tx1"/>
+                          </a:solidFill>
+                        </a:rPr>
+                        <a:t>No category</a:t>
+                      </a:r>
+                      <a:endParaRPr lang="en-CA" dirty="0">
+                        <a:solidFill>
+                          <a:schemeClr val="tx1"/>
+                        </a:solidFill>
+                      </a:endParaRPr>
+                    </a:p>
+                  </a:txBody>
+                  <a:tcPr>
+                    <a:lnL w="12700" cap="flat" cmpd="sng" algn="ctr">
+                      <a:solidFill>
+                        <a:schemeClr val="tx1"/>
+                      </a:solidFill>
+                      <a:prstDash val="solid"/>
+                      <a:round/>
+                      <a:headEnd type="none" w="med" len="med"/>
+                      <a:tailEnd type="none" w="med" len="med"/>
+                    </a:lnL>
+                    <a:lnR w="12700" cap="flat" cmpd="sng" algn="ctr">
+                      <a:solidFill>
+                        <a:schemeClr val="tx1"/>
+                      </a:solidFill>
+                      <a:prstDash val="solid"/>
+                      <a:round/>
+                      <a:headEnd type="none" w="med" len="med"/>
+                      <a:tailEnd type="none" w="med" len="med"/>
+                    </a:lnR>
+                    <a:lnT w="12700" cap="flat" cmpd="sng" algn="ctr">
+                      <a:solidFill>
+                        <a:schemeClr val="tx1"/>
+                      </a:solidFill>
+                      <a:prstDash val="solid"/>
+                      <a:round/>
+                      <a:headEnd type="none" w="med" len="med"/>
+                      <a:tailEnd type="none" w="med" len="med"/>
+                    </a:lnT>
+                    <a:lnB w="12700" cap="flat" cmpd="sng" algn="ctr">
+                      <a:solidFill>
+                        <a:schemeClr val="tx1"/>
+                      </a:solidFill>
+                      <a:prstDash val="solid"/>
+                      <a:round/>
+                      <a:headEnd type="none" w="med" len="med"/>
+                      <a:tailEnd type="none" w="med" len="med"/>
+                    </a:lnB>
+                    <a:lnTlToBr w="12700" cmpd="sng">
+                      <a:noFill/>
+                      <a:prstDash val="solid"/>
+                    </a:lnTlToBr>
+                    <a:lnBlToTr w="12700" cmpd="sng">
+                      <a:noFill/>
+                      <a:prstDash val="solid"/>
+                    </a:lnBlToTr>
+                    <a:solidFill>
+                      <a:srgbClr val="FFFF97"/>
+                    </a:solidFill>
+                  </a:tcPr>
+                </a:tc>
+                <a:tc>
+                  <a:txBody>
+                    <a:bodyPr/>
+                    <a:lstStyle/>
+                    <a:p>
+                      <a:pPr algn="ctr"/>
+                      <a:r>
+                        <a:rPr lang="en-US" dirty="0" smtClean="0">
+                          <a:solidFill>
+                            <a:schemeClr val="tx1"/>
+                          </a:solidFill>
+                        </a:rPr>
+                        <a:t>Not used</a:t>
+                      </a:r>
+                      <a:endParaRPr lang="en-CA" dirty="0">
+                        <a:solidFill>
+                          <a:schemeClr val="tx1"/>
+                        </a:solidFill>
+                      </a:endParaRPr>
+                    </a:p>
+                  </a:txBody>
+                  <a:tcPr>
+                    <a:lnL w="12700" cap="flat" cmpd="sng" algn="ctr">
+                      <a:solidFill>
+                        <a:schemeClr val="tx1"/>
+                      </a:solidFill>
+                      <a:prstDash val="solid"/>
+                      <a:round/>
+                      <a:headEnd type="none" w="med" len="med"/>
+                      <a:tailEnd type="none" w="med" len="med"/>
+                    </a:lnL>
+                    <a:lnR w="12700" cap="flat" cmpd="sng" algn="ctr">
+                      <a:solidFill>
+                        <a:schemeClr val="tx1"/>
+                      </a:solidFill>
+                      <a:prstDash val="solid"/>
+                      <a:round/>
+                      <a:headEnd type="none" w="med" len="med"/>
+                      <a:tailEnd type="none" w="med" len="med"/>
+                    </a:lnR>
+                    <a:lnT w="12700" cap="flat" cmpd="sng" algn="ctr">
+                      <a:solidFill>
+                        <a:schemeClr val="tx1"/>
+                      </a:solidFill>
+                      <a:prstDash val="solid"/>
+                      <a:round/>
+                      <a:headEnd type="none" w="med" len="med"/>
+                      <a:tailEnd type="none" w="med" len="med"/>
+                    </a:lnT>
+                    <a:lnB w="12700" cap="flat" cmpd="sng" algn="ctr">
+                      <a:solidFill>
+                        <a:schemeClr val="tx1"/>
+                      </a:solidFill>
+                      <a:prstDash val="solid"/>
+                      <a:round/>
+                      <a:headEnd type="none" w="med" len="med"/>
+                      <a:tailEnd type="none" w="med" len="med"/>
+                    </a:lnB>
+                    <a:lnTlToBr w="12700" cmpd="sng">
+                      <a:noFill/>
+                      <a:prstDash val="solid"/>
+                    </a:lnTlToBr>
+                    <a:lnBlToTr w="12700" cmpd="sng">
+                      <a:noFill/>
+                      <a:prstDash val="solid"/>
+                    </a:lnBlToTr>
+                    <a:solidFill>
+                      <a:srgbClr val="FFFF97"/>
+                    </a:solidFill>
+                  </a:tcPr>
+                </a:tc>
+              </a:tr>
+            </a:tbl>
+          </a:graphicData>
+        </a:graphic>
+      </p:graphicFrame>
+    </p:spTree>
+    <p:extLst>
+      <p:ext uri="{BB962C8B-B14F-4D97-AF65-F5344CB8AC3E}">
+        <p14:creationId xmlns:p14="http://schemas.microsoft.com/office/powerpoint/2010/main" val="1179089590"/>
+      </p:ext>
+    </p:extLst>
+  </p:cSld>
+  <p:clrMapOvr>
+    <a:masterClrMapping/>
+  </p:clrMapOvr>
+  <p:timing>
+    <p:tnLst>
+      <p:par>
+        <p:cTn id="1" dur="indefinite" restart="never" nodeType="tmRoot"/>
+      </p:par>
+    </p:tnLst>
+  </p:timing>
+</p:sld>
+</file>
+
+<file path=ppt/slides/slide27.xml><?xml version="1.0" encoding="utf-8"?>
+<p:sld xmlns:a="http://schemas.openxmlformats.org/drawingml/2006/main" xmlns:r="http://schemas.openxmlformats.org/officeDocument/2006/relationships" xmlns:p="http://schemas.openxmlformats.org/presentationml/2006/main">
+  <p:cSld>
+    <p:spTree>
+      <p:nvGrpSpPr>
+        <p:cNvPr id="1" name=""/>
+        <p:cNvGrpSpPr/>
+        <p:nvPr/>
+      </p:nvGrpSpPr>
+      <p:grpSpPr>
+        <a:xfrm>
+          <a:off x="0" y="0"/>
+          <a:ext cx="0" cy="0"/>
+          <a:chOff x="0" y="0"/>
+          <a:chExt cx="0" cy="0"/>
+        </a:xfrm>
+      </p:grpSpPr>
+      <p:sp>
+        <p:nvSpPr>
+          <p:cNvPr id="2" name="Title 1"/>
+          <p:cNvSpPr>
+            <a:spLocks noGrp="1"/>
+          </p:cNvSpPr>
+          <p:nvPr>
+            <p:ph type="title"/>
+          </p:nvPr>
+        </p:nvSpPr>
+        <p:spPr>
+          <a:xfrm>
+            <a:off x="677334" y="609599"/>
+            <a:ext cx="9685866" cy="840510"/>
+          </a:xfrm>
+        </p:spPr>
+        <p:txBody>
+          <a:bodyPr>
+            <a:normAutofit/>
+          </a:bodyPr>
+          <a:lstStyle/>
+          <a:p>
+            <a:r>
+              <a:rPr lang="en-US" sz="4800" dirty="0" smtClean="0">
                 <a:solidFill>
                   <a:schemeClr val="tx1"/>
                 </a:solidFill>
               </a:rPr>
+              <a:t>Proposal – </a:t>
+            </a:r>
+            <a:r>
+              <a:rPr lang="en-US" sz="4800" dirty="0">
+                <a:solidFill>
+                  <a:schemeClr val="tx1"/>
+                </a:solidFill>
+              </a:rPr>
+              <a:t>Exploit quantification</a:t>
+            </a:r>
+            <a:endParaRPr lang="en-CA" sz="4800" dirty="0">
+              <a:solidFill>
+                <a:schemeClr val="tx1"/>
+              </a:solidFill>
+            </a:endParaRPr>
+          </a:p>
+        </p:txBody>
+      </p:sp>
+      <p:sp>
+        <p:nvSpPr>
+          <p:cNvPr id="16" name="Content Placeholder 2"/>
+          <p:cNvSpPr>
+            <a:spLocks noGrp="1"/>
+          </p:cNvSpPr>
+          <p:nvPr>
+            <p:ph sz="half" idx="1"/>
+          </p:nvPr>
+        </p:nvSpPr>
+        <p:spPr>
+          <a:xfrm>
+            <a:off x="677332" y="1366981"/>
+            <a:ext cx="8013822" cy="4414983"/>
+          </a:xfrm>
+        </p:spPr>
+        <p:txBody>
+          <a:bodyPr anchor="ctr">
+            <a:normAutofit/>
+          </a:bodyPr>
+          <a:lstStyle/>
+          <a:p>
+            <a:pPr>
+              <a:buClr>
+                <a:schemeClr val="tx1"/>
+              </a:buClr>
+            </a:pPr>
+            <a:r>
+              <a:rPr lang="en-US" sz="3600" dirty="0" err="1" smtClean="0">
+                <a:solidFill>
+                  <a:schemeClr val="tx1"/>
+                </a:solidFill>
+              </a:rPr>
               <a:t>Younis</a:t>
             </a:r>
             <a:r>
-              <a:rPr lang="en-CA" dirty="0">
+              <a:rPr lang="en-US" sz="3600" dirty="0" smtClean="0">
                 <a:solidFill>
                   <a:schemeClr val="tx1"/>
                 </a:solidFill>
               </a:rPr>
-              <a:t> AA, </a:t>
-            </a:r>
-            <a:r>
-              <a:rPr lang="en-CA" dirty="0" err="1">
+              <a:t> and </a:t>
+            </a:r>
+            <a:r>
+              <a:rPr lang="en-US" sz="3600" dirty="0" err="1" smtClean="0">
                 <a:solidFill>
                   <a:schemeClr val="tx1"/>
                 </a:solidFill>
@@ -10638,61 +12820,36 @@
               <a:t>Malaiya</a:t>
             </a:r>
             <a:r>
-              <a:rPr lang="en-CA" dirty="0">
+              <a:rPr lang="en-US" sz="3600" dirty="0" smtClean="0">
                 <a:solidFill>
                   <a:schemeClr val="tx1"/>
                 </a:solidFill>
               </a:rPr>
-              <a:t> YK, and Ray I. “Evaluating CVSS Base Score Using </a:t>
-            </a:r>
-            <a:r>
-              <a:rPr lang="en-CA" dirty="0" smtClean="0">
+              <a:t> [5] compared CVSS to Microsoft rating system</a:t>
+            </a:r>
+          </a:p>
+          <a:p>
+            <a:pPr>
+              <a:buClr>
+                <a:schemeClr val="tx1"/>
+              </a:buClr>
+            </a:pPr>
+            <a:r>
+              <a:rPr lang="en-US" sz="3600" dirty="0" smtClean="0">
                 <a:solidFill>
                   <a:schemeClr val="tx1"/>
                 </a:solidFill>
               </a:rPr>
-              <a:t>Vulnerability Rewards </a:t>
-            </a:r>
-            <a:r>
-              <a:rPr lang="en-CA" dirty="0">
-                <a:solidFill>
-                  <a:schemeClr val="tx1"/>
-                </a:solidFill>
-              </a:rPr>
-              <a:t>Programs” International Federation for Information Processing. </a:t>
-            </a:r>
-            <a:r>
-              <a:rPr lang="en-CA" dirty="0" smtClean="0">
-                <a:solidFill>
-                  <a:schemeClr val="tx1"/>
-                </a:solidFill>
-              </a:rPr>
-              <a:t>2016;</a:t>
-            </a:r>
-            <a:br>
-              <a:rPr lang="en-CA" dirty="0" smtClean="0">
-                <a:solidFill>
-                  <a:schemeClr val="tx1"/>
-                </a:solidFill>
-              </a:rPr>
-            </a:br>
-            <a:r>
-              <a:rPr lang="en-CA" dirty="0" smtClean="0">
-                <a:solidFill>
-                  <a:schemeClr val="tx1"/>
-                </a:solidFill>
-              </a:rPr>
-              <a:t>471:62 -75</a:t>
-            </a:r>
-            <a:r>
-              <a:rPr lang="en-CA" dirty="0">
-                <a:solidFill>
-                  <a:schemeClr val="tx1"/>
-                </a:solidFill>
-              </a:rPr>
-              <a:t>.</a:t>
-            </a:r>
-            <a:endParaRPr lang="en-CA" dirty="0">
+              <a:t>Looked for Windows 7 and Internet Explorer exploits in EDB</a:t>
+            </a:r>
+          </a:p>
+          <a:p>
+            <a:pPr>
+              <a:buClr>
+                <a:schemeClr val="tx1"/>
+              </a:buClr>
+            </a:pPr>
+            <a:endParaRPr lang="en-US" sz="3600" dirty="0" smtClean="0">
               <a:solidFill>
                 <a:schemeClr val="tx1"/>
               </a:solidFill>
@@ -10703,7 +12860,2344 @@
     </p:spTree>
     <p:extLst>
       <p:ext uri="{BB962C8B-B14F-4D97-AF65-F5344CB8AC3E}">
-        <p14:creationId xmlns:p14="http://schemas.microsoft.com/office/powerpoint/2010/main" val="2120643735"/>
+        <p14:creationId xmlns:p14="http://schemas.microsoft.com/office/powerpoint/2010/main" val="1207088311"/>
+      </p:ext>
+    </p:extLst>
+  </p:cSld>
+  <p:clrMapOvr>
+    <a:masterClrMapping/>
+  </p:clrMapOvr>
+  <p:timing>
+    <p:tnLst>
+      <p:par>
+        <p:cTn id="1" dur="indefinite" restart="never" nodeType="tmRoot"/>
+      </p:par>
+    </p:tnLst>
+  </p:timing>
+</p:sld>
+</file>
+
+<file path=ppt/slides/slide28.xml><?xml version="1.0" encoding="utf-8"?>
+<p:sld xmlns:a="http://schemas.openxmlformats.org/drawingml/2006/main" xmlns:r="http://schemas.openxmlformats.org/officeDocument/2006/relationships" xmlns:p="http://schemas.openxmlformats.org/presentationml/2006/main">
+  <p:cSld>
+    <p:spTree>
+      <p:nvGrpSpPr>
+        <p:cNvPr id="1" name=""/>
+        <p:cNvGrpSpPr/>
+        <p:nvPr/>
+      </p:nvGrpSpPr>
+      <p:grpSpPr>
+        <a:xfrm>
+          <a:off x="0" y="0"/>
+          <a:ext cx="0" cy="0"/>
+          <a:chOff x="0" y="0"/>
+          <a:chExt cx="0" cy="0"/>
+        </a:xfrm>
+      </p:grpSpPr>
+      <p:sp>
+        <p:nvSpPr>
+          <p:cNvPr id="2" name="Title 1"/>
+          <p:cNvSpPr>
+            <a:spLocks noGrp="1"/>
+          </p:cNvSpPr>
+          <p:nvPr>
+            <p:ph type="title"/>
+          </p:nvPr>
+        </p:nvSpPr>
+        <p:spPr>
+          <a:xfrm>
+            <a:off x="677334" y="609599"/>
+            <a:ext cx="9685866" cy="840510"/>
+          </a:xfrm>
+        </p:spPr>
+        <p:txBody>
+          <a:bodyPr>
+            <a:normAutofit/>
+          </a:bodyPr>
+          <a:lstStyle/>
+          <a:p>
+            <a:r>
+              <a:rPr lang="en-US" sz="4800" dirty="0" smtClean="0">
+                <a:solidFill>
+                  <a:schemeClr val="tx1"/>
+                </a:solidFill>
+              </a:rPr>
+              <a:t>Proposal – </a:t>
+            </a:r>
+            <a:r>
+              <a:rPr lang="en-US" sz="4800" dirty="0">
+                <a:solidFill>
+                  <a:schemeClr val="tx1"/>
+                </a:solidFill>
+              </a:rPr>
+              <a:t>Exploit quantification</a:t>
+            </a:r>
+            <a:endParaRPr lang="en-CA" sz="4800" dirty="0">
+              <a:solidFill>
+                <a:schemeClr val="tx1"/>
+              </a:solidFill>
+            </a:endParaRPr>
+          </a:p>
+        </p:txBody>
+      </p:sp>
+      <p:sp>
+        <p:nvSpPr>
+          <p:cNvPr id="16" name="Content Placeholder 2"/>
+          <p:cNvSpPr>
+            <a:spLocks noGrp="1"/>
+          </p:cNvSpPr>
+          <p:nvPr>
+            <p:ph sz="half" idx="1"/>
+          </p:nvPr>
+        </p:nvSpPr>
+        <p:spPr>
+          <a:xfrm>
+            <a:off x="677332" y="1366982"/>
+            <a:ext cx="8013822" cy="2623128"/>
+          </a:xfrm>
+        </p:spPr>
+        <p:txBody>
+          <a:bodyPr anchor="ctr">
+            <a:normAutofit/>
+          </a:bodyPr>
+          <a:lstStyle/>
+          <a:p>
+            <a:pPr>
+              <a:buClr>
+                <a:schemeClr val="tx1"/>
+              </a:buClr>
+            </a:pPr>
+            <a:r>
+              <a:rPr lang="en-US" sz="3600" dirty="0" smtClean="0">
+                <a:solidFill>
+                  <a:schemeClr val="tx1"/>
+                </a:solidFill>
+              </a:rPr>
+              <a:t>Divided rating systems into positive and negative prediction ranges</a:t>
+            </a:r>
+          </a:p>
+          <a:p>
+            <a:pPr>
+              <a:buClr>
+                <a:schemeClr val="tx1"/>
+              </a:buClr>
+            </a:pPr>
+            <a:r>
+              <a:rPr lang="en-US" sz="3600" dirty="0" smtClean="0">
+                <a:solidFill>
+                  <a:schemeClr val="tx1"/>
+                </a:solidFill>
+              </a:rPr>
+              <a:t>Generated both systems’ confusion matrices</a:t>
+            </a:r>
+            <a:endParaRPr lang="en-US" sz="3600" dirty="0" smtClean="0">
+              <a:solidFill>
+                <a:schemeClr val="tx1"/>
+              </a:solidFill>
+            </a:endParaRPr>
+          </a:p>
+        </p:txBody>
+      </p:sp>
+      <p:graphicFrame>
+        <p:nvGraphicFramePr>
+          <p:cNvPr id="5" name="Table 4"/>
+          <p:cNvGraphicFramePr>
+            <a:graphicFrameLocks noGrp="1"/>
+          </p:cNvGraphicFramePr>
+          <p:nvPr>
+            <p:extLst>
+              <p:ext uri="{D42A27DB-BD31-4B8C-83A1-F6EECF244321}">
+                <p14:modId xmlns:p14="http://schemas.microsoft.com/office/powerpoint/2010/main" val="1570532725"/>
+              </p:ext>
+            </p:extLst>
+          </p:nvPr>
+        </p:nvGraphicFramePr>
+        <p:xfrm>
+          <a:off x="963660" y="3990110"/>
+          <a:ext cx="8127999" cy="1483360"/>
+        </p:xfrm>
+        <a:graphic>
+          <a:graphicData uri="http://schemas.openxmlformats.org/drawingml/2006/table">
+            <a:tbl>
+              <a:tblPr firstRow="1" bandRow="1">
+                <a:tableStyleId>{5C22544A-7EE6-4342-B048-85BDC9FD1C3A}</a:tableStyleId>
+              </a:tblPr>
+              <a:tblGrid>
+                <a:gridCol w="2709333"/>
+                <a:gridCol w="2709333"/>
+                <a:gridCol w="2709333"/>
+              </a:tblGrid>
+              <a:tr h="370840">
+                <a:tc rowSpan="2">
+                  <a:txBody>
+                    <a:bodyPr/>
+                    <a:lstStyle/>
+                    <a:p>
+                      <a:pPr algn="ctr"/>
+                      <a:r>
+                        <a:rPr lang="en-US" dirty="0" smtClean="0">
+                          <a:solidFill>
+                            <a:schemeClr val="tx1"/>
+                          </a:solidFill>
+                        </a:rPr>
+                        <a:t>Real exploit?</a:t>
+                      </a:r>
+                      <a:endParaRPr lang="en-CA" dirty="0">
+                        <a:solidFill>
+                          <a:schemeClr val="tx1"/>
+                        </a:solidFill>
+                      </a:endParaRPr>
+                    </a:p>
+                  </a:txBody>
+                  <a:tcPr anchor="ctr">
+                    <a:lnL w="12700" cap="flat" cmpd="sng" algn="ctr">
+                      <a:solidFill>
+                        <a:schemeClr val="tx1"/>
+                      </a:solidFill>
+                      <a:prstDash val="solid"/>
+                      <a:round/>
+                      <a:headEnd type="none" w="med" len="med"/>
+                      <a:tailEnd type="none" w="med" len="med"/>
+                    </a:lnL>
+                    <a:lnR w="12700" cap="flat" cmpd="sng" algn="ctr">
+                      <a:solidFill>
+                        <a:schemeClr val="tx1"/>
+                      </a:solidFill>
+                      <a:prstDash val="solid"/>
+                      <a:round/>
+                      <a:headEnd type="none" w="med" len="med"/>
+                      <a:tailEnd type="none" w="med" len="med"/>
+                    </a:lnR>
+                    <a:lnT w="12700" cap="flat" cmpd="sng" algn="ctr">
+                      <a:solidFill>
+                        <a:schemeClr val="tx1"/>
+                      </a:solidFill>
+                      <a:prstDash val="solid"/>
+                      <a:round/>
+                      <a:headEnd type="none" w="med" len="med"/>
+                      <a:tailEnd type="none" w="med" len="med"/>
+                    </a:lnT>
+                    <a:lnB w="12700" cap="flat" cmpd="sng" algn="ctr">
+                      <a:solidFill>
+                        <a:schemeClr val="tx1"/>
+                      </a:solidFill>
+                      <a:prstDash val="solid"/>
+                      <a:round/>
+                      <a:headEnd type="none" w="med" len="med"/>
+                      <a:tailEnd type="none" w="med" len="med"/>
+                    </a:lnB>
+                    <a:lnTlToBr w="12700" cmpd="sng">
+                      <a:noFill/>
+                      <a:prstDash val="solid"/>
+                    </a:lnTlToBr>
+                    <a:lnBlToTr w="12700" cmpd="sng">
+                      <a:noFill/>
+                      <a:prstDash val="solid"/>
+                    </a:lnBlToTr>
+                    <a:solidFill>
+                      <a:schemeClr val="accent2"/>
+                    </a:solidFill>
+                  </a:tcPr>
+                </a:tc>
+                <a:tc gridSpan="2">
+                  <a:txBody>
+                    <a:bodyPr/>
+                    <a:lstStyle/>
+                    <a:p>
+                      <a:pPr algn="ctr"/>
+                      <a:r>
+                        <a:rPr lang="en-US" dirty="0" smtClean="0">
+                          <a:solidFill>
+                            <a:schemeClr val="tx1"/>
+                          </a:solidFill>
+                        </a:rPr>
+                        <a:t>Predicted</a:t>
+                      </a:r>
+                      <a:r>
+                        <a:rPr lang="en-US" baseline="0" dirty="0" smtClean="0">
+                          <a:solidFill>
+                            <a:schemeClr val="tx1"/>
+                          </a:solidFill>
+                        </a:rPr>
+                        <a:t> exploit?</a:t>
+                      </a:r>
+                      <a:endParaRPr lang="en-CA" dirty="0">
+                        <a:solidFill>
+                          <a:schemeClr val="tx1"/>
+                        </a:solidFill>
+                      </a:endParaRPr>
+                    </a:p>
+                  </a:txBody>
+                  <a:tcPr>
+                    <a:lnL w="12700" cap="flat" cmpd="sng" algn="ctr">
+                      <a:solidFill>
+                        <a:schemeClr val="tx1"/>
+                      </a:solidFill>
+                      <a:prstDash val="solid"/>
+                      <a:round/>
+                      <a:headEnd type="none" w="med" len="med"/>
+                      <a:tailEnd type="none" w="med" len="med"/>
+                    </a:lnL>
+                    <a:lnR w="12700" cap="flat" cmpd="sng" algn="ctr">
+                      <a:solidFill>
+                        <a:schemeClr val="tx1"/>
+                      </a:solidFill>
+                      <a:prstDash val="solid"/>
+                      <a:round/>
+                      <a:headEnd type="none" w="med" len="med"/>
+                      <a:tailEnd type="none" w="med" len="med"/>
+                    </a:lnR>
+                    <a:lnT w="12700" cap="flat" cmpd="sng" algn="ctr">
+                      <a:solidFill>
+                        <a:schemeClr val="tx1"/>
+                      </a:solidFill>
+                      <a:prstDash val="solid"/>
+                      <a:round/>
+                      <a:headEnd type="none" w="med" len="med"/>
+                      <a:tailEnd type="none" w="med" len="med"/>
+                    </a:lnT>
+                    <a:lnB w="12700" cap="flat" cmpd="sng" algn="ctr">
+                      <a:solidFill>
+                        <a:schemeClr val="tx1"/>
+                      </a:solidFill>
+                      <a:prstDash val="solid"/>
+                      <a:round/>
+                      <a:headEnd type="none" w="med" len="med"/>
+                      <a:tailEnd type="none" w="med" len="med"/>
+                    </a:lnB>
+                    <a:lnTlToBr w="12700" cmpd="sng">
+                      <a:noFill/>
+                      <a:prstDash val="solid"/>
+                    </a:lnTlToBr>
+                    <a:lnBlToTr w="12700" cmpd="sng">
+                      <a:noFill/>
+                      <a:prstDash val="solid"/>
+                    </a:lnBlToTr>
+                    <a:solidFill>
+                      <a:srgbClr val="00B0F0"/>
+                    </a:solidFill>
+                  </a:tcPr>
+                </a:tc>
+                <a:tc hMerge="1">
+                  <a:txBody>
+                    <a:bodyPr/>
+                    <a:lstStyle/>
+                    <a:p>
+                      <a:pPr algn="ctr"/>
+                      <a:endParaRPr lang="en-CA" dirty="0">
+                        <a:solidFill>
+                          <a:schemeClr val="tx1"/>
+                        </a:solidFill>
+                      </a:endParaRPr>
+                    </a:p>
+                  </a:txBody>
+                  <a:tcPr>
+                    <a:lnL w="12700" cap="flat" cmpd="sng" algn="ctr">
+                      <a:solidFill>
+                        <a:schemeClr val="tx1"/>
+                      </a:solidFill>
+                      <a:prstDash val="solid"/>
+                      <a:round/>
+                      <a:headEnd type="none" w="med" len="med"/>
+                      <a:tailEnd type="none" w="med" len="med"/>
+                    </a:lnL>
+                    <a:lnR w="12700" cap="flat" cmpd="sng" algn="ctr">
+                      <a:solidFill>
+                        <a:schemeClr val="tx1"/>
+                      </a:solidFill>
+                      <a:prstDash val="solid"/>
+                      <a:round/>
+                      <a:headEnd type="none" w="med" len="med"/>
+                      <a:tailEnd type="none" w="med" len="med"/>
+                    </a:lnR>
+                    <a:lnT w="12700" cap="flat" cmpd="sng" algn="ctr">
+                      <a:solidFill>
+                        <a:schemeClr val="tx1"/>
+                      </a:solidFill>
+                      <a:prstDash val="solid"/>
+                      <a:round/>
+                      <a:headEnd type="none" w="med" len="med"/>
+                      <a:tailEnd type="none" w="med" len="med"/>
+                    </a:lnT>
+                    <a:lnB w="12700" cap="flat" cmpd="sng" algn="ctr">
+                      <a:solidFill>
+                        <a:schemeClr val="tx1"/>
+                      </a:solidFill>
+                      <a:prstDash val="solid"/>
+                      <a:round/>
+                      <a:headEnd type="none" w="med" len="med"/>
+                      <a:tailEnd type="none" w="med" len="med"/>
+                    </a:lnB>
+                    <a:lnTlToBr w="12700" cmpd="sng">
+                      <a:noFill/>
+                      <a:prstDash val="solid"/>
+                    </a:lnTlToBr>
+                    <a:lnBlToTr w="12700" cmpd="sng">
+                      <a:noFill/>
+                      <a:prstDash val="solid"/>
+                    </a:lnBlToTr>
+                    <a:solidFill>
+                      <a:srgbClr val="00B0F0"/>
+                    </a:solidFill>
+                  </a:tcPr>
+                </a:tc>
+              </a:tr>
+              <a:tr h="370840">
+                <a:tc vMerge="1">
+                  <a:txBody>
+                    <a:bodyPr/>
+                    <a:lstStyle/>
+                    <a:p>
+                      <a:pPr algn="ctr"/>
+                      <a:endParaRPr lang="en-CA" dirty="0">
+                        <a:solidFill>
+                          <a:schemeClr val="tx1"/>
+                        </a:solidFill>
+                      </a:endParaRPr>
+                    </a:p>
+                  </a:txBody>
+                  <a:tcPr>
+                    <a:lnL w="12700" cap="flat" cmpd="sng" algn="ctr">
+                      <a:solidFill>
+                        <a:schemeClr val="tx1"/>
+                      </a:solidFill>
+                      <a:prstDash val="solid"/>
+                      <a:round/>
+                      <a:headEnd type="none" w="med" len="med"/>
+                      <a:tailEnd type="none" w="med" len="med"/>
+                    </a:lnL>
+                    <a:lnR w="12700" cap="flat" cmpd="sng" algn="ctr">
+                      <a:solidFill>
+                        <a:schemeClr val="tx1"/>
+                      </a:solidFill>
+                      <a:prstDash val="solid"/>
+                      <a:round/>
+                      <a:headEnd type="none" w="med" len="med"/>
+                      <a:tailEnd type="none" w="med" len="med"/>
+                    </a:lnR>
+                    <a:lnT w="12700" cap="flat" cmpd="sng" algn="ctr">
+                      <a:solidFill>
+                        <a:schemeClr val="tx1"/>
+                      </a:solidFill>
+                      <a:prstDash val="solid"/>
+                      <a:round/>
+                      <a:headEnd type="none" w="med" len="med"/>
+                      <a:tailEnd type="none" w="med" len="med"/>
+                    </a:lnT>
+                    <a:lnB w="12700" cap="flat" cmpd="sng" algn="ctr">
+                      <a:solidFill>
+                        <a:schemeClr val="tx1"/>
+                      </a:solidFill>
+                      <a:prstDash val="solid"/>
+                      <a:round/>
+                      <a:headEnd type="none" w="med" len="med"/>
+                      <a:tailEnd type="none" w="med" len="med"/>
+                    </a:lnB>
+                    <a:lnTlToBr w="12700" cmpd="sng">
+                      <a:noFill/>
+                      <a:prstDash val="solid"/>
+                    </a:lnTlToBr>
+                    <a:lnBlToTr w="12700" cmpd="sng">
+                      <a:noFill/>
+                      <a:prstDash val="solid"/>
+                    </a:lnBlToTr>
+                    <a:solidFill>
+                      <a:schemeClr val="accent2"/>
+                    </a:solidFill>
+                  </a:tcPr>
+                </a:tc>
+                <a:tc>
+                  <a:txBody>
+                    <a:bodyPr/>
+                    <a:lstStyle/>
+                    <a:p>
+                      <a:pPr algn="ctr"/>
+                      <a:r>
+                        <a:rPr lang="en-US" dirty="0" smtClean="0">
+                          <a:solidFill>
+                            <a:schemeClr val="tx1"/>
+                          </a:solidFill>
+                        </a:rPr>
+                        <a:t>True</a:t>
+                      </a:r>
+                      <a:endParaRPr lang="en-CA" dirty="0">
+                        <a:solidFill>
+                          <a:schemeClr val="tx1"/>
+                        </a:solidFill>
+                      </a:endParaRPr>
+                    </a:p>
+                  </a:txBody>
+                  <a:tcPr>
+                    <a:lnL w="12700" cap="flat" cmpd="sng" algn="ctr">
+                      <a:solidFill>
+                        <a:schemeClr val="tx1"/>
+                      </a:solidFill>
+                      <a:prstDash val="solid"/>
+                      <a:round/>
+                      <a:headEnd type="none" w="med" len="med"/>
+                      <a:tailEnd type="none" w="med" len="med"/>
+                    </a:lnL>
+                    <a:lnR w="12700" cap="flat" cmpd="sng" algn="ctr">
+                      <a:solidFill>
+                        <a:schemeClr val="tx1"/>
+                      </a:solidFill>
+                      <a:prstDash val="solid"/>
+                      <a:round/>
+                      <a:headEnd type="none" w="med" len="med"/>
+                      <a:tailEnd type="none" w="med" len="med"/>
+                    </a:lnR>
+                    <a:lnT w="12700" cap="flat" cmpd="sng" algn="ctr">
+                      <a:solidFill>
+                        <a:schemeClr val="tx1"/>
+                      </a:solidFill>
+                      <a:prstDash val="solid"/>
+                      <a:round/>
+                      <a:headEnd type="none" w="med" len="med"/>
+                      <a:tailEnd type="none" w="med" len="med"/>
+                    </a:lnT>
+                    <a:lnB w="12700" cap="flat" cmpd="sng" algn="ctr">
+                      <a:solidFill>
+                        <a:schemeClr val="tx1"/>
+                      </a:solidFill>
+                      <a:prstDash val="solid"/>
+                      <a:round/>
+                      <a:headEnd type="none" w="med" len="med"/>
+                      <a:tailEnd type="none" w="med" len="med"/>
+                    </a:lnB>
+                    <a:lnTlToBr w="12700" cmpd="sng">
+                      <a:noFill/>
+                      <a:prstDash val="solid"/>
+                    </a:lnTlToBr>
+                    <a:lnBlToTr w="12700" cmpd="sng">
+                      <a:noFill/>
+                      <a:prstDash val="solid"/>
+                    </a:lnBlToTr>
+                    <a:solidFill>
+                      <a:srgbClr val="00B0F0"/>
+                    </a:solidFill>
+                  </a:tcPr>
+                </a:tc>
+                <a:tc>
+                  <a:txBody>
+                    <a:bodyPr/>
+                    <a:lstStyle/>
+                    <a:p>
+                      <a:pPr algn="ctr"/>
+                      <a:r>
+                        <a:rPr lang="en-US" dirty="0" smtClean="0">
+                          <a:solidFill>
+                            <a:schemeClr val="tx1"/>
+                          </a:solidFill>
+                        </a:rPr>
+                        <a:t>False</a:t>
+                      </a:r>
+                      <a:endParaRPr lang="en-CA" dirty="0">
+                        <a:solidFill>
+                          <a:schemeClr val="tx1"/>
+                        </a:solidFill>
+                      </a:endParaRPr>
+                    </a:p>
+                  </a:txBody>
+                  <a:tcPr>
+                    <a:lnL w="12700" cap="flat" cmpd="sng" algn="ctr">
+                      <a:solidFill>
+                        <a:schemeClr val="tx1"/>
+                      </a:solidFill>
+                      <a:prstDash val="solid"/>
+                      <a:round/>
+                      <a:headEnd type="none" w="med" len="med"/>
+                      <a:tailEnd type="none" w="med" len="med"/>
+                    </a:lnL>
+                    <a:lnR w="12700" cap="flat" cmpd="sng" algn="ctr">
+                      <a:solidFill>
+                        <a:schemeClr val="tx1"/>
+                      </a:solidFill>
+                      <a:prstDash val="solid"/>
+                      <a:round/>
+                      <a:headEnd type="none" w="med" len="med"/>
+                      <a:tailEnd type="none" w="med" len="med"/>
+                    </a:lnR>
+                    <a:lnT w="12700" cap="flat" cmpd="sng" algn="ctr">
+                      <a:solidFill>
+                        <a:schemeClr val="tx1"/>
+                      </a:solidFill>
+                      <a:prstDash val="solid"/>
+                      <a:round/>
+                      <a:headEnd type="none" w="med" len="med"/>
+                      <a:tailEnd type="none" w="med" len="med"/>
+                    </a:lnT>
+                    <a:lnB w="12700" cap="flat" cmpd="sng" algn="ctr">
+                      <a:solidFill>
+                        <a:schemeClr val="tx1"/>
+                      </a:solidFill>
+                      <a:prstDash val="solid"/>
+                      <a:round/>
+                      <a:headEnd type="none" w="med" len="med"/>
+                      <a:tailEnd type="none" w="med" len="med"/>
+                    </a:lnB>
+                    <a:lnTlToBr w="12700" cmpd="sng">
+                      <a:noFill/>
+                      <a:prstDash val="solid"/>
+                    </a:lnTlToBr>
+                    <a:lnBlToTr w="12700" cmpd="sng">
+                      <a:noFill/>
+                      <a:prstDash val="solid"/>
+                    </a:lnBlToTr>
+                    <a:solidFill>
+                      <a:srgbClr val="00B0F0"/>
+                    </a:solidFill>
+                  </a:tcPr>
+                </a:tc>
+              </a:tr>
+              <a:tr h="370840">
+                <a:tc>
+                  <a:txBody>
+                    <a:bodyPr/>
+                    <a:lstStyle/>
+                    <a:p>
+                      <a:pPr algn="ctr"/>
+                      <a:r>
+                        <a:rPr lang="en-US" dirty="0" smtClean="0">
+                          <a:solidFill>
+                            <a:schemeClr val="tx1"/>
+                          </a:solidFill>
+                        </a:rPr>
+                        <a:t>True</a:t>
+                      </a:r>
+                      <a:endParaRPr lang="en-CA" dirty="0">
+                        <a:solidFill>
+                          <a:schemeClr val="tx1"/>
+                        </a:solidFill>
+                      </a:endParaRPr>
+                    </a:p>
+                  </a:txBody>
+                  <a:tcPr>
+                    <a:lnL w="12700" cap="flat" cmpd="sng" algn="ctr">
+                      <a:solidFill>
+                        <a:schemeClr val="tx1"/>
+                      </a:solidFill>
+                      <a:prstDash val="solid"/>
+                      <a:round/>
+                      <a:headEnd type="none" w="med" len="med"/>
+                      <a:tailEnd type="none" w="med" len="med"/>
+                    </a:lnL>
+                    <a:lnR w="12700" cap="flat" cmpd="sng" algn="ctr">
+                      <a:solidFill>
+                        <a:schemeClr val="tx1"/>
+                      </a:solidFill>
+                      <a:prstDash val="solid"/>
+                      <a:round/>
+                      <a:headEnd type="none" w="med" len="med"/>
+                      <a:tailEnd type="none" w="med" len="med"/>
+                    </a:lnR>
+                    <a:lnT w="12700" cap="flat" cmpd="sng" algn="ctr">
+                      <a:solidFill>
+                        <a:schemeClr val="tx1"/>
+                      </a:solidFill>
+                      <a:prstDash val="solid"/>
+                      <a:round/>
+                      <a:headEnd type="none" w="med" len="med"/>
+                      <a:tailEnd type="none" w="med" len="med"/>
+                    </a:lnT>
+                    <a:lnB w="12700" cap="flat" cmpd="sng" algn="ctr">
+                      <a:solidFill>
+                        <a:schemeClr val="tx1"/>
+                      </a:solidFill>
+                      <a:prstDash val="solid"/>
+                      <a:round/>
+                      <a:headEnd type="none" w="med" len="med"/>
+                      <a:tailEnd type="none" w="med" len="med"/>
+                    </a:lnB>
+                    <a:lnTlToBr w="12700" cmpd="sng">
+                      <a:noFill/>
+                      <a:prstDash val="solid"/>
+                    </a:lnTlToBr>
+                    <a:lnBlToTr w="12700" cmpd="sng">
+                      <a:noFill/>
+                      <a:prstDash val="solid"/>
+                    </a:lnBlToTr>
+                    <a:solidFill>
+                      <a:srgbClr val="FFFF97"/>
+                    </a:solidFill>
+                  </a:tcPr>
+                </a:tc>
+                <a:tc>
+                  <a:txBody>
+                    <a:bodyPr/>
+                    <a:lstStyle/>
+                    <a:p>
+                      <a:pPr algn="ctr"/>
+                      <a:r>
+                        <a:rPr lang="en-US" dirty="0" smtClean="0">
+                          <a:solidFill>
+                            <a:schemeClr val="tx1"/>
+                          </a:solidFill>
+                        </a:rPr>
+                        <a:t>True</a:t>
+                      </a:r>
+                      <a:r>
+                        <a:rPr lang="en-US" baseline="0" dirty="0" smtClean="0">
+                          <a:solidFill>
+                            <a:schemeClr val="tx1"/>
+                          </a:solidFill>
+                        </a:rPr>
+                        <a:t> positive (TP)</a:t>
+                      </a:r>
+                      <a:endParaRPr lang="en-CA" dirty="0">
+                        <a:solidFill>
+                          <a:schemeClr val="tx1"/>
+                        </a:solidFill>
+                      </a:endParaRPr>
+                    </a:p>
+                  </a:txBody>
+                  <a:tcPr>
+                    <a:lnL w="12700" cap="flat" cmpd="sng" algn="ctr">
+                      <a:solidFill>
+                        <a:schemeClr val="tx1"/>
+                      </a:solidFill>
+                      <a:prstDash val="solid"/>
+                      <a:round/>
+                      <a:headEnd type="none" w="med" len="med"/>
+                      <a:tailEnd type="none" w="med" len="med"/>
+                    </a:lnL>
+                    <a:lnR w="12700" cap="flat" cmpd="sng" algn="ctr">
+                      <a:solidFill>
+                        <a:schemeClr val="tx1"/>
+                      </a:solidFill>
+                      <a:prstDash val="solid"/>
+                      <a:round/>
+                      <a:headEnd type="none" w="med" len="med"/>
+                      <a:tailEnd type="none" w="med" len="med"/>
+                    </a:lnR>
+                    <a:lnT w="12700" cap="flat" cmpd="sng" algn="ctr">
+                      <a:solidFill>
+                        <a:schemeClr val="tx1"/>
+                      </a:solidFill>
+                      <a:prstDash val="solid"/>
+                      <a:round/>
+                      <a:headEnd type="none" w="med" len="med"/>
+                      <a:tailEnd type="none" w="med" len="med"/>
+                    </a:lnT>
+                    <a:lnB w="12700" cap="flat" cmpd="sng" algn="ctr">
+                      <a:solidFill>
+                        <a:schemeClr val="tx1"/>
+                      </a:solidFill>
+                      <a:prstDash val="solid"/>
+                      <a:round/>
+                      <a:headEnd type="none" w="med" len="med"/>
+                      <a:tailEnd type="none" w="med" len="med"/>
+                    </a:lnB>
+                    <a:lnTlToBr w="12700" cmpd="sng">
+                      <a:noFill/>
+                      <a:prstDash val="solid"/>
+                    </a:lnTlToBr>
+                    <a:lnBlToTr w="12700" cmpd="sng">
+                      <a:noFill/>
+                      <a:prstDash val="solid"/>
+                    </a:lnBlToTr>
+                    <a:solidFill>
+                      <a:srgbClr val="FFFF97"/>
+                    </a:solidFill>
+                  </a:tcPr>
+                </a:tc>
+                <a:tc>
+                  <a:txBody>
+                    <a:bodyPr/>
+                    <a:lstStyle/>
+                    <a:p>
+                      <a:pPr algn="ctr"/>
+                      <a:r>
+                        <a:rPr lang="en-US" dirty="0" smtClean="0">
+                          <a:solidFill>
+                            <a:schemeClr val="tx1"/>
+                          </a:solidFill>
+                        </a:rPr>
+                        <a:t>False negative</a:t>
+                      </a:r>
+                      <a:r>
+                        <a:rPr lang="en-US" baseline="0" dirty="0" smtClean="0">
+                          <a:solidFill>
+                            <a:schemeClr val="tx1"/>
+                          </a:solidFill>
+                        </a:rPr>
+                        <a:t> (FN)</a:t>
+                      </a:r>
+                      <a:endParaRPr lang="en-CA" dirty="0">
+                        <a:solidFill>
+                          <a:schemeClr val="tx1"/>
+                        </a:solidFill>
+                      </a:endParaRPr>
+                    </a:p>
+                  </a:txBody>
+                  <a:tcPr>
+                    <a:lnL w="12700" cap="flat" cmpd="sng" algn="ctr">
+                      <a:solidFill>
+                        <a:schemeClr val="tx1"/>
+                      </a:solidFill>
+                      <a:prstDash val="solid"/>
+                      <a:round/>
+                      <a:headEnd type="none" w="med" len="med"/>
+                      <a:tailEnd type="none" w="med" len="med"/>
+                    </a:lnL>
+                    <a:lnR w="12700" cap="flat" cmpd="sng" algn="ctr">
+                      <a:solidFill>
+                        <a:schemeClr val="tx1"/>
+                      </a:solidFill>
+                      <a:prstDash val="solid"/>
+                      <a:round/>
+                      <a:headEnd type="none" w="med" len="med"/>
+                      <a:tailEnd type="none" w="med" len="med"/>
+                    </a:lnR>
+                    <a:lnT w="12700" cap="flat" cmpd="sng" algn="ctr">
+                      <a:solidFill>
+                        <a:schemeClr val="tx1"/>
+                      </a:solidFill>
+                      <a:prstDash val="solid"/>
+                      <a:round/>
+                      <a:headEnd type="none" w="med" len="med"/>
+                      <a:tailEnd type="none" w="med" len="med"/>
+                    </a:lnT>
+                    <a:lnB w="12700" cap="flat" cmpd="sng" algn="ctr">
+                      <a:solidFill>
+                        <a:schemeClr val="tx1"/>
+                      </a:solidFill>
+                      <a:prstDash val="solid"/>
+                      <a:round/>
+                      <a:headEnd type="none" w="med" len="med"/>
+                      <a:tailEnd type="none" w="med" len="med"/>
+                    </a:lnB>
+                    <a:lnTlToBr w="12700" cmpd="sng">
+                      <a:noFill/>
+                      <a:prstDash val="solid"/>
+                    </a:lnTlToBr>
+                    <a:lnBlToTr w="12700" cmpd="sng">
+                      <a:noFill/>
+                      <a:prstDash val="solid"/>
+                    </a:lnBlToTr>
+                    <a:solidFill>
+                      <a:srgbClr val="FFFF97"/>
+                    </a:solidFill>
+                  </a:tcPr>
+                </a:tc>
+              </a:tr>
+              <a:tr h="370840">
+                <a:tc>
+                  <a:txBody>
+                    <a:bodyPr/>
+                    <a:lstStyle/>
+                    <a:p>
+                      <a:pPr algn="ctr"/>
+                      <a:r>
+                        <a:rPr lang="en-US" dirty="0" smtClean="0">
+                          <a:solidFill>
+                            <a:schemeClr val="tx1"/>
+                          </a:solidFill>
+                        </a:rPr>
+                        <a:t>False</a:t>
+                      </a:r>
+                      <a:endParaRPr lang="en-CA" dirty="0">
+                        <a:solidFill>
+                          <a:schemeClr val="tx1"/>
+                        </a:solidFill>
+                      </a:endParaRPr>
+                    </a:p>
+                  </a:txBody>
+                  <a:tcPr>
+                    <a:lnL w="12700" cap="flat" cmpd="sng" algn="ctr">
+                      <a:solidFill>
+                        <a:schemeClr val="tx1"/>
+                      </a:solidFill>
+                      <a:prstDash val="solid"/>
+                      <a:round/>
+                      <a:headEnd type="none" w="med" len="med"/>
+                      <a:tailEnd type="none" w="med" len="med"/>
+                    </a:lnL>
+                    <a:lnR w="12700" cap="flat" cmpd="sng" algn="ctr">
+                      <a:solidFill>
+                        <a:schemeClr val="tx1"/>
+                      </a:solidFill>
+                      <a:prstDash val="solid"/>
+                      <a:round/>
+                      <a:headEnd type="none" w="med" len="med"/>
+                      <a:tailEnd type="none" w="med" len="med"/>
+                    </a:lnR>
+                    <a:lnT w="12700" cap="flat" cmpd="sng" algn="ctr">
+                      <a:solidFill>
+                        <a:schemeClr val="tx1"/>
+                      </a:solidFill>
+                      <a:prstDash val="solid"/>
+                      <a:round/>
+                      <a:headEnd type="none" w="med" len="med"/>
+                      <a:tailEnd type="none" w="med" len="med"/>
+                    </a:lnT>
+                    <a:lnB w="12700" cap="flat" cmpd="sng" algn="ctr">
+                      <a:solidFill>
+                        <a:schemeClr val="tx1"/>
+                      </a:solidFill>
+                      <a:prstDash val="solid"/>
+                      <a:round/>
+                      <a:headEnd type="none" w="med" len="med"/>
+                      <a:tailEnd type="none" w="med" len="med"/>
+                    </a:lnB>
+                    <a:lnTlToBr w="12700" cmpd="sng">
+                      <a:noFill/>
+                      <a:prstDash val="solid"/>
+                    </a:lnTlToBr>
+                    <a:lnBlToTr w="12700" cmpd="sng">
+                      <a:noFill/>
+                      <a:prstDash val="solid"/>
+                    </a:lnBlToTr>
+                  </a:tcPr>
+                </a:tc>
+                <a:tc>
+                  <a:txBody>
+                    <a:bodyPr/>
+                    <a:lstStyle/>
+                    <a:p>
+                      <a:pPr algn="ctr"/>
+                      <a:r>
+                        <a:rPr lang="en-US" dirty="0" smtClean="0">
+                          <a:solidFill>
+                            <a:schemeClr val="tx1"/>
+                          </a:solidFill>
+                        </a:rPr>
+                        <a:t>False positive</a:t>
+                      </a:r>
+                      <a:r>
+                        <a:rPr lang="en-US" baseline="0" dirty="0" smtClean="0">
+                          <a:solidFill>
+                            <a:schemeClr val="tx1"/>
+                          </a:solidFill>
+                        </a:rPr>
+                        <a:t> (FP)</a:t>
+                      </a:r>
+                      <a:endParaRPr lang="en-CA" dirty="0">
+                        <a:solidFill>
+                          <a:schemeClr val="tx1"/>
+                        </a:solidFill>
+                      </a:endParaRPr>
+                    </a:p>
+                  </a:txBody>
+                  <a:tcPr>
+                    <a:lnL w="12700" cap="flat" cmpd="sng" algn="ctr">
+                      <a:solidFill>
+                        <a:schemeClr val="tx1"/>
+                      </a:solidFill>
+                      <a:prstDash val="solid"/>
+                      <a:round/>
+                      <a:headEnd type="none" w="med" len="med"/>
+                      <a:tailEnd type="none" w="med" len="med"/>
+                    </a:lnL>
+                    <a:lnR w="12700" cap="flat" cmpd="sng" algn="ctr">
+                      <a:solidFill>
+                        <a:schemeClr val="tx1"/>
+                      </a:solidFill>
+                      <a:prstDash val="solid"/>
+                      <a:round/>
+                      <a:headEnd type="none" w="med" len="med"/>
+                      <a:tailEnd type="none" w="med" len="med"/>
+                    </a:lnR>
+                    <a:lnT w="12700" cap="flat" cmpd="sng" algn="ctr">
+                      <a:solidFill>
+                        <a:schemeClr val="tx1"/>
+                      </a:solidFill>
+                      <a:prstDash val="solid"/>
+                      <a:round/>
+                      <a:headEnd type="none" w="med" len="med"/>
+                      <a:tailEnd type="none" w="med" len="med"/>
+                    </a:lnT>
+                    <a:lnB w="12700" cap="flat" cmpd="sng" algn="ctr">
+                      <a:solidFill>
+                        <a:schemeClr val="tx1"/>
+                      </a:solidFill>
+                      <a:prstDash val="solid"/>
+                      <a:round/>
+                      <a:headEnd type="none" w="med" len="med"/>
+                      <a:tailEnd type="none" w="med" len="med"/>
+                    </a:lnB>
+                    <a:lnTlToBr w="12700" cmpd="sng">
+                      <a:noFill/>
+                      <a:prstDash val="solid"/>
+                    </a:lnTlToBr>
+                    <a:lnBlToTr w="12700" cmpd="sng">
+                      <a:noFill/>
+                      <a:prstDash val="solid"/>
+                    </a:lnBlToTr>
+                  </a:tcPr>
+                </a:tc>
+                <a:tc>
+                  <a:txBody>
+                    <a:bodyPr/>
+                    <a:lstStyle/>
+                    <a:p>
+                      <a:pPr algn="ctr"/>
+                      <a:r>
+                        <a:rPr lang="en-US" dirty="0" smtClean="0">
+                          <a:solidFill>
+                            <a:schemeClr val="tx1"/>
+                          </a:solidFill>
+                        </a:rPr>
+                        <a:t>True negative</a:t>
+                      </a:r>
+                      <a:r>
+                        <a:rPr lang="en-US" baseline="0" dirty="0" smtClean="0">
+                          <a:solidFill>
+                            <a:schemeClr val="tx1"/>
+                          </a:solidFill>
+                        </a:rPr>
+                        <a:t> (TN)</a:t>
+                      </a:r>
+                      <a:endParaRPr lang="en-CA" dirty="0">
+                        <a:solidFill>
+                          <a:schemeClr val="tx1"/>
+                        </a:solidFill>
+                      </a:endParaRPr>
+                    </a:p>
+                  </a:txBody>
+                  <a:tcPr>
+                    <a:lnL w="12700" cap="flat" cmpd="sng" algn="ctr">
+                      <a:solidFill>
+                        <a:schemeClr val="tx1"/>
+                      </a:solidFill>
+                      <a:prstDash val="solid"/>
+                      <a:round/>
+                      <a:headEnd type="none" w="med" len="med"/>
+                      <a:tailEnd type="none" w="med" len="med"/>
+                    </a:lnL>
+                    <a:lnR w="12700" cap="flat" cmpd="sng" algn="ctr">
+                      <a:solidFill>
+                        <a:schemeClr val="tx1"/>
+                      </a:solidFill>
+                      <a:prstDash val="solid"/>
+                      <a:round/>
+                      <a:headEnd type="none" w="med" len="med"/>
+                      <a:tailEnd type="none" w="med" len="med"/>
+                    </a:lnR>
+                    <a:lnT w="12700" cap="flat" cmpd="sng" algn="ctr">
+                      <a:solidFill>
+                        <a:schemeClr val="tx1"/>
+                      </a:solidFill>
+                      <a:prstDash val="solid"/>
+                      <a:round/>
+                      <a:headEnd type="none" w="med" len="med"/>
+                      <a:tailEnd type="none" w="med" len="med"/>
+                    </a:lnT>
+                    <a:lnB w="12700" cap="flat" cmpd="sng" algn="ctr">
+                      <a:solidFill>
+                        <a:schemeClr val="tx1"/>
+                      </a:solidFill>
+                      <a:prstDash val="solid"/>
+                      <a:round/>
+                      <a:headEnd type="none" w="med" len="med"/>
+                      <a:tailEnd type="none" w="med" len="med"/>
+                    </a:lnB>
+                    <a:lnTlToBr w="12700" cmpd="sng">
+                      <a:noFill/>
+                      <a:prstDash val="solid"/>
+                    </a:lnTlToBr>
+                    <a:lnBlToTr w="12700" cmpd="sng">
+                      <a:noFill/>
+                      <a:prstDash val="solid"/>
+                    </a:lnBlToTr>
+                  </a:tcPr>
+                </a:tc>
+              </a:tr>
+            </a:tbl>
+          </a:graphicData>
+        </a:graphic>
+      </p:graphicFrame>
+    </p:spTree>
+    <p:extLst>
+      <p:ext uri="{BB962C8B-B14F-4D97-AF65-F5344CB8AC3E}">
+        <p14:creationId xmlns:p14="http://schemas.microsoft.com/office/powerpoint/2010/main" val="306214053"/>
+      </p:ext>
+    </p:extLst>
+  </p:cSld>
+  <p:clrMapOvr>
+    <a:masterClrMapping/>
+  </p:clrMapOvr>
+  <p:timing>
+    <p:tnLst>
+      <p:par>
+        <p:cTn id="1" dur="indefinite" restart="never" nodeType="tmRoot"/>
+      </p:par>
+    </p:tnLst>
+  </p:timing>
+</p:sld>
+</file>
+
+<file path=ppt/slides/slide29.xml><?xml version="1.0" encoding="utf-8"?>
+<p:sld xmlns:a="http://schemas.openxmlformats.org/drawingml/2006/main" xmlns:r="http://schemas.openxmlformats.org/officeDocument/2006/relationships" xmlns:p="http://schemas.openxmlformats.org/presentationml/2006/main">
+  <p:cSld>
+    <p:spTree>
+      <p:nvGrpSpPr>
+        <p:cNvPr id="1" name=""/>
+        <p:cNvGrpSpPr/>
+        <p:nvPr/>
+      </p:nvGrpSpPr>
+      <p:grpSpPr>
+        <a:xfrm>
+          <a:off x="0" y="0"/>
+          <a:ext cx="0" cy="0"/>
+          <a:chOff x="0" y="0"/>
+          <a:chExt cx="0" cy="0"/>
+        </a:xfrm>
+      </p:grpSpPr>
+      <p:sp>
+        <p:nvSpPr>
+          <p:cNvPr id="2" name="Title 1"/>
+          <p:cNvSpPr>
+            <a:spLocks noGrp="1"/>
+          </p:cNvSpPr>
+          <p:nvPr>
+            <p:ph type="title"/>
+          </p:nvPr>
+        </p:nvSpPr>
+        <p:spPr>
+          <a:xfrm>
+            <a:off x="677334" y="609599"/>
+            <a:ext cx="9685866" cy="840510"/>
+          </a:xfrm>
+        </p:spPr>
+        <p:txBody>
+          <a:bodyPr>
+            <a:normAutofit/>
+          </a:bodyPr>
+          <a:lstStyle/>
+          <a:p>
+            <a:r>
+              <a:rPr lang="en-US" sz="4800" dirty="0" smtClean="0">
+                <a:solidFill>
+                  <a:schemeClr val="tx1"/>
+                </a:solidFill>
+              </a:rPr>
+              <a:t>Proposal – </a:t>
+            </a:r>
+            <a:r>
+              <a:rPr lang="en-US" sz="4800" dirty="0">
+                <a:solidFill>
+                  <a:schemeClr val="tx1"/>
+                </a:solidFill>
+              </a:rPr>
+              <a:t>Exploit quantification</a:t>
+            </a:r>
+            <a:endParaRPr lang="en-CA" sz="4800" dirty="0">
+              <a:solidFill>
+                <a:schemeClr val="tx1"/>
+              </a:solidFill>
+            </a:endParaRPr>
+          </a:p>
+        </p:txBody>
+      </p:sp>
+      <p:sp>
+        <p:nvSpPr>
+          <p:cNvPr id="16" name="Content Placeholder 2"/>
+          <p:cNvSpPr>
+            <a:spLocks noGrp="1"/>
+          </p:cNvSpPr>
+          <p:nvPr>
+            <p:ph sz="half" idx="1"/>
+          </p:nvPr>
+        </p:nvSpPr>
+        <p:spPr>
+          <a:xfrm>
+            <a:off x="677332" y="1366982"/>
+            <a:ext cx="8013822" cy="812800"/>
+          </a:xfrm>
+        </p:spPr>
+        <p:txBody>
+          <a:bodyPr>
+            <a:normAutofit/>
+          </a:bodyPr>
+          <a:lstStyle/>
+          <a:p>
+            <a:pPr>
+              <a:buClr>
+                <a:schemeClr val="tx1"/>
+              </a:buClr>
+            </a:pPr>
+            <a:r>
+              <a:rPr lang="en-US" sz="3600" dirty="0" smtClean="0">
+                <a:solidFill>
+                  <a:schemeClr val="tx1"/>
+                </a:solidFill>
+              </a:rPr>
+              <a:t>Computed sensitivity and precision</a:t>
+            </a:r>
+          </a:p>
+          <a:p>
+            <a:pPr marL="0" indent="0">
+              <a:buClr>
+                <a:schemeClr val="tx1"/>
+              </a:buClr>
+              <a:buNone/>
+            </a:pPr>
+            <a:endParaRPr lang="en-US" sz="3600" dirty="0" smtClean="0">
+              <a:solidFill>
+                <a:schemeClr val="tx1"/>
+              </a:solidFill>
+            </a:endParaRPr>
+          </a:p>
+        </p:txBody>
+      </p:sp>
+      <p:graphicFrame>
+        <p:nvGraphicFramePr>
+          <p:cNvPr id="5" name="Table 4"/>
+          <p:cNvGraphicFramePr>
+            <a:graphicFrameLocks noGrp="1"/>
+          </p:cNvGraphicFramePr>
+          <p:nvPr/>
+        </p:nvGraphicFramePr>
+        <p:xfrm>
+          <a:off x="963660" y="3990110"/>
+          <a:ext cx="8127999" cy="1483360"/>
+        </p:xfrm>
+        <a:graphic>
+          <a:graphicData uri="http://schemas.openxmlformats.org/drawingml/2006/table">
+            <a:tbl>
+              <a:tblPr firstRow="1" bandRow="1">
+                <a:tableStyleId>{5C22544A-7EE6-4342-B048-85BDC9FD1C3A}</a:tableStyleId>
+              </a:tblPr>
+              <a:tblGrid>
+                <a:gridCol w="2709333"/>
+                <a:gridCol w="2709333"/>
+                <a:gridCol w="2709333"/>
+              </a:tblGrid>
+              <a:tr h="370840">
+                <a:tc rowSpan="2">
+                  <a:txBody>
+                    <a:bodyPr/>
+                    <a:lstStyle/>
+                    <a:p>
+                      <a:pPr algn="ctr"/>
+                      <a:r>
+                        <a:rPr lang="en-US" dirty="0" smtClean="0">
+                          <a:solidFill>
+                            <a:schemeClr val="tx1"/>
+                          </a:solidFill>
+                        </a:rPr>
+                        <a:t>Real exploit?</a:t>
+                      </a:r>
+                      <a:endParaRPr lang="en-CA" dirty="0">
+                        <a:solidFill>
+                          <a:schemeClr val="tx1"/>
+                        </a:solidFill>
+                      </a:endParaRPr>
+                    </a:p>
+                  </a:txBody>
+                  <a:tcPr anchor="ctr">
+                    <a:lnL w="12700" cap="flat" cmpd="sng" algn="ctr">
+                      <a:solidFill>
+                        <a:schemeClr val="tx1"/>
+                      </a:solidFill>
+                      <a:prstDash val="solid"/>
+                      <a:round/>
+                      <a:headEnd type="none" w="med" len="med"/>
+                      <a:tailEnd type="none" w="med" len="med"/>
+                    </a:lnL>
+                    <a:lnR w="12700" cap="flat" cmpd="sng" algn="ctr">
+                      <a:solidFill>
+                        <a:schemeClr val="tx1"/>
+                      </a:solidFill>
+                      <a:prstDash val="solid"/>
+                      <a:round/>
+                      <a:headEnd type="none" w="med" len="med"/>
+                      <a:tailEnd type="none" w="med" len="med"/>
+                    </a:lnR>
+                    <a:lnT w="12700" cap="flat" cmpd="sng" algn="ctr">
+                      <a:solidFill>
+                        <a:schemeClr val="tx1"/>
+                      </a:solidFill>
+                      <a:prstDash val="solid"/>
+                      <a:round/>
+                      <a:headEnd type="none" w="med" len="med"/>
+                      <a:tailEnd type="none" w="med" len="med"/>
+                    </a:lnT>
+                    <a:lnB w="12700" cap="flat" cmpd="sng" algn="ctr">
+                      <a:solidFill>
+                        <a:schemeClr val="tx1"/>
+                      </a:solidFill>
+                      <a:prstDash val="solid"/>
+                      <a:round/>
+                      <a:headEnd type="none" w="med" len="med"/>
+                      <a:tailEnd type="none" w="med" len="med"/>
+                    </a:lnB>
+                    <a:lnTlToBr w="12700" cmpd="sng">
+                      <a:noFill/>
+                      <a:prstDash val="solid"/>
+                    </a:lnTlToBr>
+                    <a:lnBlToTr w="12700" cmpd="sng">
+                      <a:noFill/>
+                      <a:prstDash val="solid"/>
+                    </a:lnBlToTr>
+                    <a:solidFill>
+                      <a:schemeClr val="accent2"/>
+                    </a:solidFill>
+                  </a:tcPr>
+                </a:tc>
+                <a:tc gridSpan="2">
+                  <a:txBody>
+                    <a:bodyPr/>
+                    <a:lstStyle/>
+                    <a:p>
+                      <a:pPr algn="ctr"/>
+                      <a:r>
+                        <a:rPr lang="en-US" dirty="0" smtClean="0">
+                          <a:solidFill>
+                            <a:schemeClr val="tx1"/>
+                          </a:solidFill>
+                        </a:rPr>
+                        <a:t>Predicted</a:t>
+                      </a:r>
+                      <a:r>
+                        <a:rPr lang="en-US" baseline="0" dirty="0" smtClean="0">
+                          <a:solidFill>
+                            <a:schemeClr val="tx1"/>
+                          </a:solidFill>
+                        </a:rPr>
+                        <a:t> exploit?</a:t>
+                      </a:r>
+                      <a:endParaRPr lang="en-CA" dirty="0">
+                        <a:solidFill>
+                          <a:schemeClr val="tx1"/>
+                        </a:solidFill>
+                      </a:endParaRPr>
+                    </a:p>
+                  </a:txBody>
+                  <a:tcPr>
+                    <a:lnL w="12700" cap="flat" cmpd="sng" algn="ctr">
+                      <a:solidFill>
+                        <a:schemeClr val="tx1"/>
+                      </a:solidFill>
+                      <a:prstDash val="solid"/>
+                      <a:round/>
+                      <a:headEnd type="none" w="med" len="med"/>
+                      <a:tailEnd type="none" w="med" len="med"/>
+                    </a:lnL>
+                    <a:lnR w="12700" cap="flat" cmpd="sng" algn="ctr">
+                      <a:solidFill>
+                        <a:schemeClr val="tx1"/>
+                      </a:solidFill>
+                      <a:prstDash val="solid"/>
+                      <a:round/>
+                      <a:headEnd type="none" w="med" len="med"/>
+                      <a:tailEnd type="none" w="med" len="med"/>
+                    </a:lnR>
+                    <a:lnT w="12700" cap="flat" cmpd="sng" algn="ctr">
+                      <a:solidFill>
+                        <a:schemeClr val="tx1"/>
+                      </a:solidFill>
+                      <a:prstDash val="solid"/>
+                      <a:round/>
+                      <a:headEnd type="none" w="med" len="med"/>
+                      <a:tailEnd type="none" w="med" len="med"/>
+                    </a:lnT>
+                    <a:lnB w="12700" cap="flat" cmpd="sng" algn="ctr">
+                      <a:solidFill>
+                        <a:schemeClr val="tx1"/>
+                      </a:solidFill>
+                      <a:prstDash val="solid"/>
+                      <a:round/>
+                      <a:headEnd type="none" w="med" len="med"/>
+                      <a:tailEnd type="none" w="med" len="med"/>
+                    </a:lnB>
+                    <a:lnTlToBr w="12700" cmpd="sng">
+                      <a:noFill/>
+                      <a:prstDash val="solid"/>
+                    </a:lnTlToBr>
+                    <a:lnBlToTr w="12700" cmpd="sng">
+                      <a:noFill/>
+                      <a:prstDash val="solid"/>
+                    </a:lnBlToTr>
+                    <a:solidFill>
+                      <a:srgbClr val="00B0F0"/>
+                    </a:solidFill>
+                  </a:tcPr>
+                </a:tc>
+                <a:tc hMerge="1">
+                  <a:txBody>
+                    <a:bodyPr/>
+                    <a:lstStyle/>
+                    <a:p>
+                      <a:pPr algn="ctr"/>
+                      <a:endParaRPr lang="en-CA" dirty="0">
+                        <a:solidFill>
+                          <a:schemeClr val="tx1"/>
+                        </a:solidFill>
+                      </a:endParaRPr>
+                    </a:p>
+                  </a:txBody>
+                  <a:tcPr>
+                    <a:lnL w="12700" cap="flat" cmpd="sng" algn="ctr">
+                      <a:solidFill>
+                        <a:schemeClr val="tx1"/>
+                      </a:solidFill>
+                      <a:prstDash val="solid"/>
+                      <a:round/>
+                      <a:headEnd type="none" w="med" len="med"/>
+                      <a:tailEnd type="none" w="med" len="med"/>
+                    </a:lnL>
+                    <a:lnR w="12700" cap="flat" cmpd="sng" algn="ctr">
+                      <a:solidFill>
+                        <a:schemeClr val="tx1"/>
+                      </a:solidFill>
+                      <a:prstDash val="solid"/>
+                      <a:round/>
+                      <a:headEnd type="none" w="med" len="med"/>
+                      <a:tailEnd type="none" w="med" len="med"/>
+                    </a:lnR>
+                    <a:lnT w="12700" cap="flat" cmpd="sng" algn="ctr">
+                      <a:solidFill>
+                        <a:schemeClr val="tx1"/>
+                      </a:solidFill>
+                      <a:prstDash val="solid"/>
+                      <a:round/>
+                      <a:headEnd type="none" w="med" len="med"/>
+                      <a:tailEnd type="none" w="med" len="med"/>
+                    </a:lnT>
+                    <a:lnB w="12700" cap="flat" cmpd="sng" algn="ctr">
+                      <a:solidFill>
+                        <a:schemeClr val="tx1"/>
+                      </a:solidFill>
+                      <a:prstDash val="solid"/>
+                      <a:round/>
+                      <a:headEnd type="none" w="med" len="med"/>
+                      <a:tailEnd type="none" w="med" len="med"/>
+                    </a:lnB>
+                    <a:lnTlToBr w="12700" cmpd="sng">
+                      <a:noFill/>
+                      <a:prstDash val="solid"/>
+                    </a:lnTlToBr>
+                    <a:lnBlToTr w="12700" cmpd="sng">
+                      <a:noFill/>
+                      <a:prstDash val="solid"/>
+                    </a:lnBlToTr>
+                    <a:solidFill>
+                      <a:srgbClr val="00B0F0"/>
+                    </a:solidFill>
+                  </a:tcPr>
+                </a:tc>
+              </a:tr>
+              <a:tr h="370840">
+                <a:tc vMerge="1">
+                  <a:txBody>
+                    <a:bodyPr/>
+                    <a:lstStyle/>
+                    <a:p>
+                      <a:pPr algn="ctr"/>
+                      <a:endParaRPr lang="en-CA" dirty="0">
+                        <a:solidFill>
+                          <a:schemeClr val="tx1"/>
+                        </a:solidFill>
+                      </a:endParaRPr>
+                    </a:p>
+                  </a:txBody>
+                  <a:tcPr>
+                    <a:lnL w="12700" cap="flat" cmpd="sng" algn="ctr">
+                      <a:solidFill>
+                        <a:schemeClr val="tx1"/>
+                      </a:solidFill>
+                      <a:prstDash val="solid"/>
+                      <a:round/>
+                      <a:headEnd type="none" w="med" len="med"/>
+                      <a:tailEnd type="none" w="med" len="med"/>
+                    </a:lnL>
+                    <a:lnR w="12700" cap="flat" cmpd="sng" algn="ctr">
+                      <a:solidFill>
+                        <a:schemeClr val="tx1"/>
+                      </a:solidFill>
+                      <a:prstDash val="solid"/>
+                      <a:round/>
+                      <a:headEnd type="none" w="med" len="med"/>
+                      <a:tailEnd type="none" w="med" len="med"/>
+                    </a:lnR>
+                    <a:lnT w="12700" cap="flat" cmpd="sng" algn="ctr">
+                      <a:solidFill>
+                        <a:schemeClr val="tx1"/>
+                      </a:solidFill>
+                      <a:prstDash val="solid"/>
+                      <a:round/>
+                      <a:headEnd type="none" w="med" len="med"/>
+                      <a:tailEnd type="none" w="med" len="med"/>
+                    </a:lnT>
+                    <a:lnB w="12700" cap="flat" cmpd="sng" algn="ctr">
+                      <a:solidFill>
+                        <a:schemeClr val="tx1"/>
+                      </a:solidFill>
+                      <a:prstDash val="solid"/>
+                      <a:round/>
+                      <a:headEnd type="none" w="med" len="med"/>
+                      <a:tailEnd type="none" w="med" len="med"/>
+                    </a:lnB>
+                    <a:lnTlToBr w="12700" cmpd="sng">
+                      <a:noFill/>
+                      <a:prstDash val="solid"/>
+                    </a:lnTlToBr>
+                    <a:lnBlToTr w="12700" cmpd="sng">
+                      <a:noFill/>
+                      <a:prstDash val="solid"/>
+                    </a:lnBlToTr>
+                    <a:solidFill>
+                      <a:schemeClr val="accent2"/>
+                    </a:solidFill>
+                  </a:tcPr>
+                </a:tc>
+                <a:tc>
+                  <a:txBody>
+                    <a:bodyPr/>
+                    <a:lstStyle/>
+                    <a:p>
+                      <a:pPr algn="ctr"/>
+                      <a:r>
+                        <a:rPr lang="en-US" dirty="0" smtClean="0">
+                          <a:solidFill>
+                            <a:schemeClr val="tx1"/>
+                          </a:solidFill>
+                        </a:rPr>
+                        <a:t>True</a:t>
+                      </a:r>
+                      <a:endParaRPr lang="en-CA" dirty="0">
+                        <a:solidFill>
+                          <a:schemeClr val="tx1"/>
+                        </a:solidFill>
+                      </a:endParaRPr>
+                    </a:p>
+                  </a:txBody>
+                  <a:tcPr>
+                    <a:lnL w="12700" cap="flat" cmpd="sng" algn="ctr">
+                      <a:solidFill>
+                        <a:schemeClr val="tx1"/>
+                      </a:solidFill>
+                      <a:prstDash val="solid"/>
+                      <a:round/>
+                      <a:headEnd type="none" w="med" len="med"/>
+                      <a:tailEnd type="none" w="med" len="med"/>
+                    </a:lnL>
+                    <a:lnR w="12700" cap="flat" cmpd="sng" algn="ctr">
+                      <a:solidFill>
+                        <a:schemeClr val="tx1"/>
+                      </a:solidFill>
+                      <a:prstDash val="solid"/>
+                      <a:round/>
+                      <a:headEnd type="none" w="med" len="med"/>
+                      <a:tailEnd type="none" w="med" len="med"/>
+                    </a:lnR>
+                    <a:lnT w="12700" cap="flat" cmpd="sng" algn="ctr">
+                      <a:solidFill>
+                        <a:schemeClr val="tx1"/>
+                      </a:solidFill>
+                      <a:prstDash val="solid"/>
+                      <a:round/>
+                      <a:headEnd type="none" w="med" len="med"/>
+                      <a:tailEnd type="none" w="med" len="med"/>
+                    </a:lnT>
+                    <a:lnB w="12700" cap="flat" cmpd="sng" algn="ctr">
+                      <a:solidFill>
+                        <a:schemeClr val="tx1"/>
+                      </a:solidFill>
+                      <a:prstDash val="solid"/>
+                      <a:round/>
+                      <a:headEnd type="none" w="med" len="med"/>
+                      <a:tailEnd type="none" w="med" len="med"/>
+                    </a:lnB>
+                    <a:lnTlToBr w="12700" cmpd="sng">
+                      <a:noFill/>
+                      <a:prstDash val="solid"/>
+                    </a:lnTlToBr>
+                    <a:lnBlToTr w="12700" cmpd="sng">
+                      <a:noFill/>
+                      <a:prstDash val="solid"/>
+                    </a:lnBlToTr>
+                    <a:solidFill>
+                      <a:srgbClr val="00B0F0"/>
+                    </a:solidFill>
+                  </a:tcPr>
+                </a:tc>
+                <a:tc>
+                  <a:txBody>
+                    <a:bodyPr/>
+                    <a:lstStyle/>
+                    <a:p>
+                      <a:pPr algn="ctr"/>
+                      <a:r>
+                        <a:rPr lang="en-US" dirty="0" smtClean="0">
+                          <a:solidFill>
+                            <a:schemeClr val="tx1"/>
+                          </a:solidFill>
+                        </a:rPr>
+                        <a:t>False</a:t>
+                      </a:r>
+                      <a:endParaRPr lang="en-CA" dirty="0">
+                        <a:solidFill>
+                          <a:schemeClr val="tx1"/>
+                        </a:solidFill>
+                      </a:endParaRPr>
+                    </a:p>
+                  </a:txBody>
+                  <a:tcPr>
+                    <a:lnL w="12700" cap="flat" cmpd="sng" algn="ctr">
+                      <a:solidFill>
+                        <a:schemeClr val="tx1"/>
+                      </a:solidFill>
+                      <a:prstDash val="solid"/>
+                      <a:round/>
+                      <a:headEnd type="none" w="med" len="med"/>
+                      <a:tailEnd type="none" w="med" len="med"/>
+                    </a:lnL>
+                    <a:lnR w="12700" cap="flat" cmpd="sng" algn="ctr">
+                      <a:solidFill>
+                        <a:schemeClr val="tx1"/>
+                      </a:solidFill>
+                      <a:prstDash val="solid"/>
+                      <a:round/>
+                      <a:headEnd type="none" w="med" len="med"/>
+                      <a:tailEnd type="none" w="med" len="med"/>
+                    </a:lnR>
+                    <a:lnT w="12700" cap="flat" cmpd="sng" algn="ctr">
+                      <a:solidFill>
+                        <a:schemeClr val="tx1"/>
+                      </a:solidFill>
+                      <a:prstDash val="solid"/>
+                      <a:round/>
+                      <a:headEnd type="none" w="med" len="med"/>
+                      <a:tailEnd type="none" w="med" len="med"/>
+                    </a:lnT>
+                    <a:lnB w="12700" cap="flat" cmpd="sng" algn="ctr">
+                      <a:solidFill>
+                        <a:schemeClr val="tx1"/>
+                      </a:solidFill>
+                      <a:prstDash val="solid"/>
+                      <a:round/>
+                      <a:headEnd type="none" w="med" len="med"/>
+                      <a:tailEnd type="none" w="med" len="med"/>
+                    </a:lnB>
+                    <a:lnTlToBr w="12700" cmpd="sng">
+                      <a:noFill/>
+                      <a:prstDash val="solid"/>
+                    </a:lnTlToBr>
+                    <a:lnBlToTr w="12700" cmpd="sng">
+                      <a:noFill/>
+                      <a:prstDash val="solid"/>
+                    </a:lnBlToTr>
+                    <a:solidFill>
+                      <a:srgbClr val="00B0F0"/>
+                    </a:solidFill>
+                  </a:tcPr>
+                </a:tc>
+              </a:tr>
+              <a:tr h="370840">
+                <a:tc>
+                  <a:txBody>
+                    <a:bodyPr/>
+                    <a:lstStyle/>
+                    <a:p>
+                      <a:pPr algn="ctr"/>
+                      <a:r>
+                        <a:rPr lang="en-US" dirty="0" smtClean="0">
+                          <a:solidFill>
+                            <a:schemeClr val="tx1"/>
+                          </a:solidFill>
+                        </a:rPr>
+                        <a:t>True</a:t>
+                      </a:r>
+                      <a:endParaRPr lang="en-CA" dirty="0">
+                        <a:solidFill>
+                          <a:schemeClr val="tx1"/>
+                        </a:solidFill>
+                      </a:endParaRPr>
+                    </a:p>
+                  </a:txBody>
+                  <a:tcPr>
+                    <a:lnL w="12700" cap="flat" cmpd="sng" algn="ctr">
+                      <a:solidFill>
+                        <a:schemeClr val="tx1"/>
+                      </a:solidFill>
+                      <a:prstDash val="solid"/>
+                      <a:round/>
+                      <a:headEnd type="none" w="med" len="med"/>
+                      <a:tailEnd type="none" w="med" len="med"/>
+                    </a:lnL>
+                    <a:lnR w="12700" cap="flat" cmpd="sng" algn="ctr">
+                      <a:solidFill>
+                        <a:schemeClr val="tx1"/>
+                      </a:solidFill>
+                      <a:prstDash val="solid"/>
+                      <a:round/>
+                      <a:headEnd type="none" w="med" len="med"/>
+                      <a:tailEnd type="none" w="med" len="med"/>
+                    </a:lnR>
+                    <a:lnT w="12700" cap="flat" cmpd="sng" algn="ctr">
+                      <a:solidFill>
+                        <a:schemeClr val="tx1"/>
+                      </a:solidFill>
+                      <a:prstDash val="solid"/>
+                      <a:round/>
+                      <a:headEnd type="none" w="med" len="med"/>
+                      <a:tailEnd type="none" w="med" len="med"/>
+                    </a:lnT>
+                    <a:lnB w="12700" cap="flat" cmpd="sng" algn="ctr">
+                      <a:solidFill>
+                        <a:schemeClr val="tx1"/>
+                      </a:solidFill>
+                      <a:prstDash val="solid"/>
+                      <a:round/>
+                      <a:headEnd type="none" w="med" len="med"/>
+                      <a:tailEnd type="none" w="med" len="med"/>
+                    </a:lnB>
+                    <a:lnTlToBr w="12700" cmpd="sng">
+                      <a:noFill/>
+                      <a:prstDash val="solid"/>
+                    </a:lnTlToBr>
+                    <a:lnBlToTr w="12700" cmpd="sng">
+                      <a:noFill/>
+                      <a:prstDash val="solid"/>
+                    </a:lnBlToTr>
+                    <a:solidFill>
+                      <a:srgbClr val="FFFF97"/>
+                    </a:solidFill>
+                  </a:tcPr>
+                </a:tc>
+                <a:tc>
+                  <a:txBody>
+                    <a:bodyPr/>
+                    <a:lstStyle/>
+                    <a:p>
+                      <a:pPr algn="ctr"/>
+                      <a:r>
+                        <a:rPr lang="en-US" dirty="0" smtClean="0">
+                          <a:solidFill>
+                            <a:schemeClr val="tx1"/>
+                          </a:solidFill>
+                        </a:rPr>
+                        <a:t>True</a:t>
+                      </a:r>
+                      <a:r>
+                        <a:rPr lang="en-US" baseline="0" dirty="0" smtClean="0">
+                          <a:solidFill>
+                            <a:schemeClr val="tx1"/>
+                          </a:solidFill>
+                        </a:rPr>
+                        <a:t> positive (TP)</a:t>
+                      </a:r>
+                      <a:endParaRPr lang="en-CA" dirty="0">
+                        <a:solidFill>
+                          <a:schemeClr val="tx1"/>
+                        </a:solidFill>
+                      </a:endParaRPr>
+                    </a:p>
+                  </a:txBody>
+                  <a:tcPr>
+                    <a:lnL w="12700" cap="flat" cmpd="sng" algn="ctr">
+                      <a:solidFill>
+                        <a:schemeClr val="tx1"/>
+                      </a:solidFill>
+                      <a:prstDash val="solid"/>
+                      <a:round/>
+                      <a:headEnd type="none" w="med" len="med"/>
+                      <a:tailEnd type="none" w="med" len="med"/>
+                    </a:lnL>
+                    <a:lnR w="12700" cap="flat" cmpd="sng" algn="ctr">
+                      <a:solidFill>
+                        <a:schemeClr val="tx1"/>
+                      </a:solidFill>
+                      <a:prstDash val="solid"/>
+                      <a:round/>
+                      <a:headEnd type="none" w="med" len="med"/>
+                      <a:tailEnd type="none" w="med" len="med"/>
+                    </a:lnR>
+                    <a:lnT w="12700" cap="flat" cmpd="sng" algn="ctr">
+                      <a:solidFill>
+                        <a:schemeClr val="tx1"/>
+                      </a:solidFill>
+                      <a:prstDash val="solid"/>
+                      <a:round/>
+                      <a:headEnd type="none" w="med" len="med"/>
+                      <a:tailEnd type="none" w="med" len="med"/>
+                    </a:lnT>
+                    <a:lnB w="12700" cap="flat" cmpd="sng" algn="ctr">
+                      <a:solidFill>
+                        <a:schemeClr val="tx1"/>
+                      </a:solidFill>
+                      <a:prstDash val="solid"/>
+                      <a:round/>
+                      <a:headEnd type="none" w="med" len="med"/>
+                      <a:tailEnd type="none" w="med" len="med"/>
+                    </a:lnB>
+                    <a:lnTlToBr w="12700" cmpd="sng">
+                      <a:noFill/>
+                      <a:prstDash val="solid"/>
+                    </a:lnTlToBr>
+                    <a:lnBlToTr w="12700" cmpd="sng">
+                      <a:noFill/>
+                      <a:prstDash val="solid"/>
+                    </a:lnBlToTr>
+                    <a:solidFill>
+                      <a:srgbClr val="FFFF97"/>
+                    </a:solidFill>
+                  </a:tcPr>
+                </a:tc>
+                <a:tc>
+                  <a:txBody>
+                    <a:bodyPr/>
+                    <a:lstStyle/>
+                    <a:p>
+                      <a:pPr algn="ctr"/>
+                      <a:r>
+                        <a:rPr lang="en-US" dirty="0" smtClean="0">
+                          <a:solidFill>
+                            <a:schemeClr val="tx1"/>
+                          </a:solidFill>
+                        </a:rPr>
+                        <a:t>False negative</a:t>
+                      </a:r>
+                      <a:r>
+                        <a:rPr lang="en-US" baseline="0" dirty="0" smtClean="0">
+                          <a:solidFill>
+                            <a:schemeClr val="tx1"/>
+                          </a:solidFill>
+                        </a:rPr>
+                        <a:t> (FN)</a:t>
+                      </a:r>
+                      <a:endParaRPr lang="en-CA" dirty="0">
+                        <a:solidFill>
+                          <a:schemeClr val="tx1"/>
+                        </a:solidFill>
+                      </a:endParaRPr>
+                    </a:p>
+                  </a:txBody>
+                  <a:tcPr>
+                    <a:lnL w="12700" cap="flat" cmpd="sng" algn="ctr">
+                      <a:solidFill>
+                        <a:schemeClr val="tx1"/>
+                      </a:solidFill>
+                      <a:prstDash val="solid"/>
+                      <a:round/>
+                      <a:headEnd type="none" w="med" len="med"/>
+                      <a:tailEnd type="none" w="med" len="med"/>
+                    </a:lnL>
+                    <a:lnR w="12700" cap="flat" cmpd="sng" algn="ctr">
+                      <a:solidFill>
+                        <a:schemeClr val="tx1"/>
+                      </a:solidFill>
+                      <a:prstDash val="solid"/>
+                      <a:round/>
+                      <a:headEnd type="none" w="med" len="med"/>
+                      <a:tailEnd type="none" w="med" len="med"/>
+                    </a:lnR>
+                    <a:lnT w="12700" cap="flat" cmpd="sng" algn="ctr">
+                      <a:solidFill>
+                        <a:schemeClr val="tx1"/>
+                      </a:solidFill>
+                      <a:prstDash val="solid"/>
+                      <a:round/>
+                      <a:headEnd type="none" w="med" len="med"/>
+                      <a:tailEnd type="none" w="med" len="med"/>
+                    </a:lnT>
+                    <a:lnB w="12700" cap="flat" cmpd="sng" algn="ctr">
+                      <a:solidFill>
+                        <a:schemeClr val="tx1"/>
+                      </a:solidFill>
+                      <a:prstDash val="solid"/>
+                      <a:round/>
+                      <a:headEnd type="none" w="med" len="med"/>
+                      <a:tailEnd type="none" w="med" len="med"/>
+                    </a:lnB>
+                    <a:lnTlToBr w="12700" cmpd="sng">
+                      <a:noFill/>
+                      <a:prstDash val="solid"/>
+                    </a:lnTlToBr>
+                    <a:lnBlToTr w="12700" cmpd="sng">
+                      <a:noFill/>
+                      <a:prstDash val="solid"/>
+                    </a:lnBlToTr>
+                    <a:solidFill>
+                      <a:srgbClr val="FFFF97"/>
+                    </a:solidFill>
+                  </a:tcPr>
+                </a:tc>
+              </a:tr>
+              <a:tr h="370840">
+                <a:tc>
+                  <a:txBody>
+                    <a:bodyPr/>
+                    <a:lstStyle/>
+                    <a:p>
+                      <a:pPr algn="ctr"/>
+                      <a:r>
+                        <a:rPr lang="en-US" dirty="0" smtClean="0">
+                          <a:solidFill>
+                            <a:schemeClr val="tx1"/>
+                          </a:solidFill>
+                        </a:rPr>
+                        <a:t>False</a:t>
+                      </a:r>
+                      <a:endParaRPr lang="en-CA" dirty="0">
+                        <a:solidFill>
+                          <a:schemeClr val="tx1"/>
+                        </a:solidFill>
+                      </a:endParaRPr>
+                    </a:p>
+                  </a:txBody>
+                  <a:tcPr>
+                    <a:lnL w="12700" cap="flat" cmpd="sng" algn="ctr">
+                      <a:solidFill>
+                        <a:schemeClr val="tx1"/>
+                      </a:solidFill>
+                      <a:prstDash val="solid"/>
+                      <a:round/>
+                      <a:headEnd type="none" w="med" len="med"/>
+                      <a:tailEnd type="none" w="med" len="med"/>
+                    </a:lnL>
+                    <a:lnR w="12700" cap="flat" cmpd="sng" algn="ctr">
+                      <a:solidFill>
+                        <a:schemeClr val="tx1"/>
+                      </a:solidFill>
+                      <a:prstDash val="solid"/>
+                      <a:round/>
+                      <a:headEnd type="none" w="med" len="med"/>
+                      <a:tailEnd type="none" w="med" len="med"/>
+                    </a:lnR>
+                    <a:lnT w="12700" cap="flat" cmpd="sng" algn="ctr">
+                      <a:solidFill>
+                        <a:schemeClr val="tx1"/>
+                      </a:solidFill>
+                      <a:prstDash val="solid"/>
+                      <a:round/>
+                      <a:headEnd type="none" w="med" len="med"/>
+                      <a:tailEnd type="none" w="med" len="med"/>
+                    </a:lnT>
+                    <a:lnB w="12700" cap="flat" cmpd="sng" algn="ctr">
+                      <a:solidFill>
+                        <a:schemeClr val="tx1"/>
+                      </a:solidFill>
+                      <a:prstDash val="solid"/>
+                      <a:round/>
+                      <a:headEnd type="none" w="med" len="med"/>
+                      <a:tailEnd type="none" w="med" len="med"/>
+                    </a:lnB>
+                    <a:lnTlToBr w="12700" cmpd="sng">
+                      <a:noFill/>
+                      <a:prstDash val="solid"/>
+                    </a:lnTlToBr>
+                    <a:lnBlToTr w="12700" cmpd="sng">
+                      <a:noFill/>
+                      <a:prstDash val="solid"/>
+                    </a:lnBlToTr>
+                  </a:tcPr>
+                </a:tc>
+                <a:tc>
+                  <a:txBody>
+                    <a:bodyPr/>
+                    <a:lstStyle/>
+                    <a:p>
+                      <a:pPr algn="ctr"/>
+                      <a:r>
+                        <a:rPr lang="en-US" dirty="0" smtClean="0">
+                          <a:solidFill>
+                            <a:schemeClr val="tx1"/>
+                          </a:solidFill>
+                        </a:rPr>
+                        <a:t>False positive</a:t>
+                      </a:r>
+                      <a:r>
+                        <a:rPr lang="en-US" baseline="0" dirty="0" smtClean="0">
+                          <a:solidFill>
+                            <a:schemeClr val="tx1"/>
+                          </a:solidFill>
+                        </a:rPr>
+                        <a:t> (FP)</a:t>
+                      </a:r>
+                      <a:endParaRPr lang="en-CA" dirty="0">
+                        <a:solidFill>
+                          <a:schemeClr val="tx1"/>
+                        </a:solidFill>
+                      </a:endParaRPr>
+                    </a:p>
+                  </a:txBody>
+                  <a:tcPr>
+                    <a:lnL w="12700" cap="flat" cmpd="sng" algn="ctr">
+                      <a:solidFill>
+                        <a:schemeClr val="tx1"/>
+                      </a:solidFill>
+                      <a:prstDash val="solid"/>
+                      <a:round/>
+                      <a:headEnd type="none" w="med" len="med"/>
+                      <a:tailEnd type="none" w="med" len="med"/>
+                    </a:lnL>
+                    <a:lnR w="12700" cap="flat" cmpd="sng" algn="ctr">
+                      <a:solidFill>
+                        <a:schemeClr val="tx1"/>
+                      </a:solidFill>
+                      <a:prstDash val="solid"/>
+                      <a:round/>
+                      <a:headEnd type="none" w="med" len="med"/>
+                      <a:tailEnd type="none" w="med" len="med"/>
+                    </a:lnR>
+                    <a:lnT w="12700" cap="flat" cmpd="sng" algn="ctr">
+                      <a:solidFill>
+                        <a:schemeClr val="tx1"/>
+                      </a:solidFill>
+                      <a:prstDash val="solid"/>
+                      <a:round/>
+                      <a:headEnd type="none" w="med" len="med"/>
+                      <a:tailEnd type="none" w="med" len="med"/>
+                    </a:lnT>
+                    <a:lnB w="12700" cap="flat" cmpd="sng" algn="ctr">
+                      <a:solidFill>
+                        <a:schemeClr val="tx1"/>
+                      </a:solidFill>
+                      <a:prstDash val="solid"/>
+                      <a:round/>
+                      <a:headEnd type="none" w="med" len="med"/>
+                      <a:tailEnd type="none" w="med" len="med"/>
+                    </a:lnB>
+                    <a:lnTlToBr w="12700" cmpd="sng">
+                      <a:noFill/>
+                      <a:prstDash val="solid"/>
+                    </a:lnTlToBr>
+                    <a:lnBlToTr w="12700" cmpd="sng">
+                      <a:noFill/>
+                      <a:prstDash val="solid"/>
+                    </a:lnBlToTr>
+                  </a:tcPr>
+                </a:tc>
+                <a:tc>
+                  <a:txBody>
+                    <a:bodyPr/>
+                    <a:lstStyle/>
+                    <a:p>
+                      <a:pPr algn="ctr"/>
+                      <a:r>
+                        <a:rPr lang="en-US" dirty="0" smtClean="0">
+                          <a:solidFill>
+                            <a:schemeClr val="tx1"/>
+                          </a:solidFill>
+                        </a:rPr>
+                        <a:t>True negative</a:t>
+                      </a:r>
+                      <a:r>
+                        <a:rPr lang="en-US" baseline="0" dirty="0" smtClean="0">
+                          <a:solidFill>
+                            <a:schemeClr val="tx1"/>
+                          </a:solidFill>
+                        </a:rPr>
+                        <a:t> (TN)</a:t>
+                      </a:r>
+                      <a:endParaRPr lang="en-CA" dirty="0">
+                        <a:solidFill>
+                          <a:schemeClr val="tx1"/>
+                        </a:solidFill>
+                      </a:endParaRPr>
+                    </a:p>
+                  </a:txBody>
+                  <a:tcPr>
+                    <a:lnL w="12700" cap="flat" cmpd="sng" algn="ctr">
+                      <a:solidFill>
+                        <a:schemeClr val="tx1"/>
+                      </a:solidFill>
+                      <a:prstDash val="solid"/>
+                      <a:round/>
+                      <a:headEnd type="none" w="med" len="med"/>
+                      <a:tailEnd type="none" w="med" len="med"/>
+                    </a:lnL>
+                    <a:lnR w="12700" cap="flat" cmpd="sng" algn="ctr">
+                      <a:solidFill>
+                        <a:schemeClr val="tx1"/>
+                      </a:solidFill>
+                      <a:prstDash val="solid"/>
+                      <a:round/>
+                      <a:headEnd type="none" w="med" len="med"/>
+                      <a:tailEnd type="none" w="med" len="med"/>
+                    </a:lnR>
+                    <a:lnT w="12700" cap="flat" cmpd="sng" algn="ctr">
+                      <a:solidFill>
+                        <a:schemeClr val="tx1"/>
+                      </a:solidFill>
+                      <a:prstDash val="solid"/>
+                      <a:round/>
+                      <a:headEnd type="none" w="med" len="med"/>
+                      <a:tailEnd type="none" w="med" len="med"/>
+                    </a:lnT>
+                    <a:lnB w="12700" cap="flat" cmpd="sng" algn="ctr">
+                      <a:solidFill>
+                        <a:schemeClr val="tx1"/>
+                      </a:solidFill>
+                      <a:prstDash val="solid"/>
+                      <a:round/>
+                      <a:headEnd type="none" w="med" len="med"/>
+                      <a:tailEnd type="none" w="med" len="med"/>
+                    </a:lnB>
+                    <a:lnTlToBr w="12700" cmpd="sng">
+                      <a:noFill/>
+                      <a:prstDash val="solid"/>
+                    </a:lnTlToBr>
+                    <a:lnBlToTr w="12700" cmpd="sng">
+                      <a:noFill/>
+                      <a:prstDash val="solid"/>
+                    </a:lnBlToTr>
+                  </a:tcPr>
+                </a:tc>
+              </a:tr>
+            </a:tbl>
+          </a:graphicData>
+        </a:graphic>
+      </p:graphicFrame>
+      <mc:AlternateContent xmlns:mc="http://schemas.openxmlformats.org/markup-compatibility/2006">
+        <mc:Choice xmlns:a14="http://schemas.microsoft.com/office/drawing/2010/main" Requires="a14">
+          <p:sp>
+            <p:nvSpPr>
+              <p:cNvPr id="3" name="TextBox 2"/>
+              <p:cNvSpPr txBox="1"/>
+              <p:nvPr/>
+            </p:nvSpPr>
+            <p:spPr>
+              <a:xfrm>
+                <a:off x="886691" y="1948366"/>
+                <a:ext cx="3704219" cy="813813"/>
+              </a:xfrm>
+              <a:prstGeom prst="rect">
+                <a:avLst/>
+              </a:prstGeom>
+              <a:noFill/>
+            </p:spPr>
+            <p:txBody>
+              <a:bodyPr wrap="none" lIns="0" tIns="0" rIns="0" bIns="0" rtlCol="0">
+                <a:spAutoFit/>
+              </a:bodyPr>
+              <a:lstStyle/>
+              <a:p>
+                <a14:m>
+                  <m:oMathPara xmlns:m="http://schemas.openxmlformats.org/officeDocument/2006/math">
+                    <m:oMathParaPr>
+                      <m:jc m:val="centerGroup"/>
+                    </m:oMathParaPr>
+                    <m:oMath xmlns:m="http://schemas.openxmlformats.org/officeDocument/2006/math">
+                      <m:r>
+                        <a:rPr lang="en-US" sz="2800" b="0" i="1" smtClean="0">
+                          <a:latin typeface="Cambria Math" panose="02040503050406030204" pitchFamily="18" charset="0"/>
+                        </a:rPr>
+                        <m:t>𝑆𝑒𝑛𝑠𝑖𝑡𝑖𝑣𝑖𝑡𝑦</m:t>
+                      </m:r>
+                      <m:r>
+                        <a:rPr lang="en-US" sz="2800" b="0" i="1" smtClean="0">
+                          <a:latin typeface="Cambria Math" panose="02040503050406030204" pitchFamily="18" charset="0"/>
+                        </a:rPr>
+                        <m:t>=</m:t>
+                      </m:r>
+                      <m:f>
+                        <m:fPr>
+                          <m:ctrlPr>
+                            <a:rPr lang="en-US" sz="2800" b="0" i="1" smtClean="0">
+                              <a:latin typeface="Cambria Math" panose="02040503050406030204" pitchFamily="18" charset="0"/>
+                            </a:rPr>
+                          </m:ctrlPr>
+                        </m:fPr>
+                        <m:num>
+                          <m:r>
+                            <a:rPr lang="en-US" sz="2800" b="0" i="1" smtClean="0">
+                              <a:latin typeface="Cambria Math" panose="02040503050406030204" pitchFamily="18" charset="0"/>
+                            </a:rPr>
+                            <m:t>𝑇𝑃</m:t>
+                          </m:r>
+                        </m:num>
+                        <m:den>
+                          <m:r>
+                            <a:rPr lang="en-US" sz="2800" b="0" i="1" smtClean="0">
+                              <a:latin typeface="Cambria Math" panose="02040503050406030204" pitchFamily="18" charset="0"/>
+                            </a:rPr>
+                            <m:t>𝑇𝑃</m:t>
+                          </m:r>
+                          <m:r>
+                            <a:rPr lang="en-US" sz="2800" b="0" i="1" smtClean="0">
+                              <a:latin typeface="Cambria Math" panose="02040503050406030204" pitchFamily="18" charset="0"/>
+                            </a:rPr>
+                            <m:t>+</m:t>
+                          </m:r>
+                          <m:r>
+                            <a:rPr lang="en-US" sz="2800" b="0" i="1" smtClean="0">
+                              <a:latin typeface="Cambria Math" panose="02040503050406030204" pitchFamily="18" charset="0"/>
+                            </a:rPr>
+                            <m:t>𝐹𝑁</m:t>
+                          </m:r>
+                        </m:den>
+                      </m:f>
+                    </m:oMath>
+                  </m:oMathPara>
+                </a14:m>
+                <a:endParaRPr lang="en-CA" sz="2800" dirty="0"/>
+              </a:p>
+            </p:txBody>
+          </p:sp>
+        </mc:Choice>
+        <mc:Fallback>
+          <p:sp>
+            <p:nvSpPr>
+              <p:cNvPr id="3" name="TextBox 2"/>
+              <p:cNvSpPr txBox="1">
+                <a:spLocks noRot="1" noChangeAspect="1" noMove="1" noResize="1" noEditPoints="1" noAdjustHandles="1" noChangeArrowheads="1" noChangeShapeType="1" noTextEdit="1"/>
+              </p:cNvSpPr>
+              <p:nvPr/>
+            </p:nvSpPr>
+            <p:spPr>
+              <a:xfrm>
+                <a:off x="886691" y="1948366"/>
+                <a:ext cx="3704219" cy="813813"/>
+              </a:xfrm>
+              <a:prstGeom prst="rect">
+                <a:avLst/>
+              </a:prstGeom>
+              <a:blipFill rotWithShape="0">
+                <a:blip r:embed="rId2"/>
+                <a:stretch>
+                  <a:fillRect/>
+                </a:stretch>
+              </a:blipFill>
+            </p:spPr>
+            <p:txBody>
+              <a:bodyPr/>
+              <a:lstStyle/>
+              <a:p>
+                <a:r>
+                  <a:rPr lang="en-CA">
+                    <a:noFill/>
+                  </a:rPr>
+                  <a:t> </a:t>
+                </a:r>
+              </a:p>
+            </p:txBody>
+          </p:sp>
+        </mc:Fallback>
+      </mc:AlternateContent>
+      <mc:AlternateContent xmlns:mc="http://schemas.openxmlformats.org/markup-compatibility/2006">
+        <mc:Choice xmlns:a14="http://schemas.microsoft.com/office/drawing/2010/main" Requires="a14">
+          <p:sp>
+            <p:nvSpPr>
+              <p:cNvPr id="7" name="TextBox 6"/>
+              <p:cNvSpPr txBox="1"/>
+              <p:nvPr/>
+            </p:nvSpPr>
+            <p:spPr>
+              <a:xfrm>
+                <a:off x="886691" y="2937165"/>
+                <a:ext cx="3431709" cy="813813"/>
+              </a:xfrm>
+              <a:prstGeom prst="rect">
+                <a:avLst/>
+              </a:prstGeom>
+              <a:noFill/>
+            </p:spPr>
+            <p:txBody>
+              <a:bodyPr wrap="none" lIns="0" tIns="0" rIns="0" bIns="0" rtlCol="0">
+                <a:spAutoFit/>
+              </a:bodyPr>
+              <a:lstStyle/>
+              <a:p>
+                <a14:m>
+                  <m:oMathPara xmlns:m="http://schemas.openxmlformats.org/officeDocument/2006/math">
+                    <m:oMathParaPr>
+                      <m:jc m:val="centerGroup"/>
+                    </m:oMathParaPr>
+                    <m:oMath xmlns:m="http://schemas.openxmlformats.org/officeDocument/2006/math">
+                      <m:r>
+                        <a:rPr lang="en-US" sz="2800" b="0" i="1" smtClean="0">
+                          <a:latin typeface="Cambria Math" panose="02040503050406030204" pitchFamily="18" charset="0"/>
+                        </a:rPr>
+                        <m:t>𝑃𝑟𝑒𝑐𝑖𝑠𝑖𝑜𝑛</m:t>
+                      </m:r>
+                      <m:r>
+                        <a:rPr lang="en-US" sz="2800" b="0" i="1" smtClean="0">
+                          <a:latin typeface="Cambria Math" panose="02040503050406030204" pitchFamily="18" charset="0"/>
+                        </a:rPr>
+                        <m:t>=</m:t>
+                      </m:r>
+                      <m:f>
+                        <m:fPr>
+                          <m:ctrlPr>
+                            <a:rPr lang="en-US" sz="2800" b="0" i="1" smtClean="0">
+                              <a:latin typeface="Cambria Math" panose="02040503050406030204" pitchFamily="18" charset="0"/>
+                            </a:rPr>
+                          </m:ctrlPr>
+                        </m:fPr>
+                        <m:num>
+                          <m:r>
+                            <a:rPr lang="en-US" sz="2800" b="0" i="1" smtClean="0">
+                              <a:latin typeface="Cambria Math" panose="02040503050406030204" pitchFamily="18" charset="0"/>
+                            </a:rPr>
+                            <m:t>𝑇𝑃</m:t>
+                          </m:r>
+                        </m:num>
+                        <m:den>
+                          <m:r>
+                            <a:rPr lang="en-US" sz="2800" b="0" i="1" smtClean="0">
+                              <a:latin typeface="Cambria Math" panose="02040503050406030204" pitchFamily="18" charset="0"/>
+                            </a:rPr>
+                            <m:t>𝑇𝑃</m:t>
+                          </m:r>
+                          <m:r>
+                            <a:rPr lang="en-US" sz="2800" b="0" i="1" smtClean="0">
+                              <a:latin typeface="Cambria Math" panose="02040503050406030204" pitchFamily="18" charset="0"/>
+                            </a:rPr>
+                            <m:t>+</m:t>
+                          </m:r>
+                          <m:r>
+                            <a:rPr lang="en-US" sz="2800" b="0" i="1" smtClean="0">
+                              <a:latin typeface="Cambria Math" panose="02040503050406030204" pitchFamily="18" charset="0"/>
+                            </a:rPr>
+                            <m:t>𝐹𝑃</m:t>
+                          </m:r>
+                        </m:den>
+                      </m:f>
+                    </m:oMath>
+                  </m:oMathPara>
+                </a14:m>
+                <a:endParaRPr lang="en-CA" sz="2800" dirty="0"/>
+              </a:p>
+            </p:txBody>
+          </p:sp>
+        </mc:Choice>
+        <mc:Fallback>
+          <p:sp>
+            <p:nvSpPr>
+              <p:cNvPr id="7" name="TextBox 6"/>
+              <p:cNvSpPr txBox="1">
+                <a:spLocks noRot="1" noChangeAspect="1" noMove="1" noResize="1" noEditPoints="1" noAdjustHandles="1" noChangeArrowheads="1" noChangeShapeType="1" noTextEdit="1"/>
+              </p:cNvSpPr>
+              <p:nvPr/>
+            </p:nvSpPr>
+            <p:spPr>
+              <a:xfrm>
+                <a:off x="886691" y="2937165"/>
+                <a:ext cx="3431709" cy="813813"/>
+              </a:xfrm>
+              <a:prstGeom prst="rect">
+                <a:avLst/>
+              </a:prstGeom>
+              <a:blipFill rotWithShape="0">
+                <a:blip r:embed="rId3"/>
+                <a:stretch>
+                  <a:fillRect/>
+                </a:stretch>
+              </a:blipFill>
+            </p:spPr>
+            <p:txBody>
+              <a:bodyPr/>
+              <a:lstStyle/>
+              <a:p>
+                <a:r>
+                  <a:rPr lang="en-CA">
+                    <a:noFill/>
+                  </a:rPr>
+                  <a:t> </a:t>
+                </a:r>
+              </a:p>
+            </p:txBody>
+          </p:sp>
+        </mc:Fallback>
+      </mc:AlternateContent>
+    </p:spTree>
+    <p:extLst>
+      <p:ext uri="{BB962C8B-B14F-4D97-AF65-F5344CB8AC3E}">
+        <p14:creationId xmlns:p14="http://schemas.microsoft.com/office/powerpoint/2010/main" val="1742900236"/>
       </p:ext>
     </p:extLst>
   </p:cSld>
@@ -12185,6 +16679,2170 @@
     <p:extLst>
       <p:ext uri="{BB962C8B-B14F-4D97-AF65-F5344CB8AC3E}">
         <p14:creationId xmlns:p14="http://schemas.microsoft.com/office/powerpoint/2010/main" val="325105913"/>
+      </p:ext>
+    </p:extLst>
+  </p:cSld>
+  <p:clrMapOvr>
+    <a:masterClrMapping/>
+  </p:clrMapOvr>
+  <p:timing>
+    <p:tnLst>
+      <p:par>
+        <p:cTn id="1" dur="indefinite" restart="never" nodeType="tmRoot"/>
+      </p:par>
+    </p:tnLst>
+  </p:timing>
+</p:sld>
+</file>
+
+<file path=ppt/slides/slide30.xml><?xml version="1.0" encoding="utf-8"?>
+<p:sld xmlns:a="http://schemas.openxmlformats.org/drawingml/2006/main" xmlns:r="http://schemas.openxmlformats.org/officeDocument/2006/relationships" xmlns:p="http://schemas.openxmlformats.org/presentationml/2006/main">
+  <p:cSld>
+    <p:spTree>
+      <p:nvGrpSpPr>
+        <p:cNvPr id="1" name=""/>
+        <p:cNvGrpSpPr/>
+        <p:nvPr/>
+      </p:nvGrpSpPr>
+      <p:grpSpPr>
+        <a:xfrm>
+          <a:off x="0" y="0"/>
+          <a:ext cx="0" cy="0"/>
+          <a:chOff x="0" y="0"/>
+          <a:chExt cx="0" cy="0"/>
+        </a:xfrm>
+      </p:grpSpPr>
+      <p:sp>
+        <p:nvSpPr>
+          <p:cNvPr id="2" name="Title 1"/>
+          <p:cNvSpPr>
+            <a:spLocks noGrp="1"/>
+          </p:cNvSpPr>
+          <p:nvPr>
+            <p:ph type="title"/>
+          </p:nvPr>
+        </p:nvSpPr>
+        <p:spPr>
+          <a:xfrm>
+            <a:off x="677334" y="609599"/>
+            <a:ext cx="9685866" cy="840510"/>
+          </a:xfrm>
+        </p:spPr>
+        <p:txBody>
+          <a:bodyPr>
+            <a:normAutofit/>
+          </a:bodyPr>
+          <a:lstStyle/>
+          <a:p>
+            <a:r>
+              <a:rPr lang="en-US" sz="4800" dirty="0" smtClean="0">
+                <a:solidFill>
+                  <a:schemeClr val="tx1"/>
+                </a:solidFill>
+              </a:rPr>
+              <a:t>Proposal – </a:t>
+            </a:r>
+            <a:r>
+              <a:rPr lang="en-US" sz="4800" dirty="0" smtClean="0">
+                <a:solidFill>
+                  <a:schemeClr val="tx1"/>
+                </a:solidFill>
+              </a:rPr>
+              <a:t>Exploit quantification</a:t>
+            </a:r>
+            <a:endParaRPr lang="en-CA" sz="4800" dirty="0">
+              <a:solidFill>
+                <a:schemeClr val="tx1"/>
+              </a:solidFill>
+            </a:endParaRPr>
+          </a:p>
+        </p:txBody>
+      </p:sp>
+      <p:sp>
+        <p:nvSpPr>
+          <p:cNvPr id="16" name="Content Placeholder 2"/>
+          <p:cNvSpPr>
+            <a:spLocks noGrp="1"/>
+          </p:cNvSpPr>
+          <p:nvPr>
+            <p:ph sz="half" idx="1"/>
+          </p:nvPr>
+        </p:nvSpPr>
+        <p:spPr>
+          <a:xfrm>
+            <a:off x="677331" y="1366981"/>
+            <a:ext cx="9251759" cy="3943928"/>
+          </a:xfrm>
+        </p:spPr>
+        <p:txBody>
+          <a:bodyPr anchor="ctr">
+            <a:normAutofit/>
+          </a:bodyPr>
+          <a:lstStyle/>
+          <a:p>
+            <a:pPr>
+              <a:buClr>
+                <a:schemeClr val="tx1"/>
+              </a:buClr>
+            </a:pPr>
+            <a:r>
+              <a:rPr lang="en-US" sz="3600" dirty="0" smtClean="0">
+                <a:solidFill>
+                  <a:schemeClr val="tx1"/>
+                </a:solidFill>
+              </a:rPr>
+              <a:t>Sensitivity and precision naturally intuitive measures of exploit prediction</a:t>
+            </a:r>
+          </a:p>
+          <a:p>
+            <a:pPr>
+              <a:buClr>
+                <a:schemeClr val="tx1"/>
+              </a:buClr>
+            </a:pPr>
+            <a:r>
+              <a:rPr lang="en-US" sz="3600" dirty="0" smtClean="0">
+                <a:solidFill>
+                  <a:schemeClr val="tx1"/>
+                </a:solidFill>
+              </a:rPr>
+              <a:t>Can optimize equation for these metrics</a:t>
+            </a:r>
+            <a:endParaRPr lang="en-US" sz="3600" dirty="0" smtClean="0">
+              <a:solidFill>
+                <a:schemeClr val="tx1"/>
+              </a:solidFill>
+            </a:endParaRPr>
+          </a:p>
+          <a:p>
+            <a:pPr marL="0" indent="0">
+              <a:buClr>
+                <a:schemeClr val="tx1"/>
+              </a:buClr>
+              <a:buNone/>
+            </a:pPr>
+            <a:endParaRPr lang="en-US" sz="3600" dirty="0" smtClean="0">
+              <a:solidFill>
+                <a:schemeClr val="tx1"/>
+              </a:solidFill>
+            </a:endParaRPr>
+          </a:p>
+        </p:txBody>
+      </p:sp>
+    </p:spTree>
+    <p:extLst>
+      <p:ext uri="{BB962C8B-B14F-4D97-AF65-F5344CB8AC3E}">
+        <p14:creationId xmlns:p14="http://schemas.microsoft.com/office/powerpoint/2010/main" val="3536375384"/>
+      </p:ext>
+    </p:extLst>
+  </p:cSld>
+  <p:clrMapOvr>
+    <a:masterClrMapping/>
+  </p:clrMapOvr>
+  <p:timing>
+    <p:tnLst>
+      <p:par>
+        <p:cTn id="1" dur="indefinite" restart="never" nodeType="tmRoot"/>
+      </p:par>
+    </p:tnLst>
+  </p:timing>
+</p:sld>
+</file>
+
+<file path=ppt/slides/slide31.xml><?xml version="1.0" encoding="utf-8"?>
+<p:sld xmlns:a="http://schemas.openxmlformats.org/drawingml/2006/main" xmlns:r="http://schemas.openxmlformats.org/officeDocument/2006/relationships" xmlns:p="http://schemas.openxmlformats.org/presentationml/2006/main">
+  <p:cSld>
+    <p:spTree>
+      <p:nvGrpSpPr>
+        <p:cNvPr id="1" name=""/>
+        <p:cNvGrpSpPr/>
+        <p:nvPr/>
+      </p:nvGrpSpPr>
+      <p:grpSpPr>
+        <a:xfrm>
+          <a:off x="0" y="0"/>
+          <a:ext cx="0" cy="0"/>
+          <a:chOff x="0" y="0"/>
+          <a:chExt cx="0" cy="0"/>
+        </a:xfrm>
+      </p:grpSpPr>
+      <p:sp>
+        <p:nvSpPr>
+          <p:cNvPr id="2" name="Title 1"/>
+          <p:cNvSpPr>
+            <a:spLocks noGrp="1"/>
+          </p:cNvSpPr>
+          <p:nvPr>
+            <p:ph type="title"/>
+          </p:nvPr>
+        </p:nvSpPr>
+        <p:spPr>
+          <a:xfrm>
+            <a:off x="677334" y="609599"/>
+            <a:ext cx="9685866" cy="840510"/>
+          </a:xfrm>
+        </p:spPr>
+        <p:txBody>
+          <a:bodyPr>
+            <a:normAutofit/>
+          </a:bodyPr>
+          <a:lstStyle/>
+          <a:p>
+            <a:r>
+              <a:rPr lang="en-US" sz="4800" dirty="0" smtClean="0">
+                <a:solidFill>
+                  <a:schemeClr val="tx1"/>
+                </a:solidFill>
+              </a:rPr>
+              <a:t>Proposal – </a:t>
+            </a:r>
+            <a:r>
+              <a:rPr lang="en-US" sz="4800" dirty="0" smtClean="0">
+                <a:solidFill>
+                  <a:schemeClr val="tx1"/>
+                </a:solidFill>
+              </a:rPr>
+              <a:t>Workflow</a:t>
+            </a:r>
+            <a:endParaRPr lang="en-CA" sz="4800" dirty="0">
+              <a:solidFill>
+                <a:schemeClr val="tx1"/>
+              </a:solidFill>
+            </a:endParaRPr>
+          </a:p>
+        </p:txBody>
+      </p:sp>
+      <p:sp>
+        <p:nvSpPr>
+          <p:cNvPr id="3" name="Rectangle 2"/>
+          <p:cNvSpPr/>
+          <p:nvPr/>
+        </p:nvSpPr>
+        <p:spPr>
+          <a:xfrm>
+            <a:off x="942109" y="1911927"/>
+            <a:ext cx="1874982" cy="1154546"/>
+          </a:xfrm>
+          <a:prstGeom prst="rect">
+            <a:avLst/>
+          </a:prstGeom>
+          <a:solidFill>
+            <a:schemeClr val="accent1">
+              <a:lumMod val="60000"/>
+              <a:lumOff val="40000"/>
+            </a:schemeClr>
+          </a:solidFill>
+          <a:ln>
+            <a:solidFill>
+              <a:schemeClr val="tx1"/>
+            </a:solidFill>
+          </a:ln>
+        </p:spPr>
+        <p:style>
+          <a:lnRef idx="2">
+            <a:schemeClr val="accent1">
+              <a:shade val="50000"/>
+            </a:schemeClr>
+          </a:lnRef>
+          <a:fillRef idx="1">
+            <a:schemeClr val="accent1"/>
+          </a:fillRef>
+          <a:effectRef idx="0">
+            <a:schemeClr val="accent1"/>
+          </a:effectRef>
+          <a:fontRef idx="minor">
+            <a:schemeClr val="lt1"/>
+          </a:fontRef>
+        </p:style>
+        <p:txBody>
+          <a:bodyPr rtlCol="0" anchor="ctr"/>
+          <a:lstStyle/>
+          <a:p>
+            <a:pPr algn="ctr"/>
+            <a:r>
+              <a:rPr lang="en-US" sz="3200" dirty="0" smtClean="0">
+                <a:solidFill>
+                  <a:schemeClr val="tx1"/>
+                </a:solidFill>
+              </a:rPr>
+              <a:t>OSVDB</a:t>
+            </a:r>
+            <a:endParaRPr lang="en-CA" sz="3200" dirty="0">
+              <a:solidFill>
+                <a:schemeClr val="tx1"/>
+              </a:solidFill>
+            </a:endParaRPr>
+          </a:p>
+        </p:txBody>
+      </p:sp>
+      <p:sp>
+        <p:nvSpPr>
+          <p:cNvPr id="5" name="Rectangle 4"/>
+          <p:cNvSpPr/>
+          <p:nvPr/>
+        </p:nvSpPr>
+        <p:spPr>
+          <a:xfrm>
+            <a:off x="4236029" y="1911928"/>
+            <a:ext cx="2535382" cy="1163783"/>
+          </a:xfrm>
+          <a:prstGeom prst="rect">
+            <a:avLst/>
+          </a:prstGeom>
+          <a:solidFill>
+            <a:schemeClr val="accent1">
+              <a:lumMod val="60000"/>
+              <a:lumOff val="40000"/>
+            </a:schemeClr>
+          </a:solidFill>
+          <a:ln>
+            <a:solidFill>
+              <a:schemeClr val="tx1"/>
+            </a:solidFill>
+          </a:ln>
+        </p:spPr>
+        <p:style>
+          <a:lnRef idx="2">
+            <a:schemeClr val="accent1">
+              <a:shade val="50000"/>
+            </a:schemeClr>
+          </a:lnRef>
+          <a:fillRef idx="1">
+            <a:schemeClr val="accent1"/>
+          </a:fillRef>
+          <a:effectRef idx="0">
+            <a:schemeClr val="accent1"/>
+          </a:effectRef>
+          <a:fontRef idx="minor">
+            <a:schemeClr val="lt1"/>
+          </a:fontRef>
+        </p:style>
+        <p:txBody>
+          <a:bodyPr rtlCol="0" anchor="ctr"/>
+          <a:lstStyle/>
+          <a:p>
+            <a:pPr algn="ctr"/>
+            <a:r>
+              <a:rPr lang="en-US" sz="3200" dirty="0" smtClean="0">
+                <a:solidFill>
+                  <a:schemeClr val="tx1"/>
+                </a:solidFill>
+              </a:rPr>
+              <a:t>Vulnerability entries</a:t>
+            </a:r>
+            <a:endParaRPr lang="en-CA" sz="3200" dirty="0">
+              <a:solidFill>
+                <a:schemeClr val="tx1"/>
+              </a:solidFill>
+            </a:endParaRPr>
+          </a:p>
+        </p:txBody>
+      </p:sp>
+      <p:cxnSp>
+        <p:nvCxnSpPr>
+          <p:cNvPr id="6" name="Straight Arrow Connector 5"/>
+          <p:cNvCxnSpPr>
+            <a:stCxn id="3" idx="3"/>
+            <a:endCxn id="5" idx="1"/>
+          </p:cNvCxnSpPr>
+          <p:nvPr/>
+        </p:nvCxnSpPr>
+        <p:spPr>
+          <a:xfrm>
+            <a:off x="2817091" y="2489200"/>
+            <a:ext cx="1418938" cy="4620"/>
+          </a:xfrm>
+          <a:prstGeom prst="straightConnector1">
+            <a:avLst/>
+          </a:prstGeom>
+          <a:ln w="76200">
+            <a:solidFill>
+              <a:schemeClr val="tx1"/>
+            </a:solidFill>
+            <a:tailEnd type="triangle"/>
+          </a:ln>
+        </p:spPr>
+        <p:style>
+          <a:lnRef idx="1">
+            <a:schemeClr val="accent1"/>
+          </a:lnRef>
+          <a:fillRef idx="0">
+            <a:schemeClr val="accent1"/>
+          </a:fillRef>
+          <a:effectRef idx="0">
+            <a:schemeClr val="accent1"/>
+          </a:effectRef>
+          <a:fontRef idx="minor">
+            <a:schemeClr val="tx1"/>
+          </a:fontRef>
+        </p:style>
+      </p:cxnSp>
+      <p:sp>
+        <p:nvSpPr>
+          <p:cNvPr id="9" name="TextBox 8"/>
+          <p:cNvSpPr txBox="1"/>
+          <p:nvPr/>
+        </p:nvSpPr>
+        <p:spPr>
+          <a:xfrm>
+            <a:off x="2816707" y="1939637"/>
+            <a:ext cx="1348509" cy="461665"/>
+          </a:xfrm>
+          <a:prstGeom prst="rect">
+            <a:avLst/>
+          </a:prstGeom>
+          <a:noFill/>
+        </p:spPr>
+        <p:txBody>
+          <a:bodyPr wrap="square" rtlCol="0">
+            <a:spAutoFit/>
+          </a:bodyPr>
+          <a:lstStyle/>
+          <a:p>
+            <a:r>
+              <a:rPr lang="en-US" sz="2400" dirty="0" smtClean="0"/>
+              <a:t>Extract</a:t>
+            </a:r>
+            <a:endParaRPr lang="en-CA" sz="2400" dirty="0"/>
+          </a:p>
+        </p:txBody>
+      </p:sp>
+      <p:sp>
+        <p:nvSpPr>
+          <p:cNvPr id="12" name="Rectangle 11"/>
+          <p:cNvSpPr/>
+          <p:nvPr/>
+        </p:nvSpPr>
+        <p:spPr>
+          <a:xfrm>
+            <a:off x="4236933" y="3534007"/>
+            <a:ext cx="2535382" cy="1141941"/>
+          </a:xfrm>
+          <a:prstGeom prst="rect">
+            <a:avLst/>
+          </a:prstGeom>
+          <a:solidFill>
+            <a:schemeClr val="accent1">
+              <a:lumMod val="60000"/>
+              <a:lumOff val="40000"/>
+            </a:schemeClr>
+          </a:solidFill>
+          <a:ln>
+            <a:solidFill>
+              <a:schemeClr val="tx1"/>
+            </a:solidFill>
+          </a:ln>
+        </p:spPr>
+        <p:style>
+          <a:lnRef idx="2">
+            <a:schemeClr val="accent1">
+              <a:shade val="50000"/>
+            </a:schemeClr>
+          </a:lnRef>
+          <a:fillRef idx="1">
+            <a:schemeClr val="accent1"/>
+          </a:fillRef>
+          <a:effectRef idx="0">
+            <a:schemeClr val="accent1"/>
+          </a:effectRef>
+          <a:fontRef idx="minor">
+            <a:schemeClr val="lt1"/>
+          </a:fontRef>
+        </p:style>
+        <p:txBody>
+          <a:bodyPr rtlCol="0" anchor="ctr"/>
+          <a:lstStyle/>
+          <a:p>
+            <a:pPr algn="ctr"/>
+            <a:r>
+              <a:rPr lang="en-US" sz="3200" dirty="0" smtClean="0">
+                <a:solidFill>
+                  <a:schemeClr val="tx1"/>
+                </a:solidFill>
+              </a:rPr>
+              <a:t>Score vectors</a:t>
+            </a:r>
+            <a:endParaRPr lang="en-CA" sz="3200" dirty="0">
+              <a:solidFill>
+                <a:schemeClr val="tx1"/>
+              </a:solidFill>
+            </a:endParaRPr>
+          </a:p>
+        </p:txBody>
+      </p:sp>
+      <p:sp>
+        <p:nvSpPr>
+          <p:cNvPr id="13" name="Rectangle 12"/>
+          <p:cNvSpPr/>
+          <p:nvPr/>
+        </p:nvSpPr>
+        <p:spPr>
+          <a:xfrm>
+            <a:off x="8199972" y="1911462"/>
+            <a:ext cx="2535382" cy="1163783"/>
+          </a:xfrm>
+          <a:prstGeom prst="rect">
+            <a:avLst/>
+          </a:prstGeom>
+          <a:solidFill>
+            <a:schemeClr val="accent1">
+              <a:lumMod val="60000"/>
+              <a:lumOff val="40000"/>
+            </a:schemeClr>
+          </a:solidFill>
+          <a:ln>
+            <a:solidFill>
+              <a:schemeClr val="tx1"/>
+            </a:solidFill>
+          </a:ln>
+        </p:spPr>
+        <p:style>
+          <a:lnRef idx="2">
+            <a:schemeClr val="accent1">
+              <a:shade val="50000"/>
+            </a:schemeClr>
+          </a:lnRef>
+          <a:fillRef idx="1">
+            <a:schemeClr val="accent1"/>
+          </a:fillRef>
+          <a:effectRef idx="0">
+            <a:schemeClr val="accent1"/>
+          </a:effectRef>
+          <a:fontRef idx="minor">
+            <a:schemeClr val="lt1"/>
+          </a:fontRef>
+        </p:style>
+        <p:txBody>
+          <a:bodyPr rtlCol="0" anchor="ctr"/>
+          <a:lstStyle/>
+          <a:p>
+            <a:pPr algn="ctr"/>
+            <a:r>
+              <a:rPr lang="en-US" sz="3200" dirty="0" smtClean="0">
+                <a:solidFill>
+                  <a:schemeClr val="tx1"/>
+                </a:solidFill>
+              </a:rPr>
+              <a:t>Exploit category</a:t>
+            </a:r>
+            <a:endParaRPr lang="en-CA" sz="3200" dirty="0">
+              <a:solidFill>
+                <a:schemeClr val="tx1"/>
+              </a:solidFill>
+            </a:endParaRPr>
+          </a:p>
+        </p:txBody>
+      </p:sp>
+      <p:cxnSp>
+        <p:nvCxnSpPr>
+          <p:cNvPr id="14" name="Straight Arrow Connector 13"/>
+          <p:cNvCxnSpPr>
+            <a:stCxn id="5" idx="3"/>
+            <a:endCxn id="13" idx="1"/>
+          </p:cNvCxnSpPr>
+          <p:nvPr/>
+        </p:nvCxnSpPr>
+        <p:spPr>
+          <a:xfrm flipV="1">
+            <a:off x="6771411" y="2493354"/>
+            <a:ext cx="1428561" cy="466"/>
+          </a:xfrm>
+          <a:prstGeom prst="straightConnector1">
+            <a:avLst/>
+          </a:prstGeom>
+          <a:ln w="76200">
+            <a:solidFill>
+              <a:schemeClr val="tx1"/>
+            </a:solidFill>
+            <a:tailEnd type="triangle"/>
+          </a:ln>
+        </p:spPr>
+        <p:style>
+          <a:lnRef idx="1">
+            <a:schemeClr val="accent1"/>
+          </a:lnRef>
+          <a:fillRef idx="0">
+            <a:schemeClr val="accent1"/>
+          </a:fillRef>
+          <a:effectRef idx="0">
+            <a:schemeClr val="accent1"/>
+          </a:effectRef>
+          <a:fontRef idx="minor">
+            <a:schemeClr val="tx1"/>
+          </a:fontRef>
+        </p:style>
+      </p:cxnSp>
+      <p:sp>
+        <p:nvSpPr>
+          <p:cNvPr id="17" name="TextBox 16"/>
+          <p:cNvSpPr txBox="1"/>
+          <p:nvPr/>
+        </p:nvSpPr>
+        <p:spPr>
+          <a:xfrm>
+            <a:off x="6906302" y="1966177"/>
+            <a:ext cx="1348509" cy="461665"/>
+          </a:xfrm>
+          <a:prstGeom prst="rect">
+            <a:avLst/>
+          </a:prstGeom>
+          <a:noFill/>
+        </p:spPr>
+        <p:txBody>
+          <a:bodyPr wrap="square" rtlCol="0">
+            <a:spAutoFit/>
+          </a:bodyPr>
+          <a:lstStyle/>
+          <a:p>
+            <a:r>
+              <a:rPr lang="en-US" sz="2400" dirty="0" smtClean="0"/>
+              <a:t>Extract</a:t>
+            </a:r>
+            <a:endParaRPr lang="en-CA" sz="2400" dirty="0"/>
+          </a:p>
+        </p:txBody>
+      </p:sp>
+      <p:cxnSp>
+        <p:nvCxnSpPr>
+          <p:cNvPr id="21" name="Straight Arrow Connector 20"/>
+          <p:cNvCxnSpPr>
+            <a:stCxn id="5" idx="2"/>
+            <a:endCxn id="12" idx="0"/>
+          </p:cNvCxnSpPr>
+          <p:nvPr/>
+        </p:nvCxnSpPr>
+        <p:spPr>
+          <a:xfrm>
+            <a:off x="5503720" y="3075711"/>
+            <a:ext cx="904" cy="458296"/>
+          </a:xfrm>
+          <a:prstGeom prst="straightConnector1">
+            <a:avLst/>
+          </a:prstGeom>
+          <a:ln w="76200">
+            <a:solidFill>
+              <a:schemeClr val="tx1"/>
+            </a:solidFill>
+            <a:tailEnd type="triangle"/>
+          </a:ln>
+        </p:spPr>
+        <p:style>
+          <a:lnRef idx="1">
+            <a:schemeClr val="accent1"/>
+          </a:lnRef>
+          <a:fillRef idx="0">
+            <a:schemeClr val="accent1"/>
+          </a:fillRef>
+          <a:effectRef idx="0">
+            <a:schemeClr val="accent1"/>
+          </a:effectRef>
+          <a:fontRef idx="minor">
+            <a:schemeClr val="tx1"/>
+          </a:fontRef>
+        </p:style>
+      </p:cxnSp>
+      <p:sp>
+        <p:nvSpPr>
+          <p:cNvPr id="22" name="TextBox 21"/>
+          <p:cNvSpPr txBox="1"/>
+          <p:nvPr/>
+        </p:nvSpPr>
+        <p:spPr>
+          <a:xfrm>
+            <a:off x="5612631" y="3056773"/>
+            <a:ext cx="1348509" cy="461665"/>
+          </a:xfrm>
+          <a:prstGeom prst="rect">
+            <a:avLst/>
+          </a:prstGeom>
+          <a:noFill/>
+        </p:spPr>
+        <p:txBody>
+          <a:bodyPr wrap="square" rtlCol="0">
+            <a:spAutoFit/>
+          </a:bodyPr>
+          <a:lstStyle/>
+          <a:p>
+            <a:r>
+              <a:rPr lang="en-US" sz="2400" dirty="0" smtClean="0"/>
+              <a:t>Extract</a:t>
+            </a:r>
+            <a:endParaRPr lang="en-CA" sz="2400" dirty="0"/>
+          </a:p>
+        </p:txBody>
+      </p:sp>
+      <p:sp>
+        <p:nvSpPr>
+          <p:cNvPr id="25" name="Rectangle 24"/>
+          <p:cNvSpPr/>
+          <p:nvPr/>
+        </p:nvSpPr>
+        <p:spPr>
+          <a:xfrm>
+            <a:off x="877259" y="3405577"/>
+            <a:ext cx="2318518" cy="1154546"/>
+          </a:xfrm>
+          <a:prstGeom prst="rect">
+            <a:avLst/>
+          </a:prstGeom>
+          <a:solidFill>
+            <a:schemeClr val="accent1">
+              <a:lumMod val="60000"/>
+              <a:lumOff val="40000"/>
+            </a:schemeClr>
+          </a:solidFill>
+          <a:ln>
+            <a:solidFill>
+              <a:schemeClr val="tx1"/>
+            </a:solidFill>
+          </a:ln>
+        </p:spPr>
+        <p:style>
+          <a:lnRef idx="2">
+            <a:schemeClr val="accent1">
+              <a:shade val="50000"/>
+            </a:schemeClr>
+          </a:lnRef>
+          <a:fillRef idx="1">
+            <a:schemeClr val="accent1"/>
+          </a:fillRef>
+          <a:effectRef idx="0">
+            <a:schemeClr val="accent1"/>
+          </a:effectRef>
+          <a:fontRef idx="minor">
+            <a:schemeClr val="lt1"/>
+          </a:fontRef>
+        </p:style>
+        <p:txBody>
+          <a:bodyPr rtlCol="0" anchor="ctr"/>
+          <a:lstStyle/>
+          <a:p>
+            <a:pPr algn="ctr"/>
+            <a:r>
+              <a:rPr lang="en-US" sz="3200" dirty="0" smtClean="0">
+                <a:solidFill>
+                  <a:schemeClr val="tx1"/>
+                </a:solidFill>
+              </a:rPr>
+              <a:t>Base score equation</a:t>
+            </a:r>
+            <a:endParaRPr lang="en-CA" sz="3200" dirty="0">
+              <a:solidFill>
+                <a:schemeClr val="tx1"/>
+              </a:solidFill>
+            </a:endParaRPr>
+          </a:p>
+        </p:txBody>
+      </p:sp>
+      <p:sp>
+        <p:nvSpPr>
+          <p:cNvPr id="26" name="Rectangle 25"/>
+          <p:cNvSpPr/>
+          <p:nvPr/>
+        </p:nvSpPr>
+        <p:spPr>
+          <a:xfrm>
+            <a:off x="877258" y="5219576"/>
+            <a:ext cx="2318519" cy="1154546"/>
+          </a:xfrm>
+          <a:prstGeom prst="rect">
+            <a:avLst/>
+          </a:prstGeom>
+          <a:solidFill>
+            <a:schemeClr val="accent1">
+              <a:lumMod val="60000"/>
+              <a:lumOff val="40000"/>
+            </a:schemeClr>
+          </a:solidFill>
+          <a:ln>
+            <a:solidFill>
+              <a:schemeClr val="tx1"/>
+            </a:solidFill>
+          </a:ln>
+        </p:spPr>
+        <p:style>
+          <a:lnRef idx="2">
+            <a:schemeClr val="accent1">
+              <a:shade val="50000"/>
+            </a:schemeClr>
+          </a:lnRef>
+          <a:fillRef idx="1">
+            <a:schemeClr val="accent1"/>
+          </a:fillRef>
+          <a:effectRef idx="0">
+            <a:schemeClr val="accent1"/>
+          </a:effectRef>
+          <a:fontRef idx="minor">
+            <a:schemeClr val="lt1"/>
+          </a:fontRef>
+        </p:style>
+        <p:txBody>
+          <a:bodyPr rtlCol="0" anchor="ctr"/>
+          <a:lstStyle/>
+          <a:p>
+            <a:pPr algn="ctr"/>
+            <a:r>
+              <a:rPr lang="en-US" sz="3200" dirty="0" smtClean="0">
+                <a:solidFill>
+                  <a:schemeClr val="tx1"/>
+                </a:solidFill>
+              </a:rPr>
+              <a:t>Equation parameters</a:t>
+            </a:r>
+            <a:endParaRPr lang="en-CA" sz="3200" dirty="0">
+              <a:solidFill>
+                <a:schemeClr val="tx1"/>
+              </a:solidFill>
+            </a:endParaRPr>
+          </a:p>
+        </p:txBody>
+      </p:sp>
+      <p:cxnSp>
+        <p:nvCxnSpPr>
+          <p:cNvPr id="31" name="Straight Arrow Connector 30"/>
+          <p:cNvCxnSpPr>
+            <a:stCxn id="25" idx="2"/>
+            <a:endCxn id="26" idx="0"/>
+          </p:cNvCxnSpPr>
+          <p:nvPr/>
+        </p:nvCxnSpPr>
+        <p:spPr>
+          <a:xfrm>
+            <a:off x="2036518" y="4560123"/>
+            <a:ext cx="0" cy="659453"/>
+          </a:xfrm>
+          <a:prstGeom prst="straightConnector1">
+            <a:avLst/>
+          </a:prstGeom>
+          <a:ln w="76200">
+            <a:solidFill>
+              <a:schemeClr val="tx1"/>
+            </a:solidFill>
+            <a:tailEnd type="triangle"/>
+          </a:ln>
+        </p:spPr>
+        <p:style>
+          <a:lnRef idx="1">
+            <a:schemeClr val="accent1"/>
+          </a:lnRef>
+          <a:fillRef idx="0">
+            <a:schemeClr val="accent1"/>
+          </a:fillRef>
+          <a:effectRef idx="0">
+            <a:schemeClr val="accent1"/>
+          </a:effectRef>
+          <a:fontRef idx="minor">
+            <a:schemeClr val="tx1"/>
+          </a:fontRef>
+        </p:style>
+      </p:cxnSp>
+      <p:sp>
+        <p:nvSpPr>
+          <p:cNvPr id="32" name="TextBox 31"/>
+          <p:cNvSpPr txBox="1"/>
+          <p:nvPr/>
+        </p:nvSpPr>
+        <p:spPr>
+          <a:xfrm>
+            <a:off x="2098627" y="4651247"/>
+            <a:ext cx="1787236" cy="461665"/>
+          </a:xfrm>
+          <a:prstGeom prst="rect">
+            <a:avLst/>
+          </a:prstGeom>
+          <a:noFill/>
+        </p:spPr>
+        <p:txBody>
+          <a:bodyPr wrap="square" rtlCol="0">
+            <a:spAutoFit/>
+          </a:bodyPr>
+          <a:lstStyle/>
+          <a:p>
+            <a:r>
+              <a:rPr lang="en-US" sz="2400" dirty="0" smtClean="0"/>
+              <a:t>Select</a:t>
+            </a:r>
+            <a:endParaRPr lang="en-CA" sz="2400" dirty="0"/>
+          </a:p>
+        </p:txBody>
+      </p:sp>
+      <p:cxnSp>
+        <p:nvCxnSpPr>
+          <p:cNvPr id="36" name="Straight Arrow Connector 35"/>
+          <p:cNvCxnSpPr>
+            <a:stCxn id="26" idx="3"/>
+            <a:endCxn id="44" idx="1"/>
+          </p:cNvCxnSpPr>
+          <p:nvPr/>
+        </p:nvCxnSpPr>
+        <p:spPr>
+          <a:xfrm>
+            <a:off x="3195777" y="5796849"/>
+            <a:ext cx="1041156" cy="0"/>
+          </a:xfrm>
+          <a:prstGeom prst="straightConnector1">
+            <a:avLst/>
+          </a:prstGeom>
+          <a:ln w="76200">
+            <a:solidFill>
+              <a:schemeClr val="tx1"/>
+            </a:solidFill>
+            <a:tailEnd type="triangle"/>
+          </a:ln>
+        </p:spPr>
+        <p:style>
+          <a:lnRef idx="1">
+            <a:schemeClr val="accent1"/>
+          </a:lnRef>
+          <a:fillRef idx="0">
+            <a:schemeClr val="accent1"/>
+          </a:fillRef>
+          <a:effectRef idx="0">
+            <a:schemeClr val="accent1"/>
+          </a:effectRef>
+          <a:fontRef idx="minor">
+            <a:schemeClr val="tx1"/>
+          </a:fontRef>
+        </p:style>
+      </p:cxnSp>
+      <p:sp>
+        <p:nvSpPr>
+          <p:cNvPr id="44" name="Rectangle 43"/>
+          <p:cNvSpPr/>
+          <p:nvPr/>
+        </p:nvSpPr>
+        <p:spPr>
+          <a:xfrm>
+            <a:off x="4236933" y="5214957"/>
+            <a:ext cx="2535382" cy="1163783"/>
+          </a:xfrm>
+          <a:prstGeom prst="rect">
+            <a:avLst/>
+          </a:prstGeom>
+          <a:solidFill>
+            <a:schemeClr val="accent1">
+              <a:lumMod val="60000"/>
+              <a:lumOff val="40000"/>
+            </a:schemeClr>
+          </a:solidFill>
+          <a:ln>
+            <a:solidFill>
+              <a:schemeClr val="tx1"/>
+            </a:solidFill>
+          </a:ln>
+        </p:spPr>
+        <p:style>
+          <a:lnRef idx="2">
+            <a:schemeClr val="accent1">
+              <a:shade val="50000"/>
+            </a:schemeClr>
+          </a:lnRef>
+          <a:fillRef idx="1">
+            <a:schemeClr val="accent1"/>
+          </a:fillRef>
+          <a:effectRef idx="0">
+            <a:schemeClr val="accent1"/>
+          </a:effectRef>
+          <a:fontRef idx="minor">
+            <a:schemeClr val="lt1"/>
+          </a:fontRef>
+        </p:style>
+        <p:txBody>
+          <a:bodyPr rtlCol="0" anchor="ctr"/>
+          <a:lstStyle/>
+          <a:p>
+            <a:pPr algn="ctr"/>
+            <a:r>
+              <a:rPr lang="en-US" sz="3200" dirty="0" smtClean="0">
+                <a:solidFill>
+                  <a:schemeClr val="tx1"/>
+                </a:solidFill>
+              </a:rPr>
+              <a:t>Recast equation</a:t>
+            </a:r>
+            <a:endParaRPr lang="en-CA" sz="3200" dirty="0">
+              <a:solidFill>
+                <a:schemeClr val="tx1"/>
+              </a:solidFill>
+            </a:endParaRPr>
+          </a:p>
+        </p:txBody>
+      </p:sp>
+      <p:sp>
+        <p:nvSpPr>
+          <p:cNvPr id="48" name="TextBox 47"/>
+          <p:cNvSpPr txBox="1"/>
+          <p:nvPr/>
+        </p:nvSpPr>
+        <p:spPr>
+          <a:xfrm>
+            <a:off x="3139783" y="4873335"/>
+            <a:ext cx="1787236" cy="830997"/>
+          </a:xfrm>
+          <a:prstGeom prst="rect">
+            <a:avLst/>
+          </a:prstGeom>
+          <a:noFill/>
+        </p:spPr>
+        <p:txBody>
+          <a:bodyPr wrap="square" rtlCol="0">
+            <a:spAutoFit/>
+          </a:bodyPr>
+          <a:lstStyle/>
+          <a:p>
+            <a:r>
+              <a:rPr lang="en-US" sz="2400" dirty="0" smtClean="0"/>
+              <a:t>Iterate search</a:t>
+            </a:r>
+            <a:endParaRPr lang="en-CA" sz="2400" dirty="0"/>
+          </a:p>
+        </p:txBody>
+      </p:sp>
+      <p:sp>
+        <p:nvSpPr>
+          <p:cNvPr id="57" name="Rectangle 56"/>
+          <p:cNvSpPr/>
+          <p:nvPr/>
+        </p:nvSpPr>
+        <p:spPr>
+          <a:xfrm>
+            <a:off x="8199972" y="5221636"/>
+            <a:ext cx="2535382" cy="1163783"/>
+          </a:xfrm>
+          <a:prstGeom prst="rect">
+            <a:avLst/>
+          </a:prstGeom>
+          <a:solidFill>
+            <a:schemeClr val="accent1">
+              <a:lumMod val="60000"/>
+              <a:lumOff val="40000"/>
+            </a:schemeClr>
+          </a:solidFill>
+          <a:ln>
+            <a:solidFill>
+              <a:schemeClr val="tx1"/>
+            </a:solidFill>
+          </a:ln>
+        </p:spPr>
+        <p:style>
+          <a:lnRef idx="2">
+            <a:schemeClr val="accent1">
+              <a:shade val="50000"/>
+            </a:schemeClr>
+          </a:lnRef>
+          <a:fillRef idx="1">
+            <a:schemeClr val="accent1"/>
+          </a:fillRef>
+          <a:effectRef idx="0">
+            <a:schemeClr val="accent1"/>
+          </a:effectRef>
+          <a:fontRef idx="minor">
+            <a:schemeClr val="lt1"/>
+          </a:fontRef>
+        </p:style>
+        <p:txBody>
+          <a:bodyPr rtlCol="0" anchor="ctr"/>
+          <a:lstStyle/>
+          <a:p>
+            <a:pPr algn="ctr"/>
+            <a:r>
+              <a:rPr lang="en-US" sz="3200" dirty="0" smtClean="0">
+                <a:solidFill>
+                  <a:schemeClr val="tx1"/>
+                </a:solidFill>
+              </a:rPr>
+              <a:t>New scores</a:t>
+            </a:r>
+            <a:endParaRPr lang="en-CA" sz="3200" dirty="0">
+              <a:solidFill>
+                <a:schemeClr val="tx1"/>
+              </a:solidFill>
+            </a:endParaRPr>
+          </a:p>
+        </p:txBody>
+      </p:sp>
+      <p:cxnSp>
+        <p:nvCxnSpPr>
+          <p:cNvPr id="59" name="Straight Arrow Connector 58"/>
+          <p:cNvCxnSpPr>
+            <a:stCxn id="12" idx="2"/>
+            <a:endCxn id="44" idx="0"/>
+          </p:cNvCxnSpPr>
+          <p:nvPr/>
+        </p:nvCxnSpPr>
+        <p:spPr>
+          <a:xfrm>
+            <a:off x="5504624" y="4675948"/>
+            <a:ext cx="0" cy="539009"/>
+          </a:xfrm>
+          <a:prstGeom prst="straightConnector1">
+            <a:avLst/>
+          </a:prstGeom>
+          <a:ln w="76200">
+            <a:solidFill>
+              <a:schemeClr val="tx1"/>
+            </a:solidFill>
+            <a:tailEnd type="triangle"/>
+          </a:ln>
+        </p:spPr>
+        <p:style>
+          <a:lnRef idx="1">
+            <a:schemeClr val="accent1"/>
+          </a:lnRef>
+          <a:fillRef idx="0">
+            <a:schemeClr val="accent1"/>
+          </a:fillRef>
+          <a:effectRef idx="0">
+            <a:schemeClr val="accent1"/>
+          </a:effectRef>
+          <a:fontRef idx="minor">
+            <a:schemeClr val="tx1"/>
+          </a:fontRef>
+        </p:style>
+      </p:cxnSp>
+      <p:sp>
+        <p:nvSpPr>
+          <p:cNvPr id="72" name="TextBox 71"/>
+          <p:cNvSpPr txBox="1"/>
+          <p:nvPr/>
+        </p:nvSpPr>
+        <p:spPr>
+          <a:xfrm>
+            <a:off x="5612630" y="4691517"/>
+            <a:ext cx="2081261" cy="461665"/>
+          </a:xfrm>
+          <a:prstGeom prst="rect">
+            <a:avLst/>
+          </a:prstGeom>
+          <a:noFill/>
+        </p:spPr>
+        <p:txBody>
+          <a:bodyPr wrap="square" rtlCol="0">
+            <a:spAutoFit/>
+          </a:bodyPr>
+          <a:lstStyle/>
+          <a:p>
+            <a:r>
+              <a:rPr lang="en-US" sz="2400" dirty="0" smtClean="0"/>
+              <a:t>Input metrics</a:t>
+            </a:r>
+            <a:endParaRPr lang="en-CA" sz="2400" dirty="0"/>
+          </a:p>
+        </p:txBody>
+      </p:sp>
+      <p:cxnSp>
+        <p:nvCxnSpPr>
+          <p:cNvPr id="74" name="Straight Arrow Connector 73"/>
+          <p:cNvCxnSpPr>
+            <a:stCxn id="44" idx="3"/>
+            <a:endCxn id="57" idx="1"/>
+          </p:cNvCxnSpPr>
+          <p:nvPr/>
+        </p:nvCxnSpPr>
+        <p:spPr>
+          <a:xfrm>
+            <a:off x="6772315" y="5796849"/>
+            <a:ext cx="1427657" cy="6679"/>
+          </a:xfrm>
+          <a:prstGeom prst="straightConnector1">
+            <a:avLst/>
+          </a:prstGeom>
+          <a:ln w="76200">
+            <a:solidFill>
+              <a:schemeClr val="tx1"/>
+            </a:solidFill>
+            <a:tailEnd type="triangle"/>
+          </a:ln>
+        </p:spPr>
+        <p:style>
+          <a:lnRef idx="1">
+            <a:schemeClr val="accent1"/>
+          </a:lnRef>
+          <a:fillRef idx="0">
+            <a:schemeClr val="accent1"/>
+          </a:fillRef>
+          <a:effectRef idx="0">
+            <a:schemeClr val="accent1"/>
+          </a:effectRef>
+          <a:fontRef idx="minor">
+            <a:schemeClr val="tx1"/>
+          </a:fontRef>
+        </p:style>
+      </p:cxnSp>
+      <p:sp>
+        <p:nvSpPr>
+          <p:cNvPr id="75" name="TextBox 74"/>
+          <p:cNvSpPr txBox="1"/>
+          <p:nvPr/>
+        </p:nvSpPr>
+        <p:spPr>
+          <a:xfrm>
+            <a:off x="6772840" y="5252933"/>
+            <a:ext cx="2081261" cy="461665"/>
+          </a:xfrm>
+          <a:prstGeom prst="rect">
+            <a:avLst/>
+          </a:prstGeom>
+          <a:noFill/>
+        </p:spPr>
+        <p:txBody>
+          <a:bodyPr wrap="square" rtlCol="0">
+            <a:spAutoFit/>
+          </a:bodyPr>
+          <a:lstStyle/>
+          <a:p>
+            <a:r>
+              <a:rPr lang="en-US" sz="2400" dirty="0" smtClean="0"/>
+              <a:t>Compute</a:t>
+            </a:r>
+            <a:endParaRPr lang="en-CA" sz="2400" dirty="0"/>
+          </a:p>
+        </p:txBody>
+      </p:sp>
+      <p:sp>
+        <p:nvSpPr>
+          <p:cNvPr id="78" name="Rectangle 77"/>
+          <p:cNvSpPr/>
+          <p:nvPr/>
+        </p:nvSpPr>
+        <p:spPr>
+          <a:xfrm>
+            <a:off x="8199972" y="3548143"/>
+            <a:ext cx="2535382" cy="1163783"/>
+          </a:xfrm>
+          <a:prstGeom prst="rect">
+            <a:avLst/>
+          </a:prstGeom>
+          <a:solidFill>
+            <a:schemeClr val="accent1">
+              <a:lumMod val="60000"/>
+              <a:lumOff val="40000"/>
+            </a:schemeClr>
+          </a:solidFill>
+          <a:ln>
+            <a:solidFill>
+              <a:schemeClr val="tx1"/>
+            </a:solidFill>
+          </a:ln>
+        </p:spPr>
+        <p:style>
+          <a:lnRef idx="2">
+            <a:schemeClr val="accent1">
+              <a:shade val="50000"/>
+            </a:schemeClr>
+          </a:lnRef>
+          <a:fillRef idx="1">
+            <a:schemeClr val="accent1"/>
+          </a:fillRef>
+          <a:effectRef idx="0">
+            <a:schemeClr val="accent1"/>
+          </a:effectRef>
+          <a:fontRef idx="minor">
+            <a:schemeClr val="lt1"/>
+          </a:fontRef>
+        </p:style>
+        <p:txBody>
+          <a:bodyPr rtlCol="0" anchor="ctr"/>
+          <a:lstStyle/>
+          <a:p>
+            <a:pPr algn="ctr"/>
+            <a:r>
+              <a:rPr lang="en-US" sz="3200" dirty="0" smtClean="0">
+                <a:solidFill>
+                  <a:schemeClr val="tx1"/>
+                </a:solidFill>
+              </a:rPr>
+              <a:t>Prediction metrics</a:t>
+            </a:r>
+            <a:endParaRPr lang="en-CA" sz="3200" dirty="0">
+              <a:solidFill>
+                <a:schemeClr val="tx1"/>
+              </a:solidFill>
+            </a:endParaRPr>
+          </a:p>
+        </p:txBody>
+      </p:sp>
+      <p:cxnSp>
+        <p:nvCxnSpPr>
+          <p:cNvPr id="81" name="Straight Arrow Connector 80"/>
+          <p:cNvCxnSpPr>
+            <a:stCxn id="13" idx="2"/>
+            <a:endCxn id="78" idx="0"/>
+          </p:cNvCxnSpPr>
+          <p:nvPr/>
+        </p:nvCxnSpPr>
+        <p:spPr>
+          <a:xfrm>
+            <a:off x="9467663" y="3075245"/>
+            <a:ext cx="0" cy="472898"/>
+          </a:xfrm>
+          <a:prstGeom prst="straightConnector1">
+            <a:avLst/>
+          </a:prstGeom>
+          <a:ln w="76200">
+            <a:solidFill>
+              <a:schemeClr val="tx1"/>
+            </a:solidFill>
+            <a:tailEnd type="triangle"/>
+          </a:ln>
+        </p:spPr>
+        <p:style>
+          <a:lnRef idx="1">
+            <a:schemeClr val="accent1"/>
+          </a:lnRef>
+          <a:fillRef idx="0">
+            <a:schemeClr val="accent1"/>
+          </a:fillRef>
+          <a:effectRef idx="0">
+            <a:schemeClr val="accent1"/>
+          </a:effectRef>
+          <a:fontRef idx="minor">
+            <a:schemeClr val="tx1"/>
+          </a:fontRef>
+        </p:style>
+      </p:cxnSp>
+      <p:cxnSp>
+        <p:nvCxnSpPr>
+          <p:cNvPr id="83" name="Straight Arrow Connector 82"/>
+          <p:cNvCxnSpPr>
+            <a:stCxn id="57" idx="0"/>
+            <a:endCxn id="78" idx="2"/>
+          </p:cNvCxnSpPr>
+          <p:nvPr/>
+        </p:nvCxnSpPr>
+        <p:spPr>
+          <a:xfrm flipV="1">
+            <a:off x="9467663" y="4711926"/>
+            <a:ext cx="0" cy="509710"/>
+          </a:xfrm>
+          <a:prstGeom prst="straightConnector1">
+            <a:avLst/>
+          </a:prstGeom>
+          <a:ln w="76200">
+            <a:solidFill>
+              <a:schemeClr val="tx1"/>
+            </a:solidFill>
+            <a:tailEnd type="triangle"/>
+          </a:ln>
+        </p:spPr>
+        <p:style>
+          <a:lnRef idx="1">
+            <a:schemeClr val="accent1"/>
+          </a:lnRef>
+          <a:fillRef idx="0">
+            <a:schemeClr val="accent1"/>
+          </a:fillRef>
+          <a:effectRef idx="0">
+            <a:schemeClr val="accent1"/>
+          </a:effectRef>
+          <a:fontRef idx="minor">
+            <a:schemeClr val="tx1"/>
+          </a:fontRef>
+        </p:style>
+      </p:cxnSp>
+    </p:spTree>
+    <p:extLst>
+      <p:ext uri="{BB962C8B-B14F-4D97-AF65-F5344CB8AC3E}">
+        <p14:creationId xmlns:p14="http://schemas.microsoft.com/office/powerpoint/2010/main" val="1935123105"/>
+      </p:ext>
+    </p:extLst>
+  </p:cSld>
+  <p:clrMapOvr>
+    <a:masterClrMapping/>
+  </p:clrMapOvr>
+  <p:timing>
+    <p:tnLst>
+      <p:par>
+        <p:cTn id="1" dur="indefinite" restart="never" nodeType="tmRoot"/>
+      </p:par>
+    </p:tnLst>
+  </p:timing>
+</p:sld>
+</file>
+
+<file path=ppt/slides/slide32.xml><?xml version="1.0" encoding="utf-8"?>
+<p:sld xmlns:a="http://schemas.openxmlformats.org/drawingml/2006/main" xmlns:r="http://schemas.openxmlformats.org/officeDocument/2006/relationships" xmlns:p="http://schemas.openxmlformats.org/presentationml/2006/main">
+  <p:cSld>
+    <p:spTree>
+      <p:nvGrpSpPr>
+        <p:cNvPr id="1" name=""/>
+        <p:cNvGrpSpPr/>
+        <p:nvPr/>
+      </p:nvGrpSpPr>
+      <p:grpSpPr>
+        <a:xfrm>
+          <a:off x="0" y="0"/>
+          <a:ext cx="0" cy="0"/>
+          <a:chOff x="0" y="0"/>
+          <a:chExt cx="0" cy="0"/>
+        </a:xfrm>
+      </p:grpSpPr>
+      <p:sp>
+        <p:nvSpPr>
+          <p:cNvPr id="2" name="Title 1"/>
+          <p:cNvSpPr>
+            <a:spLocks noGrp="1"/>
+          </p:cNvSpPr>
+          <p:nvPr>
+            <p:ph type="title"/>
+          </p:nvPr>
+        </p:nvSpPr>
+        <p:spPr>
+          <a:xfrm>
+            <a:off x="677334" y="609599"/>
+            <a:ext cx="9685866" cy="840510"/>
+          </a:xfrm>
+        </p:spPr>
+        <p:txBody>
+          <a:bodyPr>
+            <a:normAutofit/>
+          </a:bodyPr>
+          <a:lstStyle/>
+          <a:p>
+            <a:r>
+              <a:rPr lang="en-US" sz="4800" dirty="0">
+                <a:solidFill>
+                  <a:schemeClr val="tx1"/>
+                </a:solidFill>
+              </a:rPr>
+              <a:t>Proposal – Implications</a:t>
+            </a:r>
+            <a:endParaRPr lang="en-CA" sz="4800" dirty="0">
+              <a:solidFill>
+                <a:schemeClr val="tx1"/>
+              </a:solidFill>
+            </a:endParaRPr>
+          </a:p>
+        </p:txBody>
+      </p:sp>
+      <p:sp>
+        <p:nvSpPr>
+          <p:cNvPr id="16" name="Content Placeholder 2"/>
+          <p:cNvSpPr>
+            <a:spLocks noGrp="1"/>
+          </p:cNvSpPr>
+          <p:nvPr>
+            <p:ph sz="half" idx="1"/>
+          </p:nvPr>
+        </p:nvSpPr>
+        <p:spPr>
+          <a:xfrm>
+            <a:off x="677331" y="1366980"/>
+            <a:ext cx="9251759" cy="4322619"/>
+          </a:xfrm>
+        </p:spPr>
+        <p:txBody>
+          <a:bodyPr anchor="ctr">
+            <a:normAutofit/>
+          </a:bodyPr>
+          <a:lstStyle/>
+          <a:p>
+            <a:pPr>
+              <a:buClr>
+                <a:schemeClr val="tx1"/>
+              </a:buClr>
+            </a:pPr>
+            <a:r>
+              <a:rPr lang="en-US" sz="3600" dirty="0" smtClean="0">
+                <a:solidFill>
+                  <a:schemeClr val="tx1"/>
+                </a:solidFill>
+              </a:rPr>
+              <a:t>Positive results may suggest:</a:t>
+            </a:r>
+          </a:p>
+          <a:p>
+            <a:pPr lvl="1">
+              <a:buClr>
+                <a:schemeClr val="tx1"/>
+              </a:buClr>
+            </a:pPr>
+            <a:r>
+              <a:rPr lang="en-US" sz="2400" dirty="0" smtClean="0">
+                <a:solidFill>
+                  <a:schemeClr val="tx1"/>
+                </a:solidFill>
+              </a:rPr>
+              <a:t>Aspects of base score equation to improve</a:t>
+            </a:r>
+            <a:endParaRPr lang="en-US" sz="2400" dirty="0" smtClean="0">
+              <a:solidFill>
+                <a:schemeClr val="tx1"/>
+              </a:solidFill>
+            </a:endParaRPr>
+          </a:p>
+          <a:p>
+            <a:pPr>
+              <a:buClr>
+                <a:schemeClr val="tx1"/>
+              </a:buClr>
+            </a:pPr>
+            <a:r>
+              <a:rPr lang="en-US" sz="3600" dirty="0" smtClean="0">
+                <a:solidFill>
+                  <a:schemeClr val="tx1"/>
+                </a:solidFill>
+              </a:rPr>
+              <a:t>Negative results may suggest:</a:t>
+            </a:r>
+          </a:p>
+          <a:p>
+            <a:pPr lvl="1">
+              <a:buClr>
+                <a:schemeClr val="tx1"/>
+              </a:buClr>
+            </a:pPr>
+            <a:r>
+              <a:rPr lang="en-US" sz="2400" dirty="0">
+                <a:solidFill>
+                  <a:schemeClr val="tx1"/>
+                </a:solidFill>
+              </a:rPr>
+              <a:t>Limitations inherent in equation</a:t>
+            </a:r>
+            <a:endParaRPr lang="en-US" sz="2400" dirty="0" smtClean="0">
+              <a:solidFill>
+                <a:schemeClr val="tx1"/>
+              </a:solidFill>
+            </a:endParaRPr>
+          </a:p>
+          <a:p>
+            <a:pPr marL="0" indent="0">
+              <a:buClr>
+                <a:schemeClr val="tx1"/>
+              </a:buClr>
+              <a:buNone/>
+            </a:pPr>
+            <a:endParaRPr lang="en-US" sz="3600" dirty="0" smtClean="0">
+              <a:solidFill>
+                <a:schemeClr val="tx1"/>
+              </a:solidFill>
+            </a:endParaRPr>
+          </a:p>
+        </p:txBody>
+      </p:sp>
+    </p:spTree>
+    <p:extLst>
+      <p:ext uri="{BB962C8B-B14F-4D97-AF65-F5344CB8AC3E}">
+        <p14:creationId xmlns:p14="http://schemas.microsoft.com/office/powerpoint/2010/main" val="2229282871"/>
+      </p:ext>
+    </p:extLst>
+  </p:cSld>
+  <p:clrMapOvr>
+    <a:masterClrMapping/>
+  </p:clrMapOvr>
+  <p:timing>
+    <p:tnLst>
+      <p:par>
+        <p:cTn id="1" dur="indefinite" restart="never" nodeType="tmRoot"/>
+      </p:par>
+    </p:tnLst>
+  </p:timing>
+</p:sld>
+</file>
+
+<file path=ppt/slides/slide33.xml><?xml version="1.0" encoding="utf-8"?>
+<p:sld xmlns:a="http://schemas.openxmlformats.org/drawingml/2006/main" xmlns:r="http://schemas.openxmlformats.org/officeDocument/2006/relationships" xmlns:p="http://schemas.openxmlformats.org/presentationml/2006/main">
+  <p:cSld>
+    <p:spTree>
+      <p:nvGrpSpPr>
+        <p:cNvPr id="1" name=""/>
+        <p:cNvGrpSpPr/>
+        <p:nvPr/>
+      </p:nvGrpSpPr>
+      <p:grpSpPr>
+        <a:xfrm>
+          <a:off x="0" y="0"/>
+          <a:ext cx="0" cy="0"/>
+          <a:chOff x="0" y="0"/>
+          <a:chExt cx="0" cy="0"/>
+        </a:xfrm>
+      </p:grpSpPr>
+      <p:sp>
+        <p:nvSpPr>
+          <p:cNvPr id="2" name="Title 1"/>
+          <p:cNvSpPr>
+            <a:spLocks noGrp="1"/>
+          </p:cNvSpPr>
+          <p:nvPr>
+            <p:ph type="ctrTitle"/>
+          </p:nvPr>
+        </p:nvSpPr>
+        <p:spPr>
+          <a:xfrm>
+            <a:off x="3865803" y="2605849"/>
+            <a:ext cx="4460394" cy="1646302"/>
+          </a:xfrm>
+        </p:spPr>
+        <p:txBody>
+          <a:bodyPr/>
+          <a:lstStyle/>
+          <a:p>
+            <a:pPr algn="ctr"/>
+            <a:r>
+              <a:rPr lang="en-US" sz="6600" dirty="0" smtClean="0">
+                <a:solidFill>
+                  <a:schemeClr val="tx1"/>
+                </a:solidFill>
+              </a:rPr>
+              <a:t>Thank you!</a:t>
+            </a:r>
+            <a:br>
+              <a:rPr lang="en-US" sz="6600" dirty="0" smtClean="0">
+                <a:solidFill>
+                  <a:schemeClr val="tx1"/>
+                </a:solidFill>
+              </a:rPr>
+            </a:br>
+            <a:r>
+              <a:rPr lang="en-US" sz="6600" dirty="0" smtClean="0">
+                <a:solidFill>
+                  <a:schemeClr val="tx1"/>
+                </a:solidFill>
+              </a:rPr>
+              <a:t>Questions?</a:t>
+            </a:r>
+            <a:endParaRPr lang="en-CA" sz="6600" dirty="0">
+              <a:solidFill>
+                <a:schemeClr val="tx1"/>
+              </a:solidFill>
+            </a:endParaRPr>
+          </a:p>
+        </p:txBody>
+      </p:sp>
+    </p:spTree>
+    <p:extLst>
+      <p:ext uri="{BB962C8B-B14F-4D97-AF65-F5344CB8AC3E}">
+        <p14:creationId xmlns:p14="http://schemas.microsoft.com/office/powerpoint/2010/main" val="4163721456"/>
+      </p:ext>
+    </p:extLst>
+  </p:cSld>
+  <p:clrMapOvr>
+    <a:masterClrMapping/>
+  </p:clrMapOvr>
+</p:sld>
+</file>
+
+<file path=ppt/slides/slide34.xml><?xml version="1.0" encoding="utf-8"?>
+<p:sld xmlns:a="http://schemas.openxmlformats.org/drawingml/2006/main" xmlns:r="http://schemas.openxmlformats.org/officeDocument/2006/relationships" xmlns:p="http://schemas.openxmlformats.org/presentationml/2006/main">
+  <p:cSld>
+    <p:spTree>
+      <p:nvGrpSpPr>
+        <p:cNvPr id="1" name=""/>
+        <p:cNvGrpSpPr/>
+        <p:nvPr/>
+      </p:nvGrpSpPr>
+      <p:grpSpPr>
+        <a:xfrm>
+          <a:off x="0" y="0"/>
+          <a:ext cx="0" cy="0"/>
+          <a:chOff x="0" y="0"/>
+          <a:chExt cx="0" cy="0"/>
+        </a:xfrm>
+      </p:grpSpPr>
+      <p:sp>
+        <p:nvSpPr>
+          <p:cNvPr id="2" name="Title 1"/>
+          <p:cNvSpPr>
+            <a:spLocks noGrp="1"/>
+          </p:cNvSpPr>
+          <p:nvPr>
+            <p:ph type="title"/>
+          </p:nvPr>
+        </p:nvSpPr>
+        <p:spPr>
+          <a:xfrm>
+            <a:off x="677334" y="609599"/>
+            <a:ext cx="9685866" cy="840510"/>
+          </a:xfrm>
+        </p:spPr>
+        <p:txBody>
+          <a:bodyPr>
+            <a:normAutofit/>
+          </a:bodyPr>
+          <a:lstStyle/>
+          <a:p>
+            <a:r>
+              <a:rPr lang="en-US" sz="4800" dirty="0" smtClean="0">
+                <a:solidFill>
+                  <a:schemeClr val="tx1"/>
+                </a:solidFill>
+              </a:rPr>
+              <a:t>References</a:t>
+            </a:r>
+            <a:endParaRPr lang="en-CA" sz="4800" dirty="0">
+              <a:solidFill>
+                <a:schemeClr val="tx1"/>
+              </a:solidFill>
+            </a:endParaRPr>
+          </a:p>
+        </p:txBody>
+      </p:sp>
+      <p:sp>
+        <p:nvSpPr>
+          <p:cNvPr id="16" name="Content Placeholder 2"/>
+          <p:cNvSpPr>
+            <a:spLocks noGrp="1"/>
+          </p:cNvSpPr>
+          <p:nvPr>
+            <p:ph sz="half" idx="1"/>
+          </p:nvPr>
+        </p:nvSpPr>
+        <p:spPr>
+          <a:xfrm>
+            <a:off x="677332" y="1366982"/>
+            <a:ext cx="9929707" cy="4363258"/>
+          </a:xfrm>
+        </p:spPr>
+        <p:txBody>
+          <a:bodyPr>
+            <a:normAutofit lnSpcReduction="10000"/>
+          </a:bodyPr>
+          <a:lstStyle/>
+          <a:p>
+            <a:pPr>
+              <a:buClr>
+                <a:schemeClr val="tx1"/>
+              </a:buClr>
+              <a:buFont typeface="+mj-lt"/>
+              <a:buAutoNum type="arabicPeriod"/>
+            </a:pPr>
+            <a:r>
+              <a:rPr lang="en-CA" dirty="0" err="1" smtClean="0">
+                <a:solidFill>
+                  <a:schemeClr val="tx1"/>
+                </a:solidFill>
+              </a:rPr>
+              <a:t>Allodi</a:t>
+            </a:r>
+            <a:r>
+              <a:rPr lang="en-CA" dirty="0" smtClean="0">
+                <a:solidFill>
+                  <a:schemeClr val="tx1"/>
+                </a:solidFill>
+              </a:rPr>
+              <a:t> </a:t>
+            </a:r>
+            <a:r>
+              <a:rPr lang="en-CA" dirty="0">
+                <a:solidFill>
+                  <a:schemeClr val="tx1"/>
+                </a:solidFill>
+              </a:rPr>
+              <a:t>L, and </a:t>
+            </a:r>
+            <a:r>
+              <a:rPr lang="en-CA" dirty="0" err="1">
+                <a:solidFill>
+                  <a:schemeClr val="tx1"/>
+                </a:solidFill>
+              </a:rPr>
+              <a:t>Massacci</a:t>
+            </a:r>
+            <a:r>
+              <a:rPr lang="en-CA" dirty="0">
+                <a:solidFill>
+                  <a:schemeClr val="tx1"/>
+                </a:solidFill>
+              </a:rPr>
+              <a:t> F. “Comparing Vulnerability Severity and Exploits Using </a:t>
+            </a:r>
+            <a:r>
+              <a:rPr lang="en-CA" dirty="0" smtClean="0">
+                <a:solidFill>
+                  <a:schemeClr val="tx1"/>
+                </a:solidFill>
+              </a:rPr>
+              <a:t>Case Control </a:t>
+            </a:r>
+            <a:r>
+              <a:rPr lang="en-CA" dirty="0">
+                <a:solidFill>
+                  <a:schemeClr val="tx1"/>
+                </a:solidFill>
+              </a:rPr>
+              <a:t>Studies” ACM Transactions on Information and System Security. 2014; </a:t>
+            </a:r>
+            <a:r>
+              <a:rPr lang="en-CA" dirty="0" smtClean="0">
+                <a:solidFill>
+                  <a:schemeClr val="tx1"/>
+                </a:solidFill>
+              </a:rPr>
+              <a:t/>
+            </a:r>
+            <a:br>
+              <a:rPr lang="en-CA" dirty="0" smtClean="0">
+                <a:solidFill>
+                  <a:schemeClr val="tx1"/>
+                </a:solidFill>
+              </a:rPr>
+            </a:br>
+            <a:r>
+              <a:rPr lang="en-CA" dirty="0" smtClean="0">
+                <a:solidFill>
+                  <a:schemeClr val="tx1"/>
+                </a:solidFill>
+              </a:rPr>
+              <a:t>17(1</a:t>
+            </a:r>
+            <a:r>
+              <a:rPr lang="en-CA" dirty="0">
+                <a:solidFill>
+                  <a:schemeClr val="tx1"/>
+                </a:solidFill>
+              </a:rPr>
+              <a:t>):</a:t>
+            </a:r>
+            <a:r>
+              <a:rPr lang="en-CA" dirty="0" smtClean="0">
+                <a:solidFill>
+                  <a:schemeClr val="tx1"/>
+                </a:solidFill>
+              </a:rPr>
+              <a:t>1-20.</a:t>
+            </a:r>
+          </a:p>
+          <a:p>
+            <a:pPr>
+              <a:buClr>
+                <a:schemeClr val="tx1"/>
+              </a:buClr>
+              <a:buFont typeface="+mj-lt"/>
+              <a:buAutoNum type="arabicPeriod"/>
+            </a:pPr>
+            <a:r>
+              <a:rPr lang="en-CA" dirty="0" err="1">
+                <a:solidFill>
+                  <a:schemeClr val="tx1"/>
+                </a:solidFill>
+              </a:rPr>
+              <a:t>Younis</a:t>
+            </a:r>
+            <a:r>
+              <a:rPr lang="en-CA" dirty="0">
+                <a:solidFill>
+                  <a:schemeClr val="tx1"/>
+                </a:solidFill>
+              </a:rPr>
+              <a:t> AA, </a:t>
+            </a:r>
+            <a:r>
+              <a:rPr lang="en-CA" dirty="0" err="1">
+                <a:solidFill>
+                  <a:schemeClr val="tx1"/>
+                </a:solidFill>
+              </a:rPr>
+              <a:t>Malaiya</a:t>
+            </a:r>
+            <a:r>
+              <a:rPr lang="en-CA" dirty="0">
+                <a:solidFill>
+                  <a:schemeClr val="tx1"/>
+                </a:solidFill>
+              </a:rPr>
+              <a:t> YK, and Ray I. “Evaluating CVSS Base Score Using </a:t>
+            </a:r>
+            <a:r>
+              <a:rPr lang="en-CA" dirty="0" smtClean="0">
+                <a:solidFill>
+                  <a:schemeClr val="tx1"/>
+                </a:solidFill>
+              </a:rPr>
+              <a:t>Vulnerability Rewards </a:t>
+            </a:r>
+            <a:r>
+              <a:rPr lang="en-CA" dirty="0">
+                <a:solidFill>
+                  <a:schemeClr val="tx1"/>
+                </a:solidFill>
+              </a:rPr>
+              <a:t>Programs” International Federation for Information Processing. </a:t>
+            </a:r>
+            <a:r>
+              <a:rPr lang="en-CA" dirty="0" smtClean="0">
+                <a:solidFill>
+                  <a:schemeClr val="tx1"/>
+                </a:solidFill>
+              </a:rPr>
+              <a:t>2016;</a:t>
+            </a:r>
+            <a:br>
+              <a:rPr lang="en-CA" dirty="0" smtClean="0">
+                <a:solidFill>
+                  <a:schemeClr val="tx1"/>
+                </a:solidFill>
+              </a:rPr>
+            </a:br>
+            <a:r>
+              <a:rPr lang="en-CA" dirty="0" smtClean="0">
+                <a:solidFill>
+                  <a:schemeClr val="tx1"/>
+                </a:solidFill>
+              </a:rPr>
+              <a:t>471:62 -75</a:t>
+            </a:r>
+            <a:r>
+              <a:rPr lang="en-CA" dirty="0" smtClean="0">
+                <a:solidFill>
+                  <a:schemeClr val="tx1"/>
+                </a:solidFill>
+              </a:rPr>
+              <a:t>.</a:t>
+            </a:r>
+          </a:p>
+          <a:p>
+            <a:pPr>
+              <a:buClr>
+                <a:schemeClr val="tx1"/>
+              </a:buClr>
+              <a:buFont typeface="+mj-lt"/>
+              <a:buAutoNum type="arabicPeriod"/>
+            </a:pPr>
+            <a:r>
+              <a:rPr lang="en-CA" dirty="0" err="1">
+                <a:solidFill>
+                  <a:schemeClr val="tx1"/>
+                </a:solidFill>
+              </a:rPr>
+              <a:t>Khazeai</a:t>
+            </a:r>
+            <a:r>
+              <a:rPr lang="en-CA" dirty="0">
+                <a:solidFill>
+                  <a:schemeClr val="tx1"/>
+                </a:solidFill>
+              </a:rPr>
+              <a:t> A, </a:t>
+            </a:r>
+            <a:r>
+              <a:rPr lang="en-CA" dirty="0" err="1">
+                <a:solidFill>
+                  <a:schemeClr val="tx1"/>
+                </a:solidFill>
+              </a:rPr>
+              <a:t>Ghasemzadeh</a:t>
+            </a:r>
+            <a:r>
+              <a:rPr lang="en-CA" dirty="0">
+                <a:solidFill>
+                  <a:schemeClr val="tx1"/>
+                </a:solidFill>
+              </a:rPr>
+              <a:t> M, and </a:t>
+            </a:r>
+            <a:r>
+              <a:rPr lang="en-CA" dirty="0" err="1">
+                <a:solidFill>
+                  <a:schemeClr val="tx1"/>
+                </a:solidFill>
+              </a:rPr>
+              <a:t>Derhami</a:t>
+            </a:r>
+            <a:r>
+              <a:rPr lang="en-CA" dirty="0">
+                <a:solidFill>
+                  <a:schemeClr val="tx1"/>
+                </a:solidFill>
+              </a:rPr>
+              <a:t> V. “An automatic method for CVSS score </a:t>
+            </a:r>
+            <a:r>
+              <a:rPr lang="en-CA" dirty="0" smtClean="0">
+                <a:solidFill>
+                  <a:schemeClr val="tx1"/>
+                </a:solidFill>
+              </a:rPr>
+              <a:t>prediction </a:t>
+            </a:r>
+            <a:r>
+              <a:rPr lang="en-CA" dirty="0">
+                <a:solidFill>
+                  <a:schemeClr val="tx1"/>
+                </a:solidFill>
+              </a:rPr>
+              <a:t>using vulnerabilities description” Journal of Intelligent &amp; Fuzzy Systems. </a:t>
+            </a:r>
+            <a:r>
+              <a:rPr lang="en-CA" dirty="0" smtClean="0">
+                <a:solidFill>
+                  <a:schemeClr val="tx1"/>
+                </a:solidFill>
+              </a:rPr>
+              <a:t>2016</a:t>
+            </a:r>
+            <a:r>
+              <a:rPr lang="en-CA" dirty="0">
+                <a:solidFill>
+                  <a:schemeClr val="tx1"/>
+                </a:solidFill>
+              </a:rPr>
+              <a:t>; 30:89-96.</a:t>
+            </a:r>
+            <a:endParaRPr lang="en-CA" dirty="0" smtClean="0">
+              <a:solidFill>
+                <a:schemeClr val="tx1"/>
+              </a:solidFill>
+            </a:endParaRPr>
+          </a:p>
+          <a:p>
+            <a:pPr>
+              <a:buClr>
+                <a:schemeClr val="tx1"/>
+              </a:buClr>
+              <a:buFont typeface="+mj-lt"/>
+              <a:buAutoNum type="arabicPeriod"/>
+            </a:pPr>
+            <a:r>
+              <a:rPr lang="en-CA" dirty="0" err="1">
+                <a:solidFill>
+                  <a:schemeClr val="tx1"/>
+                </a:solidFill>
+              </a:rPr>
+              <a:t>Bozorgi</a:t>
+            </a:r>
+            <a:r>
+              <a:rPr lang="en-CA" dirty="0">
+                <a:solidFill>
+                  <a:schemeClr val="tx1"/>
+                </a:solidFill>
+              </a:rPr>
+              <a:t> M. Lawrence KS, Savage S, and </a:t>
+            </a:r>
+            <a:r>
+              <a:rPr lang="en-CA" dirty="0" err="1">
+                <a:solidFill>
+                  <a:schemeClr val="tx1"/>
+                </a:solidFill>
+              </a:rPr>
+              <a:t>Voelker</a:t>
+            </a:r>
+            <a:r>
+              <a:rPr lang="en-CA" dirty="0">
+                <a:solidFill>
+                  <a:schemeClr val="tx1"/>
+                </a:solidFill>
+              </a:rPr>
+              <a:t> GM. 2010 “Beyond Heuristics: </a:t>
+            </a:r>
+            <a:r>
+              <a:rPr lang="en-CA" dirty="0" smtClean="0">
+                <a:solidFill>
+                  <a:schemeClr val="tx1"/>
+                </a:solidFill>
+              </a:rPr>
+              <a:t>Learning </a:t>
+            </a:r>
+            <a:r>
+              <a:rPr lang="en-CA" dirty="0">
+                <a:solidFill>
+                  <a:schemeClr val="tx1"/>
+                </a:solidFill>
+              </a:rPr>
+              <a:t>to Classify Vulnerabilities and Predict Exploits” Proceedings of the 16th ACM </a:t>
+            </a:r>
+            <a:r>
+              <a:rPr lang="en-CA" dirty="0" smtClean="0">
+                <a:solidFill>
+                  <a:schemeClr val="tx1"/>
+                </a:solidFill>
+              </a:rPr>
+              <a:t>SIGKDD </a:t>
+            </a:r>
+            <a:r>
+              <a:rPr lang="en-CA" dirty="0">
+                <a:solidFill>
+                  <a:schemeClr val="tx1"/>
+                </a:solidFill>
+              </a:rPr>
+              <a:t>international conference on Knowledge discovery and data mining. 2010; </a:t>
+            </a:r>
+            <a:r>
+              <a:rPr lang="en-CA" dirty="0" smtClean="0">
+                <a:solidFill>
+                  <a:schemeClr val="tx1"/>
+                </a:solidFill>
+              </a:rPr>
+              <a:t>105-114.</a:t>
+            </a:r>
+          </a:p>
+          <a:p>
+            <a:pPr>
+              <a:buClr>
+                <a:schemeClr val="tx1"/>
+              </a:buClr>
+              <a:buFont typeface="+mj-lt"/>
+              <a:buAutoNum type="arabicPeriod"/>
+            </a:pPr>
+            <a:r>
+              <a:rPr lang="en-CA" dirty="0" err="1">
+                <a:solidFill>
+                  <a:schemeClr val="tx1"/>
+                </a:solidFill>
+              </a:rPr>
+              <a:t>Younis</a:t>
+            </a:r>
+            <a:r>
+              <a:rPr lang="en-CA" dirty="0">
+                <a:solidFill>
+                  <a:schemeClr val="tx1"/>
+                </a:solidFill>
+              </a:rPr>
+              <a:t> AA, and </a:t>
+            </a:r>
+            <a:r>
+              <a:rPr lang="en-CA" dirty="0" err="1">
+                <a:solidFill>
+                  <a:schemeClr val="tx1"/>
+                </a:solidFill>
+              </a:rPr>
+              <a:t>Malaiya</a:t>
+            </a:r>
+            <a:r>
+              <a:rPr lang="en-CA" dirty="0">
+                <a:solidFill>
+                  <a:schemeClr val="tx1"/>
+                </a:solidFill>
+              </a:rPr>
+              <a:t> YK. “Comparing and Evaluating CVSS Base Metrics and </a:t>
+            </a:r>
+            <a:r>
+              <a:rPr lang="en-CA" dirty="0" smtClean="0">
+                <a:solidFill>
+                  <a:schemeClr val="tx1"/>
+                </a:solidFill>
+              </a:rPr>
+              <a:t>Microsoft </a:t>
+            </a:r>
+            <a:r>
+              <a:rPr lang="en-CA" dirty="0">
+                <a:solidFill>
+                  <a:schemeClr val="tx1"/>
+                </a:solidFill>
+              </a:rPr>
+              <a:t>Rating System” IEEE International Conference on Software Quality, 	Reliability and Security. 2015; 252-261.</a:t>
+            </a:r>
+          </a:p>
+          <a:p>
+            <a:pPr>
+              <a:buClr>
+                <a:schemeClr val="tx1"/>
+              </a:buClr>
+              <a:buFont typeface="+mj-lt"/>
+              <a:buAutoNum type="arabicPeriod"/>
+            </a:pPr>
+            <a:endParaRPr lang="en-CA" dirty="0">
+              <a:solidFill>
+                <a:schemeClr val="tx1"/>
+              </a:solidFill>
+            </a:endParaRPr>
+          </a:p>
+        </p:txBody>
+      </p:sp>
+    </p:spTree>
+    <p:extLst>
+      <p:ext uri="{BB962C8B-B14F-4D97-AF65-F5344CB8AC3E}">
+        <p14:creationId xmlns:p14="http://schemas.microsoft.com/office/powerpoint/2010/main" val="2120643735"/>
       </p:ext>
     </p:extLst>
   </p:cSld>
